--- a/SpringMVC/Spring_Web_MVC_Framework.pptx
+++ b/SpringMVC/Spring_Web_MVC_Framework.pptx
@@ -5,7 +5,7 @@
     <p:sldMasterId id="2147483660" r:id="rId4"/>
   </p:sldMasterIdLst>
   <p:notesMasterIdLst>
-    <p:notesMasterId r:id="rId77"/>
+    <p:notesMasterId r:id="rId106"/>
   </p:notesMasterIdLst>
   <p:sldIdLst>
     <p:sldId id="256" r:id="rId5"/>
@@ -74,12 +74,41 @@
     <p:sldId id="320" r:id="rId68"/>
     <p:sldId id="321" r:id="rId69"/>
     <p:sldId id="322" r:id="rId70"/>
-    <p:sldId id="326" r:id="rId71"/>
-    <p:sldId id="327" r:id="rId72"/>
-    <p:sldId id="323" r:id="rId73"/>
-    <p:sldId id="324" r:id="rId74"/>
-    <p:sldId id="325" r:id="rId75"/>
-    <p:sldId id="295" r:id="rId76"/>
+    <p:sldId id="339" r:id="rId71"/>
+    <p:sldId id="326" r:id="rId72"/>
+    <p:sldId id="328" r:id="rId73"/>
+    <p:sldId id="327" r:id="rId74"/>
+    <p:sldId id="329" r:id="rId75"/>
+    <p:sldId id="330" r:id="rId76"/>
+    <p:sldId id="331" r:id="rId77"/>
+    <p:sldId id="332" r:id="rId78"/>
+    <p:sldId id="333" r:id="rId79"/>
+    <p:sldId id="334" r:id="rId80"/>
+    <p:sldId id="335" r:id="rId81"/>
+    <p:sldId id="336" r:id="rId82"/>
+    <p:sldId id="323" r:id="rId83"/>
+    <p:sldId id="340" r:id="rId84"/>
+    <p:sldId id="337" r:id="rId85"/>
+    <p:sldId id="341" r:id="rId86"/>
+    <p:sldId id="342" r:id="rId87"/>
+    <p:sldId id="343" r:id="rId88"/>
+    <p:sldId id="344" r:id="rId89"/>
+    <p:sldId id="345" r:id="rId90"/>
+    <p:sldId id="346" r:id="rId91"/>
+    <p:sldId id="347" r:id="rId92"/>
+    <p:sldId id="348" r:id="rId93"/>
+    <p:sldId id="349" r:id="rId94"/>
+    <p:sldId id="350" r:id="rId95"/>
+    <p:sldId id="351" r:id="rId96"/>
+    <p:sldId id="324" r:id="rId97"/>
+    <p:sldId id="352" r:id="rId98"/>
+    <p:sldId id="353" r:id="rId99"/>
+    <p:sldId id="354" r:id="rId100"/>
+    <p:sldId id="355" r:id="rId101"/>
+    <p:sldId id="295" r:id="rId102"/>
+    <p:sldId id="356" r:id="rId103"/>
+    <p:sldId id="357" r:id="rId104"/>
+    <p:sldId id="358" r:id="rId105"/>
   </p:sldIdLst>
   <p:sldSz cx="9144000" cy="6858000" type="screen4x3"/>
   <p:notesSz cx="6858000" cy="9144000"/>
@@ -279,7 +308,7 @@
           <a:p>
             <a:fld id="{C4EB8123-A165-47ED-9C55-C3D9A4DBAD68}" type="datetimeFigureOut">
               <a:rPr lang="fi-FI" smtClean="0"/>
-              <a:t>14.10.2015</a:t>
+              <a:t>16.12.2015</a:t>
             </a:fld>
             <a:endParaRPr lang="fi-FI"/>
           </a:p>
@@ -2363,7 +2392,7 @@
           <a:p>
             <a:fld id="{327DBA9D-E4B6-4518-8786-B9C2F86DE51A}" type="datetime1">
               <a:rPr lang="fi-FI" smtClean="0"/>
-              <a:t>14.10.2015</a:t>
+              <a:t>16.12.2015</a:t>
             </a:fld>
             <a:endParaRPr lang="fi-FI"/>
           </a:p>
@@ -2585,7 +2614,7 @@
           <a:p>
             <a:fld id="{0DD1C434-342C-41CF-89F6-C5FAA9A71CEB}" type="datetime1">
               <a:rPr lang="fi-FI" smtClean="0"/>
-              <a:t>14.10.2015</a:t>
+              <a:t>16.12.2015</a:t>
             </a:fld>
             <a:endParaRPr lang="fi-FI"/>
           </a:p>
@@ -2780,7 +2809,7 @@
           <a:p>
             <a:fld id="{0ED5A8FB-7600-4919-883B-12481B4F6CCB}" type="datetime1">
               <a:rPr lang="fi-FI" smtClean="0"/>
-              <a:t>14.10.2015</a:t>
+              <a:t>16.12.2015</a:t>
             </a:fld>
             <a:endParaRPr lang="fi-FI"/>
           </a:p>
@@ -4655,7 +4684,7 @@
           <a:p>
             <a:fld id="{786339DA-C46F-4C6F-95A3-9379EAD4B9E9}" type="datetime1">
               <a:rPr lang="fi-FI" smtClean="0"/>
-              <a:t>14.10.2015</a:t>
+              <a:t>16.12.2015</a:t>
             </a:fld>
             <a:endParaRPr lang="fi-FI"/>
           </a:p>
@@ -6569,7 +6598,7 @@
           <a:p>
             <a:fld id="{DDE8EE06-37CE-4589-979F-8BAD7B9A600E}" type="datetime1">
               <a:rPr lang="fi-FI" smtClean="0"/>
-              <a:t>14.10.2015</a:t>
+              <a:t>16.12.2015</a:t>
             </a:fld>
             <a:endParaRPr lang="fi-FI"/>
           </a:p>
@@ -6726,7 +6755,7 @@
           <a:p>
             <a:fld id="{17D99144-C526-494B-B7FE-18E55CA793B3}" type="datetime1">
               <a:rPr lang="fi-FI" smtClean="0"/>
-              <a:t>14.10.2015</a:t>
+              <a:t>16.12.2015</a:t>
             </a:fld>
             <a:endParaRPr lang="fi-FI"/>
           </a:p>
@@ -7311,7 +7340,7 @@
           <a:p>
             <a:fld id="{E2F92E3A-C1B1-4FA0-AB14-E082E2685DC2}" type="datetime1">
               <a:rPr lang="fi-FI" smtClean="0"/>
-              <a:t>14.10.2015</a:t>
+              <a:t>16.12.2015</a:t>
             </a:fld>
             <a:endParaRPr lang="fi-FI"/>
           </a:p>
@@ -7468,7 +7497,7 @@
           <a:p>
             <a:fld id="{21167F19-C9AE-4D99-81D4-E387C66372F9}" type="datetime1">
               <a:rPr lang="fi-FI" smtClean="0"/>
-              <a:t>14.10.2015</a:t>
+              <a:t>16.12.2015</a:t>
             </a:fld>
             <a:endParaRPr lang="fi-FI"/>
           </a:p>
@@ -9223,7 +9252,7 @@
           <a:p>
             <a:fld id="{E3C8B590-F809-4880-A511-D394916220E8}" type="datetime1">
               <a:rPr lang="fi-FI" smtClean="0"/>
-              <a:t>14.10.2015</a:t>
+              <a:t>16.12.2015</a:t>
             </a:fld>
             <a:endParaRPr lang="fi-FI"/>
           </a:p>
@@ -9418,7 +9447,7 @@
           <a:p>
             <a:fld id="{3363C4C5-2E4E-4839-9FB9-FA0460CC2E24}" type="datetime1">
               <a:rPr lang="fi-FI" smtClean="0"/>
-              <a:t>14.10.2015</a:t>
+              <a:t>16.12.2015</a:t>
             </a:fld>
             <a:endParaRPr lang="fi-FI"/>
           </a:p>
@@ -13077,7 +13106,7 @@
           <a:p>
             <a:fld id="{C4CAF184-C661-41D6-A7AB-1B2872D71EF1}" type="datetime1">
               <a:rPr lang="fi-FI" smtClean="0"/>
-              <a:t>14.10.2015</a:t>
+              <a:t>16.12.2015</a:t>
             </a:fld>
             <a:endParaRPr lang="fi-FI"/>
           </a:p>
@@ -14976,7 +15005,7 @@
           <a:p>
             <a:fld id="{547E3534-5B45-47CB-9862-2AC10FB9400A}" type="datetime1">
               <a:rPr lang="fi-FI" smtClean="0"/>
-              <a:t>14.10.2015</a:t>
+              <a:t>16.12.2015</a:t>
             </a:fld>
             <a:endParaRPr lang="fi-FI"/>
           </a:p>
@@ -15667,7 +15696,7 @@
           <a:p>
             <a:fld id="{4691B1D1-5A08-4681-9A72-9B2DED367437}" type="datetime1">
               <a:rPr lang="fi-FI" smtClean="0"/>
-              <a:t>14.10.2015</a:t>
+              <a:t>16.12.2015</a:t>
             </a:fld>
             <a:endParaRPr lang="fi-FI"/>
           </a:p>
@@ -15787,35 +15816,27 @@
             </a:r>
             <a:r>
               <a:rPr lang="fi-FI" dirty="0" err="1" smtClean="0"/>
+              <a:t>or</a:t>
+            </a:r>
+            <a:r>
+              <a:rPr lang="fi-FI" dirty="0" smtClean="0"/>
+              <a:t> </a:t>
+            </a:r>
+            <a:r>
+              <a:rPr lang="fi-FI" dirty="0" err="1" smtClean="0"/>
+              <a:t>Tomcat</a:t>
+            </a:r>
+            <a:r>
+              <a:rPr lang="fi-FI" dirty="0" smtClean="0"/>
+              <a:t> </a:t>
+            </a:r>
+            <a:r>
+              <a:rPr lang="fi-FI" dirty="0" err="1" smtClean="0"/>
               <a:t>server</a:t>
             </a:r>
             <a:r>
               <a:rPr lang="fi-FI" dirty="0" smtClean="0"/>
-              <a:t> 4.1 </a:t>
-            </a:r>
-            <a:r>
-              <a:rPr lang="fi-FI" dirty="0" err="1" smtClean="0"/>
-              <a:t>or</a:t>
-            </a:r>
-            <a:r>
-              <a:rPr lang="fi-FI" dirty="0" smtClean="0"/>
-              <a:t> </a:t>
-            </a:r>
-            <a:r>
-              <a:rPr lang="fi-FI" dirty="0" err="1" smtClean="0"/>
-              <a:t>more</a:t>
-            </a:r>
-            <a:r>
-              <a:rPr lang="fi-FI" dirty="0" smtClean="0"/>
-              <a:t> </a:t>
-            </a:r>
-            <a:r>
-              <a:rPr lang="fi-FI" dirty="0" err="1" smtClean="0"/>
-              <a:t>fresh</a:t>
-            </a:r>
-            <a:r>
-              <a:rPr lang="fi-FI" dirty="0" smtClean="0"/>
-              <a:t> version is </a:t>
+              <a:t> is </a:t>
             </a:r>
             <a:r>
               <a:rPr lang="fi-FI" dirty="0" err="1" smtClean="0"/>
@@ -15889,7 +15910,7 @@
           <a:p>
             <a:fld id="{786339DA-C46F-4C6F-95A3-9379EAD4B9E9}" type="datetime1">
               <a:rPr lang="fi-FI" smtClean="0"/>
-              <a:t>14.10.2015</a:t>
+              <a:t>16.12.2015</a:t>
             </a:fld>
             <a:endParaRPr lang="fi-FI"/>
           </a:p>
@@ -16008,6 +16029,534 @@
 </p:sld>
 </file>
 
+<file path=ppt/slides/slide100.xml><?xml version="1.0" encoding="utf-8"?>
+<p:sld xmlns:a="http://schemas.openxmlformats.org/drawingml/2006/main" xmlns:r="http://schemas.openxmlformats.org/officeDocument/2006/relationships" xmlns:p="http://schemas.openxmlformats.org/presentationml/2006/main">
+  <p:cSld>
+    <p:spTree>
+      <p:nvGrpSpPr>
+        <p:cNvPr id="1" name=""/>
+        <p:cNvGrpSpPr/>
+        <p:nvPr/>
+      </p:nvGrpSpPr>
+      <p:grpSpPr>
+        <a:xfrm>
+          <a:off x="0" y="0"/>
+          <a:ext cx="0" cy="0"/>
+          <a:chOff x="0" y="0"/>
+          <a:chExt cx="0" cy="0"/>
+        </a:xfrm>
+      </p:grpSpPr>
+      <p:sp>
+        <p:nvSpPr>
+          <p:cNvPr id="2" name="Sisällön paikkamerkki 1"/>
+          <p:cNvSpPr>
+            <a:spLocks noGrp="1"/>
+          </p:cNvSpPr>
+          <p:nvPr>
+            <p:ph idx="1"/>
+          </p:nvPr>
+        </p:nvSpPr>
+        <p:spPr/>
+        <p:txBody>
+          <a:bodyPr>
+            <a:normAutofit fontScale="55000" lnSpcReduction="20000"/>
+          </a:bodyPr>
+          <a:lstStyle/>
+          <a:p>
+            <a:pPr marL="0" indent="0">
+              <a:buNone/>
+            </a:pPr>
+            <a:r>
+              <a:rPr lang="en-US" dirty="0"/>
+              <a:t>public class Greeting {</a:t>
+            </a:r>
+          </a:p>
+          <a:p>
+            <a:pPr marL="0" indent="0">
+              <a:buNone/>
+            </a:pPr>
+            <a:r>
+              <a:rPr lang="en-US" dirty="0"/>
+              <a:t>    </a:t>
+            </a:r>
+          </a:p>
+          <a:p>
+            <a:pPr marL="0" indent="0">
+              <a:buNone/>
+            </a:pPr>
+            <a:r>
+              <a:rPr lang="en-US" dirty="0"/>
+              <a:t>    private final long id;</a:t>
+            </a:r>
+          </a:p>
+          <a:p>
+            <a:pPr marL="0" indent="0">
+              <a:buNone/>
+            </a:pPr>
+            <a:r>
+              <a:rPr lang="en-US" dirty="0"/>
+              <a:t>    private final String content;</a:t>
+            </a:r>
+          </a:p>
+          <a:p>
+            <a:pPr marL="0" indent="0">
+              <a:buNone/>
+            </a:pPr>
+            <a:endParaRPr lang="en-US" dirty="0"/>
+          </a:p>
+          <a:p>
+            <a:pPr marL="0" indent="0">
+              <a:buNone/>
+            </a:pPr>
+            <a:r>
+              <a:rPr lang="en-US" dirty="0"/>
+              <a:t>    public Greeting(long id, String content) {</a:t>
+            </a:r>
+          </a:p>
+          <a:p>
+            <a:pPr marL="0" indent="0">
+              <a:buNone/>
+            </a:pPr>
+            <a:r>
+              <a:rPr lang="en-US" dirty="0"/>
+              <a:t>        this.id = id;</a:t>
+            </a:r>
+          </a:p>
+          <a:p>
+            <a:pPr marL="0" indent="0">
+              <a:buNone/>
+            </a:pPr>
+            <a:r>
+              <a:rPr lang="en-US" dirty="0"/>
+              <a:t>        </a:t>
+            </a:r>
+            <a:r>
+              <a:rPr lang="en-US" dirty="0" err="1"/>
+              <a:t>this.content</a:t>
+            </a:r>
+            <a:r>
+              <a:rPr lang="en-US" dirty="0"/>
+              <a:t> = content;</a:t>
+            </a:r>
+          </a:p>
+          <a:p>
+            <a:pPr marL="0" indent="0">
+              <a:buNone/>
+            </a:pPr>
+            <a:r>
+              <a:rPr lang="en-US" dirty="0"/>
+              <a:t>    }</a:t>
+            </a:r>
+          </a:p>
+          <a:p>
+            <a:pPr marL="0" indent="0">
+              <a:buNone/>
+            </a:pPr>
+            <a:endParaRPr lang="en-US" dirty="0"/>
+          </a:p>
+          <a:p>
+            <a:pPr marL="0" indent="0">
+              <a:buNone/>
+            </a:pPr>
+            <a:r>
+              <a:rPr lang="en-US" dirty="0"/>
+              <a:t>    public long </a:t>
+            </a:r>
+            <a:r>
+              <a:rPr lang="en-US" dirty="0" err="1"/>
+              <a:t>getId</a:t>
+            </a:r>
+            <a:r>
+              <a:rPr lang="en-US" dirty="0"/>
+              <a:t>() {</a:t>
+            </a:r>
+          </a:p>
+          <a:p>
+            <a:pPr marL="0" indent="0">
+              <a:buNone/>
+            </a:pPr>
+            <a:r>
+              <a:rPr lang="en-US" dirty="0"/>
+              <a:t>        return id;</a:t>
+            </a:r>
+          </a:p>
+          <a:p>
+            <a:pPr marL="0" indent="0">
+              <a:buNone/>
+            </a:pPr>
+            <a:r>
+              <a:rPr lang="en-US" dirty="0"/>
+              <a:t>    }</a:t>
+            </a:r>
+          </a:p>
+          <a:p>
+            <a:pPr marL="0" indent="0">
+              <a:buNone/>
+            </a:pPr>
+            <a:endParaRPr lang="en-US" dirty="0"/>
+          </a:p>
+          <a:p>
+            <a:pPr marL="0" indent="0">
+              <a:buNone/>
+            </a:pPr>
+            <a:r>
+              <a:rPr lang="en-US" dirty="0"/>
+              <a:t>    public String </a:t>
+            </a:r>
+            <a:r>
+              <a:rPr lang="en-US" dirty="0" err="1"/>
+              <a:t>getContent</a:t>
+            </a:r>
+            <a:r>
+              <a:rPr lang="en-US" dirty="0"/>
+              <a:t>() {</a:t>
+            </a:r>
+          </a:p>
+          <a:p>
+            <a:pPr marL="0" indent="0">
+              <a:buNone/>
+            </a:pPr>
+            <a:r>
+              <a:rPr lang="en-US" dirty="0"/>
+              <a:t>        return content;</a:t>
+            </a:r>
+          </a:p>
+          <a:p>
+            <a:pPr marL="0" indent="0">
+              <a:buNone/>
+            </a:pPr>
+            <a:r>
+              <a:rPr lang="en-US" dirty="0"/>
+              <a:t>    }  </a:t>
+            </a:r>
+          </a:p>
+          <a:p>
+            <a:pPr marL="0" indent="0">
+              <a:buNone/>
+            </a:pPr>
+            <a:r>
+              <a:rPr lang="en-US" dirty="0"/>
+              <a:t>}</a:t>
+            </a:r>
+          </a:p>
+        </p:txBody>
+      </p:sp>
+      <p:sp>
+        <p:nvSpPr>
+          <p:cNvPr id="3" name="Päivämäärän paikkamerkki 2"/>
+          <p:cNvSpPr>
+            <a:spLocks noGrp="1"/>
+          </p:cNvSpPr>
+          <p:nvPr>
+            <p:ph type="dt" sz="half" idx="10"/>
+          </p:nvPr>
+        </p:nvSpPr>
+        <p:spPr/>
+        <p:txBody>
+          <a:bodyPr/>
+          <a:lstStyle/>
+          <a:p>
+            <a:fld id="{786339DA-C46F-4C6F-95A3-9379EAD4B9E9}" type="datetime1">
+              <a:rPr lang="fi-FI" smtClean="0"/>
+              <a:t>16.12.2015</a:t>
+            </a:fld>
+            <a:endParaRPr lang="fi-FI"/>
+          </a:p>
+        </p:txBody>
+      </p:sp>
+      <p:sp>
+        <p:nvSpPr>
+          <p:cNvPr id="4" name="Alatunnisteen paikkamerkki 3"/>
+          <p:cNvSpPr>
+            <a:spLocks noGrp="1"/>
+          </p:cNvSpPr>
+          <p:nvPr>
+            <p:ph type="ftr" sz="quarter" idx="11"/>
+          </p:nvPr>
+        </p:nvSpPr>
+        <p:spPr/>
+        <p:txBody>
+          <a:bodyPr/>
+          <a:lstStyle/>
+          <a:p>
+            <a:endParaRPr lang="fi-FI"/>
+          </a:p>
+        </p:txBody>
+      </p:sp>
+      <p:sp>
+        <p:nvSpPr>
+          <p:cNvPr id="5" name="Otsikko 4"/>
+          <p:cNvSpPr>
+            <a:spLocks noGrp="1"/>
+          </p:cNvSpPr>
+          <p:nvPr>
+            <p:ph type="title"/>
+          </p:nvPr>
+        </p:nvSpPr>
+        <p:spPr/>
+        <p:txBody>
+          <a:bodyPr/>
+          <a:lstStyle/>
+          <a:p>
+            <a:r>
+              <a:rPr lang="en-US" dirty="0" smtClean="0"/>
+              <a:t>Model</a:t>
+            </a:r>
+            <a:endParaRPr lang="en-US" dirty="0"/>
+          </a:p>
+        </p:txBody>
+      </p:sp>
+    </p:spTree>
+    <p:extLst>
+      <p:ext uri="{BB962C8B-B14F-4D97-AF65-F5344CB8AC3E}">
+        <p14:creationId xmlns:p14="http://schemas.microsoft.com/office/powerpoint/2010/main" val="3240403782"/>
+      </p:ext>
+    </p:extLst>
+  </p:cSld>
+  <p:clrMapOvr>
+    <a:masterClrMapping/>
+  </p:clrMapOvr>
+</p:sld>
+</file>
+
+<file path=ppt/slides/slide101.xml><?xml version="1.0" encoding="utf-8"?>
+<p:sld xmlns:a="http://schemas.openxmlformats.org/drawingml/2006/main" xmlns:r="http://schemas.openxmlformats.org/officeDocument/2006/relationships" xmlns:p="http://schemas.openxmlformats.org/presentationml/2006/main">
+  <p:cSld>
+    <p:spTree>
+      <p:nvGrpSpPr>
+        <p:cNvPr id="1" name=""/>
+        <p:cNvGrpSpPr/>
+        <p:nvPr/>
+      </p:nvGrpSpPr>
+      <p:grpSpPr>
+        <a:xfrm>
+          <a:off x="0" y="0"/>
+          <a:ext cx="0" cy="0"/>
+          <a:chOff x="0" y="0"/>
+          <a:chExt cx="0" cy="0"/>
+        </a:xfrm>
+      </p:grpSpPr>
+      <p:sp>
+        <p:nvSpPr>
+          <p:cNvPr id="2" name="Sisällön paikkamerkki 1"/>
+          <p:cNvSpPr>
+            <a:spLocks noGrp="1"/>
+          </p:cNvSpPr>
+          <p:nvPr>
+            <p:ph idx="1"/>
+          </p:nvPr>
+        </p:nvSpPr>
+        <p:spPr/>
+        <p:txBody>
+          <a:bodyPr>
+            <a:normAutofit/>
+          </a:bodyPr>
+          <a:lstStyle/>
+          <a:p>
+            <a:r>
+              <a:rPr lang="en-US" dirty="0" smtClean="0"/>
+              <a:t>Then we need a controller containing REST </a:t>
+            </a:r>
+            <a:r>
+              <a:rPr lang="en-US" dirty="0" err="1" smtClean="0"/>
+              <a:t>api</a:t>
+            </a:r>
+            <a:r>
+              <a:rPr lang="en-US" dirty="0" smtClean="0"/>
+              <a:t> returning our model to client. </a:t>
+            </a:r>
+          </a:p>
+          <a:p>
+            <a:endParaRPr lang="en-US" dirty="0"/>
+          </a:p>
+          <a:p>
+            <a:pPr marL="0" indent="0">
+              <a:buNone/>
+            </a:pPr>
+            <a:r>
+              <a:rPr lang="en-US" sz="1300" dirty="0"/>
+              <a:t> @</a:t>
+            </a:r>
+            <a:r>
+              <a:rPr lang="en-US" sz="1300" dirty="0" err="1"/>
+              <a:t>RequestMapping</a:t>
+            </a:r>
+            <a:r>
+              <a:rPr lang="en-US" sz="1300" dirty="0"/>
+              <a:t>(name="/</a:t>
+            </a:r>
+            <a:r>
+              <a:rPr lang="en-US" sz="1300" dirty="0" err="1"/>
+              <a:t>test",method</a:t>
+            </a:r>
+            <a:r>
+              <a:rPr lang="en-US" sz="1300" dirty="0"/>
+              <a:t>=</a:t>
+            </a:r>
+            <a:r>
+              <a:rPr lang="en-US" sz="1300" dirty="0" err="1"/>
+              <a:t>RequestMethod.GET</a:t>
+            </a:r>
+            <a:r>
+              <a:rPr lang="en-US" sz="1300" dirty="0"/>
+              <a:t>)</a:t>
+            </a:r>
+          </a:p>
+          <a:p>
+            <a:pPr marL="0" indent="0">
+              <a:buNone/>
+            </a:pPr>
+            <a:r>
+              <a:rPr lang="en-US" sz="1300" dirty="0"/>
+              <a:t>     public @</a:t>
+            </a:r>
+            <a:r>
+              <a:rPr lang="en-US" sz="1300" dirty="0" err="1"/>
+              <a:t>ResponseBody</a:t>
+            </a:r>
+            <a:r>
+              <a:rPr lang="en-US" sz="1300" dirty="0"/>
+              <a:t> Greeting </a:t>
+            </a:r>
+            <a:r>
+              <a:rPr lang="en-US" sz="1300" dirty="0" err="1"/>
+              <a:t>sayHello</a:t>
+            </a:r>
+            <a:r>
+              <a:rPr lang="en-US" sz="1300" dirty="0"/>
+              <a:t>(@</a:t>
+            </a:r>
+            <a:r>
+              <a:rPr lang="en-US" sz="1300" dirty="0" err="1"/>
+              <a:t>RequestParam</a:t>
+            </a:r>
+            <a:r>
+              <a:rPr lang="en-US" sz="1300" dirty="0"/>
+              <a:t>(value="name", required=false, </a:t>
+            </a:r>
+            <a:r>
+              <a:rPr lang="en-US" sz="1300" dirty="0" err="1"/>
+              <a:t>defaultValue</a:t>
+            </a:r>
+            <a:r>
+              <a:rPr lang="en-US" sz="1300" dirty="0"/>
+              <a:t>="Stranger") String name) {</a:t>
+            </a:r>
+          </a:p>
+          <a:p>
+            <a:pPr marL="0" indent="0">
+              <a:buNone/>
+            </a:pPr>
+            <a:r>
+              <a:rPr lang="en-US" sz="1300" dirty="0"/>
+              <a:t>        return new Greeting(</a:t>
+            </a:r>
+            <a:r>
+              <a:rPr lang="en-US" sz="1300" dirty="0" err="1"/>
+              <a:t>counter.incrementAndGet</a:t>
+            </a:r>
+            <a:r>
+              <a:rPr lang="en-US" sz="1300" dirty="0"/>
+              <a:t>(), </a:t>
+            </a:r>
+            <a:r>
+              <a:rPr lang="en-US" sz="1300" dirty="0" err="1"/>
+              <a:t>String.format</a:t>
+            </a:r>
+            <a:r>
+              <a:rPr lang="en-US" sz="1300" dirty="0"/>
+              <a:t>(template, name));</a:t>
+            </a:r>
+          </a:p>
+          <a:p>
+            <a:pPr marL="0" indent="0">
+              <a:buNone/>
+            </a:pPr>
+            <a:r>
+              <a:rPr lang="en-US" sz="1300" dirty="0"/>
+              <a:t>    }</a:t>
+            </a:r>
+          </a:p>
+        </p:txBody>
+      </p:sp>
+      <p:sp>
+        <p:nvSpPr>
+          <p:cNvPr id="3" name="Päivämäärän paikkamerkki 2"/>
+          <p:cNvSpPr>
+            <a:spLocks noGrp="1"/>
+          </p:cNvSpPr>
+          <p:nvPr>
+            <p:ph type="dt" sz="half" idx="10"/>
+          </p:nvPr>
+        </p:nvSpPr>
+        <p:spPr/>
+        <p:txBody>
+          <a:bodyPr/>
+          <a:lstStyle/>
+          <a:p>
+            <a:fld id="{786339DA-C46F-4C6F-95A3-9379EAD4B9E9}" type="datetime1">
+              <a:rPr lang="fi-FI" smtClean="0"/>
+              <a:t>16.12.2015</a:t>
+            </a:fld>
+            <a:endParaRPr lang="fi-FI"/>
+          </a:p>
+        </p:txBody>
+      </p:sp>
+      <p:sp>
+        <p:nvSpPr>
+          <p:cNvPr id="4" name="Alatunnisteen paikkamerkki 3"/>
+          <p:cNvSpPr>
+            <a:spLocks noGrp="1"/>
+          </p:cNvSpPr>
+          <p:nvPr>
+            <p:ph type="ftr" sz="quarter" idx="11"/>
+          </p:nvPr>
+        </p:nvSpPr>
+        <p:spPr/>
+        <p:txBody>
+          <a:bodyPr/>
+          <a:lstStyle/>
+          <a:p>
+            <a:endParaRPr lang="fi-FI"/>
+          </a:p>
+        </p:txBody>
+      </p:sp>
+      <p:sp>
+        <p:nvSpPr>
+          <p:cNvPr id="5" name="Otsikko 4"/>
+          <p:cNvSpPr>
+            <a:spLocks noGrp="1"/>
+          </p:cNvSpPr>
+          <p:nvPr>
+            <p:ph type="title"/>
+          </p:nvPr>
+        </p:nvSpPr>
+        <p:spPr/>
+        <p:txBody>
+          <a:bodyPr/>
+          <a:lstStyle/>
+          <a:p>
+            <a:r>
+              <a:rPr lang="en-US" dirty="0" smtClean="0"/>
+              <a:t>REST JSON</a:t>
+            </a:r>
+            <a:endParaRPr lang="en-US" dirty="0"/>
+          </a:p>
+        </p:txBody>
+      </p:sp>
+    </p:spTree>
+    <p:extLst>
+      <p:ext uri="{BB962C8B-B14F-4D97-AF65-F5344CB8AC3E}">
+        <p14:creationId xmlns:p14="http://schemas.microsoft.com/office/powerpoint/2010/main" val="4184502452"/>
+      </p:ext>
+    </p:extLst>
+  </p:cSld>
+  <p:clrMapOvr>
+    <a:masterClrMapping/>
+  </p:clrMapOvr>
+</p:sld>
+</file>
+
 <file path=ppt/slides/slide11.xml><?xml version="1.0" encoding="utf-8"?>
 <p:sld xmlns:a="http://schemas.openxmlformats.org/drawingml/2006/main" xmlns:r="http://schemas.openxmlformats.org/officeDocument/2006/relationships" xmlns:p="http://schemas.openxmlformats.org/presentationml/2006/main">
   <p:cSld>
@@ -16157,7 +16706,7 @@
           <a:p>
             <a:fld id="{786339DA-C46F-4C6F-95A3-9379EAD4B9E9}" type="datetime1">
               <a:rPr lang="fi-FI" smtClean="0"/>
-              <a:t>14.10.2015</a:t>
+              <a:t>16.12.2015</a:t>
             </a:fld>
             <a:endParaRPr lang="fi-FI"/>
           </a:p>
@@ -16597,7 +17146,7 @@
           <a:p>
             <a:fld id="{786339DA-C46F-4C6F-95A3-9379EAD4B9E9}" type="datetime1">
               <a:rPr lang="fi-FI" smtClean="0"/>
-              <a:t>14.10.2015</a:t>
+              <a:t>16.12.2015</a:t>
             </a:fld>
             <a:endParaRPr lang="fi-FI"/>
           </a:p>
@@ -16994,7 +17543,7 @@
           <a:p>
             <a:fld id="{786339DA-C46F-4C6F-95A3-9379EAD4B9E9}" type="datetime1">
               <a:rPr lang="fi-FI" smtClean="0"/>
-              <a:t>14.10.2015</a:t>
+              <a:t>16.12.2015</a:t>
             </a:fld>
             <a:endParaRPr lang="fi-FI"/>
           </a:p>
@@ -17200,7 +17749,7 @@
           <a:p>
             <a:fld id="{786339DA-C46F-4C6F-95A3-9379EAD4B9E9}" type="datetime1">
               <a:rPr lang="fi-FI" smtClean="0"/>
-              <a:t>14.10.2015</a:t>
+              <a:t>16.12.2015</a:t>
             </a:fld>
             <a:endParaRPr lang="fi-FI"/>
           </a:p>
@@ -17519,7 +18068,7 @@
           <a:p>
             <a:fld id="{786339DA-C46F-4C6F-95A3-9379EAD4B9E9}" type="datetime1">
               <a:rPr lang="fi-FI" smtClean="0"/>
-              <a:t>14.10.2015</a:t>
+              <a:t>16.12.2015</a:t>
             </a:fld>
             <a:endParaRPr lang="fi-FI"/>
           </a:p>
@@ -17852,7 +18401,7 @@
           <a:p>
             <a:fld id="{786339DA-C46F-4C6F-95A3-9379EAD4B9E9}" type="datetime1">
               <a:rPr lang="fi-FI" smtClean="0"/>
-              <a:t>14.10.2015</a:t>
+              <a:t>16.12.2015</a:t>
             </a:fld>
             <a:endParaRPr lang="fi-FI"/>
           </a:p>
@@ -18090,7 +18639,7 @@
           <a:p>
             <a:fld id="{786339DA-C46F-4C6F-95A3-9379EAD4B9E9}" type="datetime1">
               <a:rPr lang="fi-FI" smtClean="0"/>
-              <a:t>14.10.2015</a:t>
+              <a:t>16.12.2015</a:t>
             </a:fld>
             <a:endParaRPr lang="fi-FI"/>
           </a:p>
@@ -18320,7 +18869,7 @@
           <a:p>
             <a:fld id="{786339DA-C46F-4C6F-95A3-9379EAD4B9E9}" type="datetime1">
               <a:rPr lang="fi-FI" smtClean="0"/>
-              <a:t>14.10.2015</a:t>
+              <a:t>16.12.2015</a:t>
             </a:fld>
             <a:endParaRPr lang="fi-FI"/>
           </a:p>
@@ -18479,7 +19028,7 @@
           <a:p>
             <a:fld id="{786339DA-C46F-4C6F-95A3-9379EAD4B9E9}" type="datetime1">
               <a:rPr lang="fi-FI" smtClean="0"/>
-              <a:t>14.10.2015</a:t>
+              <a:t>16.12.2015</a:t>
             </a:fld>
             <a:endParaRPr lang="fi-FI"/>
           </a:p>
@@ -18679,7 +19228,7 @@
           <a:p>
             <a:fld id="{15714908-B9A4-40F7-871E-9BC4195B2576}" type="datetime1">
               <a:rPr lang="fi-FI" smtClean="0"/>
-              <a:t>14.10.2015</a:t>
+              <a:t>16.12.2015</a:t>
             </a:fld>
             <a:endParaRPr lang="fi-FI"/>
           </a:p>
@@ -19133,7 +19682,7 @@
           <a:p>
             <a:fld id="{786339DA-C46F-4C6F-95A3-9379EAD4B9E9}" type="datetime1">
               <a:rPr lang="fi-FI" smtClean="0"/>
-              <a:t>14.10.2015</a:t>
+              <a:t>16.12.2015</a:t>
             </a:fld>
             <a:endParaRPr lang="fi-FI"/>
           </a:p>
@@ -19632,7 +20181,7 @@
           <a:p>
             <a:fld id="{786339DA-C46F-4C6F-95A3-9379EAD4B9E9}" type="datetime1">
               <a:rPr lang="fi-FI" smtClean="0"/>
-              <a:t>14.10.2015</a:t>
+              <a:t>16.12.2015</a:t>
             </a:fld>
             <a:endParaRPr lang="fi-FI"/>
           </a:p>
@@ -20221,7 +20770,7 @@
           <a:p>
             <a:fld id="{786339DA-C46F-4C6F-95A3-9379EAD4B9E9}" type="datetime1">
               <a:rPr lang="fi-FI" smtClean="0"/>
-              <a:t>14.10.2015</a:t>
+              <a:t>16.12.2015</a:t>
             </a:fld>
             <a:endParaRPr lang="fi-FI"/>
           </a:p>
@@ -20630,7 +21179,7 @@
           <a:p>
             <a:fld id="{786339DA-C46F-4C6F-95A3-9379EAD4B9E9}" type="datetime1">
               <a:rPr lang="fi-FI" smtClean="0"/>
-              <a:t>14.10.2015</a:t>
+              <a:t>16.12.2015</a:t>
             </a:fld>
             <a:endParaRPr lang="fi-FI"/>
           </a:p>
@@ -20724,7 +21273,7 @@
           <a:p>
             <a:fld id="{786339DA-C46F-4C6F-95A3-9379EAD4B9E9}" type="datetime1">
               <a:rPr lang="fi-FI" smtClean="0"/>
-              <a:t>14.10.2015</a:t>
+              <a:t>16.12.2015</a:t>
             </a:fld>
             <a:endParaRPr lang="fi-FI"/>
           </a:p>
@@ -21521,7 +22070,7 @@
           <a:p>
             <a:fld id="{786339DA-C46F-4C6F-95A3-9379EAD4B9E9}" type="datetime1">
               <a:rPr lang="fi-FI" smtClean="0"/>
-              <a:t>14.10.2015</a:t>
+              <a:t>16.12.2015</a:t>
             </a:fld>
             <a:endParaRPr lang="fi-FI"/>
           </a:p>
@@ -21686,7 +22235,7 @@
           <a:p>
             <a:fld id="{786339DA-C46F-4C6F-95A3-9379EAD4B9E9}" type="datetime1">
               <a:rPr lang="fi-FI" smtClean="0"/>
-              <a:t>14.10.2015</a:t>
+              <a:t>16.12.2015</a:t>
             </a:fld>
             <a:endParaRPr lang="fi-FI"/>
           </a:p>
@@ -21893,7 +22442,7 @@
           <a:p>
             <a:fld id="{786339DA-C46F-4C6F-95A3-9379EAD4B9E9}" type="datetime1">
               <a:rPr lang="fi-FI" smtClean="0"/>
-              <a:t>14.10.2015</a:t>
+              <a:t>16.12.2015</a:t>
             </a:fld>
             <a:endParaRPr lang="fi-FI"/>
           </a:p>
@@ -22000,7 +22549,7 @@
           <a:p>
             <a:fld id="{786339DA-C46F-4C6F-95A3-9379EAD4B9E9}" type="datetime1">
               <a:rPr lang="fi-FI" smtClean="0"/>
-              <a:t>14.10.2015</a:t>
+              <a:t>16.12.2015</a:t>
             </a:fld>
             <a:endParaRPr lang="fi-FI"/>
           </a:p>
@@ -22724,7 +23273,7 @@
           <a:p>
             <a:fld id="{786339DA-C46F-4C6F-95A3-9379EAD4B9E9}" type="datetime1">
               <a:rPr lang="fi-FI" smtClean="0"/>
-              <a:t>14.10.2015</a:t>
+              <a:t>16.12.2015</a:t>
             </a:fld>
             <a:endParaRPr lang="fi-FI"/>
           </a:p>
@@ -22961,7 +23510,7 @@
             </a:r>
             <a:r>
               <a:rPr lang="fi-FI" dirty="0" err="1" smtClean="0"/>
-              <a:t>wiht</a:t>
+              <a:t>with</a:t>
             </a:r>
             <a:r>
               <a:rPr lang="fi-FI" dirty="0" smtClean="0"/>
@@ -22973,6 +23522,14 @@
             </a:r>
             <a:r>
               <a:rPr lang="fi-FI" dirty="0" smtClean="0"/>
+              <a:t> and </a:t>
+            </a:r>
+            <a:r>
+              <a:rPr lang="fi-FI" dirty="0" err="1" smtClean="0"/>
+              <a:t>Tomcat</a:t>
+            </a:r>
+            <a:r>
+              <a:rPr lang="fi-FI" dirty="0" smtClean="0"/>
               <a:t> </a:t>
             </a:r>
             <a:r>
@@ -22981,7 +23538,87 @@
             </a:r>
             <a:r>
               <a:rPr lang="fi-FI" dirty="0" smtClean="0"/>
-              <a:t>.</a:t>
+              <a:t> (</a:t>
+            </a:r>
+            <a:r>
+              <a:rPr lang="fi-FI" dirty="0" err="1" smtClean="0"/>
+              <a:t>you</a:t>
+            </a:r>
+            <a:r>
+              <a:rPr lang="fi-FI" dirty="0" smtClean="0"/>
+              <a:t> </a:t>
+            </a:r>
+            <a:r>
+              <a:rPr lang="fi-FI" dirty="0" err="1" smtClean="0"/>
+              <a:t>can</a:t>
+            </a:r>
+            <a:r>
+              <a:rPr lang="fi-FI" dirty="0" smtClean="0"/>
+              <a:t> </a:t>
+            </a:r>
+            <a:r>
+              <a:rPr lang="fi-FI" dirty="0" err="1" smtClean="0"/>
+              <a:t>use</a:t>
+            </a:r>
+            <a:r>
+              <a:rPr lang="fi-FI" dirty="0" smtClean="0"/>
+              <a:t> </a:t>
+            </a:r>
+            <a:r>
+              <a:rPr lang="fi-FI" dirty="0" err="1" smtClean="0"/>
+              <a:t>also</a:t>
+            </a:r>
+            <a:r>
+              <a:rPr lang="fi-FI" dirty="0" smtClean="0"/>
+              <a:t> </a:t>
+            </a:r>
+            <a:r>
+              <a:rPr lang="fi-FI" dirty="0" err="1" smtClean="0"/>
+              <a:t>other</a:t>
+            </a:r>
+            <a:r>
+              <a:rPr lang="fi-FI" dirty="0" smtClean="0"/>
+              <a:t>  </a:t>
+            </a:r>
+            <a:r>
+              <a:rPr lang="fi-FI" dirty="0" err="1" smtClean="0"/>
+              <a:t>application</a:t>
+            </a:r>
+            <a:r>
+              <a:rPr lang="fi-FI" dirty="0" smtClean="0"/>
+              <a:t> </a:t>
+            </a:r>
+            <a:r>
+              <a:rPr lang="fi-FI" dirty="0" err="1" smtClean="0"/>
+              <a:t>servers</a:t>
+            </a:r>
+            <a:r>
+              <a:rPr lang="fi-FI" dirty="0" smtClean="0"/>
+              <a:t> </a:t>
+            </a:r>
+            <a:r>
+              <a:rPr lang="fi-FI" dirty="0" err="1" smtClean="0"/>
+              <a:t>if</a:t>
+            </a:r>
+            <a:r>
+              <a:rPr lang="fi-FI" dirty="0" smtClean="0"/>
+              <a:t> </a:t>
+            </a:r>
+            <a:r>
+              <a:rPr lang="fi-FI" dirty="0" err="1" smtClean="0"/>
+              <a:t>you</a:t>
+            </a:r>
+            <a:r>
+              <a:rPr lang="fi-FI" dirty="0" smtClean="0"/>
+              <a:t> </a:t>
+            </a:r>
+            <a:r>
+              <a:rPr lang="fi-FI" dirty="0" err="1" smtClean="0"/>
+              <a:t>want</a:t>
+            </a:r>
+            <a:r>
+              <a:rPr lang="fi-FI" dirty="0" smtClean="0"/>
+              <a:t>).</a:t>
             </a:r>
           </a:p>
           <a:p>
@@ -23022,7 +23659,7 @@
           <a:p>
             <a:fld id="{786339DA-C46F-4C6F-95A3-9379EAD4B9E9}" type="datetime1">
               <a:rPr lang="fi-FI" smtClean="0"/>
-              <a:t>14.10.2015</a:t>
+              <a:t>16.12.2015</a:t>
             </a:fld>
             <a:endParaRPr lang="fi-FI"/>
           </a:p>
@@ -23216,7 +23853,7 @@
           <a:p>
             <a:fld id="{E2F92E3A-C1B1-4FA0-AB14-E082E2685DC2}" type="datetime1">
               <a:rPr lang="fi-FI" smtClean="0"/>
-              <a:t>14.10.2015</a:t>
+              <a:t>16.12.2015</a:t>
             </a:fld>
             <a:endParaRPr lang="fi-FI"/>
           </a:p>
@@ -23522,7 +24159,7 @@
           <a:p>
             <a:fld id="{786339DA-C46F-4C6F-95A3-9379EAD4B9E9}" type="datetime1">
               <a:rPr lang="fi-FI" smtClean="0"/>
-              <a:t>14.10.2015</a:t>
+              <a:t>16.12.2015</a:t>
             </a:fld>
             <a:endParaRPr lang="fi-FI"/>
           </a:p>
@@ -24092,7 +24729,7 @@
           <a:p>
             <a:fld id="{786339DA-C46F-4C6F-95A3-9379EAD4B9E9}" type="datetime1">
               <a:rPr lang="fi-FI" smtClean="0"/>
-              <a:t>14.10.2015</a:t>
+              <a:t>16.12.2015</a:t>
             </a:fld>
             <a:endParaRPr lang="fi-FI"/>
           </a:p>
@@ -24210,7 +24847,7 @@
           <a:p>
             <a:fld id="{786339DA-C46F-4C6F-95A3-9379EAD4B9E9}" type="datetime1">
               <a:rPr lang="fi-FI" smtClean="0"/>
-              <a:t>14.10.2015</a:t>
+              <a:t>16.12.2015</a:t>
             </a:fld>
             <a:endParaRPr lang="fi-FI"/>
           </a:p>
@@ -24358,7 +24995,7 @@
           <a:p>
             <a:fld id="{786339DA-C46F-4C6F-95A3-9379EAD4B9E9}" type="datetime1">
               <a:rPr lang="fi-FI" smtClean="0"/>
-              <a:t>14.10.2015</a:t>
+              <a:t>16.12.2015</a:t>
             </a:fld>
             <a:endParaRPr lang="fi-FI"/>
           </a:p>
@@ -24457,7 +25094,7 @@
           <a:p>
             <a:fld id="{786339DA-C46F-4C6F-95A3-9379EAD4B9E9}" type="datetime1">
               <a:rPr lang="fi-FI" smtClean="0"/>
-              <a:t>14.10.2015</a:t>
+              <a:t>16.12.2015</a:t>
             </a:fld>
             <a:endParaRPr lang="fi-FI"/>
           </a:p>
@@ -24603,7 +25240,7 @@
           <a:p>
             <a:fld id="{786339DA-C46F-4C6F-95A3-9379EAD4B9E9}" type="datetime1">
               <a:rPr lang="fi-FI" smtClean="0"/>
-              <a:t>14.10.2015</a:t>
+              <a:t>16.12.2015</a:t>
             </a:fld>
             <a:endParaRPr lang="fi-FI"/>
           </a:p>
@@ -24698,7 +25335,7 @@
           <a:p>
             <a:fld id="{786339DA-C46F-4C6F-95A3-9379EAD4B9E9}" type="datetime1">
               <a:rPr lang="fi-FI" smtClean="0"/>
-              <a:t>14.10.2015</a:t>
+              <a:t>16.12.2015</a:t>
             </a:fld>
             <a:endParaRPr lang="fi-FI"/>
           </a:p>
@@ -24839,7 +25476,7 @@
           <a:p>
             <a:fld id="{786339DA-C46F-4C6F-95A3-9379EAD4B9E9}" type="datetime1">
               <a:rPr lang="fi-FI" smtClean="0"/>
-              <a:t>14.10.2015</a:t>
+              <a:t>16.12.2015</a:t>
             </a:fld>
             <a:endParaRPr lang="fi-FI"/>
           </a:p>
@@ -25046,7 +25683,7 @@
           <a:p>
             <a:fld id="{786339DA-C46F-4C6F-95A3-9379EAD4B9E9}" type="datetime1">
               <a:rPr lang="fi-FI" smtClean="0"/>
-              <a:t>14.10.2015</a:t>
+              <a:t>16.12.2015</a:t>
             </a:fld>
             <a:endParaRPr lang="fi-FI"/>
           </a:p>
@@ -25232,7 +25869,7 @@
           <a:p>
             <a:fld id="{786339DA-C46F-4C6F-95A3-9379EAD4B9E9}" type="datetime1">
               <a:rPr lang="fi-FI" smtClean="0"/>
-              <a:t>14.10.2015</a:t>
+              <a:t>16.12.2015</a:t>
             </a:fld>
             <a:endParaRPr lang="fi-FI"/>
           </a:p>
@@ -25414,7 +26051,7 @@
           <a:p>
             <a:fld id="{786339DA-C46F-4C6F-95A3-9379EAD4B9E9}" type="datetime1">
               <a:rPr lang="fi-FI" smtClean="0"/>
-              <a:t>14.10.2015</a:t>
+              <a:t>16.12.2015</a:t>
             </a:fld>
             <a:endParaRPr lang="fi-FI"/>
           </a:p>
@@ -25504,7 +26141,9 @@
         </p:nvSpPr>
         <p:spPr/>
         <p:txBody>
-          <a:bodyPr/>
+          <a:bodyPr>
+            <a:normAutofit fontScale="92500"/>
+          </a:bodyPr>
           <a:lstStyle/>
           <a:p>
             <a:r>
@@ -25523,17 +26162,33 @@
           <a:p>
             <a:r>
               <a:rPr lang="en-US" dirty="0" smtClean="0"/>
-              <a:t>In our case we create a project from scratch, so you see how to handle application dependencies using Maven project pom.xml file</a:t>
-            </a:r>
+              <a:t>In our case we create a project from scratch, so you see how to handle application dependencies using Maven project pom.xml file.</a:t>
+            </a:r>
+          </a:p>
+          <a:p>
             <a:r>
               <a:rPr lang="en-US" dirty="0" smtClean="0"/>
-              <a:t>.</a:t>
-            </a:r>
-          </a:p>
-          <a:p>
+              <a:t>Note! If you already know how to use Maven, you can get the base project for Spring Web MVC with Maven from </a:t>
+            </a:r>
+            <a:r>
+              <a:rPr lang="en-US" dirty="0"/>
+              <a:t>GitHub</a:t>
+            </a:r>
             <a:r>
               <a:rPr lang="en-US" dirty="0" smtClean="0"/>
-              <a:t>Note! If you already know how to use Maven, you can get the base project for Spring Web MVC with Maven from GitHub:</a:t>
+              <a:t>: </a:t>
+            </a:r>
+            <a:r>
+              <a:rPr lang="en-US" dirty="0" smtClean="0">
+                <a:hlinkClick r:id="rId2"/>
+              </a:rPr>
+              <a:t>https</a:t>
+            </a:r>
+            <a:r>
+              <a:rPr lang="en-US" dirty="0">
+                <a:hlinkClick r:id="rId2"/>
+              </a:rPr>
+              <a:t>://github.com/maukka76/JavaEE/tree/master/SpringMVC/MavenBase</a:t>
             </a:r>
             <a:endParaRPr lang="en-US" dirty="0"/>
           </a:p>
@@ -25556,7 +26211,7 @@
           <a:p>
             <a:fld id="{786339DA-C46F-4C6F-95A3-9379EAD4B9E9}" type="datetime1">
               <a:rPr lang="fi-FI" smtClean="0"/>
-              <a:t>14.10.2015</a:t>
+              <a:t>16.12.2015</a:t>
             </a:fld>
             <a:endParaRPr lang="fi-FI"/>
           </a:p>
@@ -25714,7 +26369,7 @@
           <a:p>
             <a:fld id="{786339DA-C46F-4C6F-95A3-9379EAD4B9E9}" type="datetime1">
               <a:rPr lang="fi-FI" smtClean="0"/>
-              <a:t>14.10.2015</a:t>
+              <a:t>16.12.2015</a:t>
             </a:fld>
             <a:endParaRPr lang="fi-FI"/>
           </a:p>
@@ -25842,15 +26497,7 @@
           <a:p>
             <a:r>
               <a:rPr lang="en-US" dirty="0" smtClean="0"/>
-              <a:t>The main project file pom.xml will contain all our project </a:t>
-            </a:r>
-            <a:r>
-              <a:rPr lang="en-US" dirty="0" smtClean="0"/>
-              <a:t>dependencies (and other configuration). </a:t>
-            </a:r>
-            <a:r>
-              <a:rPr lang="en-US" dirty="0" smtClean="0"/>
-              <a:t>When creating a Spring Web MVC project we of course need the Spring libraries (the .jar files) so we can use the framework. These libraries are defined in pom.xml in particular way i.e. :</a:t>
+              <a:t>The main project file pom.xml will contain all our project dependencies (and other configuration). When creating a Spring Web MVC project we of course need the Spring libraries (the .jar files) so we can use the framework. These libraries are defined in pom.xml in particular way i.e. :</a:t>
             </a:r>
           </a:p>
           <a:p>
@@ -25976,7 +26623,7 @@
           <a:p>
             <a:fld id="{786339DA-C46F-4C6F-95A3-9379EAD4B9E9}" type="datetime1">
               <a:rPr lang="fi-FI" smtClean="0"/>
-              <a:t>14.10.2015</a:t>
+              <a:t>16.12.2015</a:t>
             </a:fld>
             <a:endParaRPr lang="fi-FI"/>
           </a:p>
@@ -26132,7 +26779,7 @@
           <a:p>
             <a:fld id="{786339DA-C46F-4C6F-95A3-9379EAD4B9E9}" type="datetime1">
               <a:rPr lang="fi-FI" smtClean="0"/>
-              <a:t>14.10.2015</a:t>
+              <a:t>16.12.2015</a:t>
             </a:fld>
             <a:endParaRPr lang="fi-FI"/>
           </a:p>
@@ -26780,7 +27427,7 @@
           <a:p>
             <a:fld id="{786339DA-C46F-4C6F-95A3-9379EAD4B9E9}" type="datetime1">
               <a:rPr lang="fi-FI" smtClean="0"/>
-              <a:t>14.10.2015</a:t>
+              <a:t>16.12.2015</a:t>
             </a:fld>
             <a:endParaRPr lang="fi-FI"/>
           </a:p>
@@ -26878,11 +27525,7 @@
           <a:p>
             <a:r>
               <a:rPr lang="en-US" dirty="0" smtClean="0"/>
-              <a:t>In previous </a:t>
-            </a:r>
-            <a:r>
-              <a:rPr lang="en-US" dirty="0" smtClean="0"/>
-              <a:t>example the configuration was done using the .xml file (like </a:t>
+              <a:t>In previous example the configuration was done using the .xml file (like </a:t>
             </a:r>
             <a:r>
               <a:rPr lang="fi-FI" dirty="0" smtClean="0"/>
@@ -27281,7 +27924,7 @@
           <a:p>
             <a:fld id="{786339DA-C46F-4C6F-95A3-9379EAD4B9E9}" type="datetime1">
               <a:rPr lang="fi-FI" smtClean="0"/>
-              <a:t>14.10.2015</a:t>
+              <a:t>16.12.2015</a:t>
             </a:fld>
             <a:endParaRPr lang="fi-FI"/>
           </a:p>
@@ -27746,7 +28389,7 @@
           <a:p>
             <a:fld id="{786339DA-C46F-4C6F-95A3-9379EAD4B9E9}" type="datetime1">
               <a:rPr lang="fi-FI" smtClean="0"/>
-              <a:t>14.10.2015</a:t>
+              <a:t>16.12.2015</a:t>
             </a:fld>
             <a:endParaRPr lang="fi-FI"/>
           </a:p>
@@ -28139,7 +28782,7 @@
           <a:p>
             <a:fld id="{786339DA-C46F-4C6F-95A3-9379EAD4B9E9}" type="datetime1">
               <a:rPr lang="fi-FI" smtClean="0"/>
-              <a:t>14.10.2015</a:t>
+              <a:t>16.12.2015</a:t>
             </a:fld>
             <a:endParaRPr lang="fi-FI"/>
           </a:p>
@@ -28264,7 +28907,7 @@
           <a:p>
             <a:fld id="{786339DA-C46F-4C6F-95A3-9379EAD4B9E9}" type="datetime1">
               <a:rPr lang="fi-FI" smtClean="0"/>
-              <a:t>14.10.2015</a:t>
+              <a:t>16.12.2015</a:t>
             </a:fld>
             <a:endParaRPr lang="fi-FI"/>
           </a:p>
@@ -28383,7 +29026,7 @@
           <a:p>
             <a:fld id="{786339DA-C46F-4C6F-95A3-9379EAD4B9E9}" type="datetime1">
               <a:rPr lang="fi-FI" smtClean="0"/>
-              <a:t>14.10.2015</a:t>
+              <a:t>16.12.2015</a:t>
             </a:fld>
             <a:endParaRPr lang="fi-FI"/>
           </a:p>
@@ -28799,7 +29442,7 @@
           <a:p>
             <a:fld id="{786339DA-C46F-4C6F-95A3-9379EAD4B9E9}" type="datetime1">
               <a:rPr lang="fi-FI" smtClean="0"/>
-              <a:t>14.10.2015</a:t>
+              <a:t>16.12.2015</a:t>
             </a:fld>
             <a:endParaRPr lang="fi-FI"/>
           </a:p>
@@ -28929,7 +29572,7 @@
           <a:p>
             <a:fld id="{786339DA-C46F-4C6F-95A3-9379EAD4B9E9}" type="datetime1">
               <a:rPr lang="fi-FI" smtClean="0"/>
-              <a:t>14.10.2015</a:t>
+              <a:t>16.12.2015</a:t>
             </a:fld>
             <a:endParaRPr lang="fi-FI"/>
           </a:p>
@@ -29055,7 +29698,7 @@
           <a:p>
             <a:fld id="{786339DA-C46F-4C6F-95A3-9379EAD4B9E9}" type="datetime1">
               <a:rPr lang="fi-FI" smtClean="0"/>
-              <a:t>14.10.2015</a:t>
+              <a:t>16.12.2015</a:t>
             </a:fld>
             <a:endParaRPr lang="fi-FI"/>
           </a:p>
@@ -29213,7 +29856,7 @@
           <a:p>
             <a:fld id="{786339DA-C46F-4C6F-95A3-9379EAD4B9E9}" type="datetime1">
               <a:rPr lang="fi-FI" smtClean="0"/>
-              <a:t>14.10.2015</a:t>
+              <a:t>16.12.2015</a:t>
             </a:fld>
             <a:endParaRPr lang="fi-FI"/>
           </a:p>
@@ -29308,7 +29951,7 @@
           <a:p>
             <a:fld id="{786339DA-C46F-4C6F-95A3-9379EAD4B9E9}" type="datetime1">
               <a:rPr lang="fi-FI" smtClean="0"/>
-              <a:t>14.10.2015</a:t>
+              <a:t>16.12.2015</a:t>
             </a:fld>
             <a:endParaRPr lang="fi-FI"/>
           </a:p>
@@ -29457,7 +30100,7 @@
           <a:p>
             <a:fld id="{786339DA-C46F-4C6F-95A3-9379EAD4B9E9}" type="datetime1">
               <a:rPr lang="fi-FI" smtClean="0"/>
-              <a:t>14.10.2015</a:t>
+              <a:t>16.12.2015</a:t>
             </a:fld>
             <a:endParaRPr lang="fi-FI"/>
           </a:p>
@@ -29552,7 +30195,7 @@
           <a:p>
             <a:fld id="{786339DA-C46F-4C6F-95A3-9379EAD4B9E9}" type="datetime1">
               <a:rPr lang="fi-FI" smtClean="0"/>
-              <a:t>14.10.2015</a:t>
+              <a:t>16.12.2015</a:t>
             </a:fld>
             <a:endParaRPr lang="fi-FI"/>
           </a:p>
@@ -29725,7 +30368,7 @@
           <a:p>
             <a:fld id="{786339DA-C46F-4C6F-95A3-9379EAD4B9E9}" type="datetime1">
               <a:rPr lang="fi-FI" smtClean="0"/>
-              <a:t>14.10.2015</a:t>
+              <a:t>16.12.2015</a:t>
             </a:fld>
             <a:endParaRPr lang="fi-FI"/>
           </a:p>
@@ -29820,7 +30463,7 @@
           <a:p>
             <a:fld id="{786339DA-C46F-4C6F-95A3-9379EAD4B9E9}" type="datetime1">
               <a:rPr lang="fi-FI" smtClean="0"/>
-              <a:t>14.10.2015</a:t>
+              <a:t>16.12.2015</a:t>
             </a:fld>
             <a:endParaRPr lang="fi-FI"/>
           </a:p>
@@ -29970,7 +30613,7 @@
           <a:p>
             <a:fld id="{786339DA-C46F-4C6F-95A3-9379EAD4B9E9}" type="datetime1">
               <a:rPr lang="fi-FI" smtClean="0"/>
-              <a:t>14.10.2015</a:t>
+              <a:t>16.12.2015</a:t>
             </a:fld>
             <a:endParaRPr lang="fi-FI"/>
           </a:p>
@@ -30162,7 +30805,7 @@
           <a:p>
             <a:fld id="{786339DA-C46F-4C6F-95A3-9379EAD4B9E9}" type="datetime1">
               <a:rPr lang="fi-FI" smtClean="0"/>
-              <a:t>14.10.2015</a:t>
+              <a:t>16.12.2015</a:t>
             </a:fld>
             <a:endParaRPr lang="fi-FI"/>
           </a:p>
@@ -30292,7 +30935,7 @@
           <a:p>
             <a:fld id="{786339DA-C46F-4C6F-95A3-9379EAD4B9E9}" type="datetime1">
               <a:rPr lang="fi-FI" smtClean="0"/>
-              <a:t>14.10.2015</a:t>
+              <a:t>16.12.2015</a:t>
             </a:fld>
             <a:endParaRPr lang="fi-FI"/>
           </a:p>
@@ -30466,7 +31109,7 @@
           <a:p>
             <a:fld id="{786339DA-C46F-4C6F-95A3-9379EAD4B9E9}" type="datetime1">
               <a:rPr lang="fi-FI" smtClean="0"/>
-              <a:t>14.10.2015</a:t>
+              <a:t>16.12.2015</a:t>
             </a:fld>
             <a:endParaRPr lang="fi-FI"/>
           </a:p>
@@ -30647,7 +31290,7 @@
           <a:p>
             <a:fld id="{786339DA-C46F-4C6F-95A3-9379EAD4B9E9}" type="datetime1">
               <a:rPr lang="fi-FI" smtClean="0"/>
-              <a:t>14.10.2015</a:t>
+              <a:t>16.12.2015</a:t>
             </a:fld>
             <a:endParaRPr lang="fi-FI"/>
           </a:p>
@@ -30742,7 +31385,7 @@
           <a:p>
             <a:fld id="{786339DA-C46F-4C6F-95A3-9379EAD4B9E9}" type="datetime1">
               <a:rPr lang="fi-FI" smtClean="0"/>
-              <a:t>14.10.2015</a:t>
+              <a:t>16.12.2015</a:t>
             </a:fld>
             <a:endParaRPr lang="fi-FI"/>
           </a:p>
@@ -30927,7 +31570,7 @@
           <a:p>
             <a:fld id="{786339DA-C46F-4C6F-95A3-9379EAD4B9E9}" type="datetime1">
               <a:rPr lang="fi-FI" smtClean="0"/>
-              <a:t>14.10.2015</a:t>
+              <a:t>16.12.2015</a:t>
             </a:fld>
             <a:endParaRPr lang="fi-FI"/>
           </a:p>
@@ -31114,7 +31757,7 @@
           <a:p>
             <a:fld id="{786339DA-C46F-4C6F-95A3-9379EAD4B9E9}" type="datetime1">
               <a:rPr lang="fi-FI" smtClean="0"/>
-              <a:t>14.10.2015</a:t>
+              <a:t>16.12.2015</a:t>
             </a:fld>
             <a:endParaRPr lang="fi-FI"/>
           </a:p>
@@ -31232,13 +31875,8 @@
           <a:p>
             <a:r>
               <a:rPr lang="en-US" dirty="0" smtClean="0"/>
-              <a:t>Sometimes there is need to validate the user input in your application. For example in our previous example it would be good idea to check that the user name and password fields are NOT empty, before actually checking </a:t>
-            </a:r>
-            <a:r>
-              <a:rPr lang="en-US" dirty="0" smtClean="0"/>
-              <a:t>if those are valid.</a:t>
-            </a:r>
-            <a:endParaRPr lang="en-US" dirty="0" smtClean="0"/>
+              <a:t>Sometimes there is need to validate the user input in your application. For example in our previous example it would be good idea to check that the user name and password fields are NOT empty, before actually checking if those are valid.</a:t>
+            </a:r>
           </a:p>
           <a:p>
             <a:r>
@@ -31280,7 +31918,7 @@
           <a:p>
             <a:fld id="{786339DA-C46F-4C6F-95A3-9379EAD4B9E9}" type="datetime1">
               <a:rPr lang="fi-FI" smtClean="0"/>
-              <a:t>14.10.2015</a:t>
+              <a:t>16.12.2015</a:t>
             </a:fld>
             <a:endParaRPr lang="fi-FI"/>
           </a:p>
@@ -31370,10 +32008,196 @@
         </p:nvSpPr>
         <p:spPr/>
         <p:txBody>
-          <a:bodyPr/>
-          <a:lstStyle/>
+          <a:bodyPr>
+            <a:normAutofit fontScale="92500" lnSpcReduction="20000"/>
+          </a:bodyPr>
+          <a:lstStyle/>
+          <a:p>
+            <a:r>
+              <a:rPr lang="en-US" dirty="0" smtClean="0"/>
+              <a:t>You need to define these two dependencies in pom.xml file</a:t>
+            </a:r>
+          </a:p>
           <a:p>
             <a:endParaRPr lang="en-US" dirty="0"/>
+          </a:p>
+          <a:p>
+            <a:pPr marL="0" indent="0">
+              <a:buNone/>
+            </a:pPr>
+            <a:r>
+              <a:rPr lang="en-US" dirty="0"/>
+              <a:t> &lt;dependency&gt;</a:t>
+            </a:r>
+          </a:p>
+          <a:p>
+            <a:pPr marL="0" indent="0">
+              <a:buNone/>
+            </a:pPr>
+            <a:r>
+              <a:rPr lang="en-US" dirty="0"/>
+              <a:t>                &lt;</a:t>
+            </a:r>
+            <a:r>
+              <a:rPr lang="en-US" dirty="0" err="1"/>
+              <a:t>groupId</a:t>
+            </a:r>
+            <a:r>
+              <a:rPr lang="en-US" dirty="0"/>
+              <a:t>&gt;</a:t>
+            </a:r>
+            <a:r>
+              <a:rPr lang="en-US" dirty="0" err="1"/>
+              <a:t>javax.validation</a:t>
+            </a:r>
+            <a:r>
+              <a:rPr lang="en-US" dirty="0"/>
+              <a:t>&lt;/</a:t>
+            </a:r>
+            <a:r>
+              <a:rPr lang="en-US" dirty="0" err="1"/>
+              <a:t>groupId</a:t>
+            </a:r>
+            <a:r>
+              <a:rPr lang="en-US" dirty="0"/>
+              <a:t>&gt;</a:t>
+            </a:r>
+          </a:p>
+          <a:p>
+            <a:pPr marL="0" indent="0">
+              <a:buNone/>
+            </a:pPr>
+            <a:r>
+              <a:rPr lang="en-US" dirty="0"/>
+              <a:t>                &lt;</a:t>
+            </a:r>
+            <a:r>
+              <a:rPr lang="en-US" dirty="0" err="1"/>
+              <a:t>artifactId</a:t>
+            </a:r>
+            <a:r>
+              <a:rPr lang="en-US" dirty="0"/>
+              <a:t>&gt;validation-</a:t>
+            </a:r>
+            <a:r>
+              <a:rPr lang="en-US" dirty="0" err="1"/>
+              <a:t>api</a:t>
+            </a:r>
+            <a:r>
+              <a:rPr lang="en-US" dirty="0"/>
+              <a:t>&lt;/</a:t>
+            </a:r>
+            <a:r>
+              <a:rPr lang="en-US" dirty="0" err="1"/>
+              <a:t>artifactId</a:t>
+            </a:r>
+            <a:r>
+              <a:rPr lang="en-US" dirty="0"/>
+              <a:t>&gt;</a:t>
+            </a:r>
+          </a:p>
+          <a:p>
+            <a:pPr marL="0" indent="0">
+              <a:buNone/>
+            </a:pPr>
+            <a:r>
+              <a:rPr lang="en-US" dirty="0"/>
+              <a:t>                &lt;version&gt;1.1.0.Final&lt;/version&gt;</a:t>
+            </a:r>
+          </a:p>
+          <a:p>
+            <a:pPr marL="0" indent="0">
+              <a:buNone/>
+            </a:pPr>
+            <a:r>
+              <a:rPr lang="en-US" dirty="0"/>
+              <a:t>        &lt;/dependency&gt;</a:t>
+            </a:r>
+          </a:p>
+          <a:p>
+            <a:pPr marL="0" indent="0">
+              <a:buNone/>
+            </a:pPr>
+            <a:r>
+              <a:rPr lang="en-US" dirty="0"/>
+              <a:t>        &lt;dependency&gt;</a:t>
+            </a:r>
+          </a:p>
+          <a:p>
+            <a:pPr marL="0" indent="0">
+              <a:buNone/>
+            </a:pPr>
+            <a:r>
+              <a:rPr lang="en-US" dirty="0"/>
+              <a:t>                &lt;</a:t>
+            </a:r>
+            <a:r>
+              <a:rPr lang="en-US" dirty="0" err="1"/>
+              <a:t>groupId</a:t>
+            </a:r>
+            <a:r>
+              <a:rPr lang="en-US" dirty="0"/>
+              <a:t>&gt;</a:t>
+            </a:r>
+            <a:r>
+              <a:rPr lang="en-US" dirty="0" err="1"/>
+              <a:t>org.hibernate</a:t>
+            </a:r>
+            <a:r>
+              <a:rPr lang="en-US" dirty="0"/>
+              <a:t>&lt;/</a:t>
+            </a:r>
+            <a:r>
+              <a:rPr lang="en-US" dirty="0" err="1"/>
+              <a:t>groupId</a:t>
+            </a:r>
+            <a:r>
+              <a:rPr lang="en-US" dirty="0"/>
+              <a:t>&gt;</a:t>
+            </a:r>
+          </a:p>
+          <a:p>
+            <a:pPr marL="0" indent="0">
+              <a:buNone/>
+            </a:pPr>
+            <a:r>
+              <a:rPr lang="en-US" dirty="0"/>
+              <a:t>                &lt;</a:t>
+            </a:r>
+            <a:r>
+              <a:rPr lang="en-US" dirty="0" err="1"/>
+              <a:t>artifactId</a:t>
+            </a:r>
+            <a:r>
+              <a:rPr lang="en-US" dirty="0"/>
+              <a:t>&gt;hibernate-validator&lt;/</a:t>
+            </a:r>
+            <a:r>
+              <a:rPr lang="en-US" dirty="0" err="1"/>
+              <a:t>artifactId</a:t>
+            </a:r>
+            <a:r>
+              <a:rPr lang="en-US" dirty="0"/>
+              <a:t>&gt;</a:t>
+            </a:r>
+          </a:p>
+          <a:p>
+            <a:pPr marL="0" indent="0">
+              <a:buNone/>
+            </a:pPr>
+            <a:r>
+              <a:rPr lang="en-US" dirty="0"/>
+              <a:t>                &lt;version&gt;5.2.2.Final&lt;/version&gt;</a:t>
+            </a:r>
+          </a:p>
+          <a:p>
+            <a:pPr marL="0" indent="0">
+              <a:buNone/>
+            </a:pPr>
+            <a:r>
+              <a:rPr lang="en-US" dirty="0"/>
+              <a:t>        &lt;/dependency&gt; </a:t>
+            </a:r>
           </a:p>
         </p:txBody>
       </p:sp>
@@ -31394,7 +32218,7 @@
           <a:p>
             <a:fld id="{786339DA-C46F-4C6F-95A3-9379EAD4B9E9}" type="datetime1">
               <a:rPr lang="fi-FI" smtClean="0"/>
-              <a:t>14.10.2015</a:t>
+              <a:t>16.12.2015</a:t>
             </a:fld>
             <a:endParaRPr lang="fi-FI"/>
           </a:p>
@@ -31431,22 +32255,12 @@
         </p:nvSpPr>
         <p:spPr/>
         <p:txBody>
-          <a:bodyPr>
-            <a:normAutofit fontScale="90000"/>
-          </a:bodyPr>
-          <a:lstStyle/>
-          <a:p>
-            <a:r>
-              <a:rPr lang="en-US" dirty="0"/>
-              <a:t>Data Validation </a:t>
-            </a:r>
-            <a:r>
-              <a:rPr lang="en-US" dirty="0" err="1" smtClean="0"/>
-              <a:t>Validation</a:t>
-            </a:r>
+          <a:bodyPr/>
+          <a:lstStyle/>
+          <a:p>
             <a:r>
               <a:rPr lang="en-US" dirty="0" smtClean="0"/>
-              <a:t> Interface</a:t>
+              <a:t>Data Validation</a:t>
             </a:r>
             <a:endParaRPr lang="en-US" dirty="0"/>
           </a:p>
@@ -31455,7 +32269,7 @@
     </p:spTree>
     <p:extLst>
       <p:ext uri="{BB962C8B-B14F-4D97-AF65-F5344CB8AC3E}">
-        <p14:creationId xmlns:p14="http://schemas.microsoft.com/office/powerpoint/2010/main" val="4093187744"/>
+        <p14:creationId xmlns:p14="http://schemas.microsoft.com/office/powerpoint/2010/main" val="1510729705"/>
       </p:ext>
     </p:extLst>
   </p:cSld>
@@ -31494,88 +32308,139 @@
         </p:nvSpPr>
         <p:spPr/>
         <p:txBody>
-          <a:bodyPr/>
-          <a:lstStyle/>
-          <a:p>
-            <a:endParaRPr lang="en-US"/>
-          </a:p>
-        </p:txBody>
-      </p:sp>
-      <p:sp>
-        <p:nvSpPr>
-          <p:cNvPr id="3" name="Päivämäärän paikkamerkki 2"/>
-          <p:cNvSpPr>
-            <a:spLocks noGrp="1"/>
-          </p:cNvSpPr>
-          <p:nvPr>
-            <p:ph type="dt" sz="half" idx="10"/>
-          </p:nvPr>
-        </p:nvSpPr>
-        <p:spPr/>
-        <p:txBody>
-          <a:bodyPr/>
-          <a:lstStyle/>
-          <a:p>
-            <a:fld id="{786339DA-C46F-4C6F-95A3-9379EAD4B9E9}" type="datetime1">
-              <a:rPr lang="fi-FI" smtClean="0"/>
-              <a:t>14.10.2015</a:t>
-            </a:fld>
-            <a:endParaRPr lang="fi-FI"/>
-          </a:p>
-        </p:txBody>
-      </p:sp>
-      <p:sp>
-        <p:nvSpPr>
-          <p:cNvPr id="4" name="Alatunnisteen paikkamerkki 3"/>
-          <p:cNvSpPr>
-            <a:spLocks noGrp="1"/>
-          </p:cNvSpPr>
-          <p:nvPr>
-            <p:ph type="ftr" sz="quarter" idx="11"/>
-          </p:nvPr>
-        </p:nvSpPr>
-        <p:spPr/>
-        <p:txBody>
-          <a:bodyPr/>
-          <a:lstStyle/>
-          <a:p>
-            <a:endParaRPr lang="fi-FI"/>
-          </a:p>
-        </p:txBody>
-      </p:sp>
-      <p:sp>
-        <p:nvSpPr>
-          <p:cNvPr id="5" name="Otsikko 4"/>
-          <p:cNvSpPr>
-            <a:spLocks noGrp="1"/>
-          </p:cNvSpPr>
-          <p:nvPr>
-            <p:ph type="title"/>
-          </p:nvPr>
-        </p:nvSpPr>
-        <p:spPr/>
-        <p:txBody>
           <a:bodyPr>
             <a:normAutofit/>
           </a:bodyPr>
           <a:lstStyle/>
           <a:p>
+            <a:pPr marL="0" indent="0">
+              <a:buNone/>
+            </a:pPr>
+            <a:endParaRPr lang="en-US" dirty="0" smtClean="0"/>
+          </a:p>
+          <a:p>
+            <a:r>
+              <a:rPr lang="en-US" dirty="0" smtClean="0"/>
+              <a:t>First example uses Validation interface. We make a validator for our user class:</a:t>
+            </a:r>
+          </a:p>
+          <a:p>
+            <a:endParaRPr lang="en-US" dirty="0"/>
+          </a:p>
+          <a:p>
+            <a:endParaRPr lang="en-US" dirty="0" smtClean="0"/>
+          </a:p>
+          <a:p>
+            <a:endParaRPr lang="en-US" dirty="0"/>
+          </a:p>
+          <a:p>
+            <a:endParaRPr lang="en-US" dirty="0" smtClean="0"/>
+          </a:p>
+        </p:txBody>
+      </p:sp>
+      <p:sp>
+        <p:nvSpPr>
+          <p:cNvPr id="3" name="Päivämäärän paikkamerkki 2"/>
+          <p:cNvSpPr>
+            <a:spLocks noGrp="1"/>
+          </p:cNvSpPr>
+          <p:nvPr>
+            <p:ph type="dt" sz="half" idx="10"/>
+          </p:nvPr>
+        </p:nvSpPr>
+        <p:spPr/>
+        <p:txBody>
+          <a:bodyPr/>
+          <a:lstStyle/>
+          <a:p>
+            <a:fld id="{786339DA-C46F-4C6F-95A3-9379EAD4B9E9}" type="datetime1">
+              <a:rPr lang="fi-FI" smtClean="0"/>
+              <a:t>16.12.2015</a:t>
+            </a:fld>
+            <a:endParaRPr lang="fi-FI"/>
+          </a:p>
+        </p:txBody>
+      </p:sp>
+      <p:sp>
+        <p:nvSpPr>
+          <p:cNvPr id="4" name="Alatunnisteen paikkamerkki 3"/>
+          <p:cNvSpPr>
+            <a:spLocks noGrp="1"/>
+          </p:cNvSpPr>
+          <p:nvPr>
+            <p:ph type="ftr" sz="quarter" idx="11"/>
+          </p:nvPr>
+        </p:nvSpPr>
+        <p:spPr/>
+        <p:txBody>
+          <a:bodyPr/>
+          <a:lstStyle/>
+          <a:p>
+            <a:endParaRPr lang="fi-FI"/>
+          </a:p>
+        </p:txBody>
+      </p:sp>
+      <p:sp>
+        <p:nvSpPr>
+          <p:cNvPr id="5" name="Otsikko 4"/>
+          <p:cNvSpPr>
+            <a:spLocks noGrp="1"/>
+          </p:cNvSpPr>
+          <p:nvPr>
+            <p:ph type="title"/>
+          </p:nvPr>
+        </p:nvSpPr>
+        <p:spPr/>
+        <p:txBody>
+          <a:bodyPr>
+            <a:normAutofit fontScale="90000"/>
+          </a:bodyPr>
+          <a:lstStyle/>
+          <a:p>
             <a:r>
               <a:rPr lang="en-US" dirty="0"/>
               <a:t>Data Validation </a:t>
             </a:r>
             <a:r>
+              <a:rPr lang="en-US" dirty="0" err="1" smtClean="0"/>
+              <a:t>Validation</a:t>
+            </a:r>
+            <a:r>
               <a:rPr lang="en-US" dirty="0" smtClean="0"/>
-              <a:t>Annotations</a:t>
+              <a:t> Interface</a:t>
             </a:r>
             <a:endParaRPr lang="en-US" dirty="0"/>
           </a:p>
         </p:txBody>
       </p:sp>
+      <p:pic>
+        <p:nvPicPr>
+          <p:cNvPr id="6" name="Kuva 5"/>
+          <p:cNvPicPr>
+            <a:picLocks noChangeAspect="1"/>
+          </p:cNvPicPr>
+          <p:nvPr/>
+        </p:nvPicPr>
+        <p:blipFill>
+          <a:blip r:embed="rId2"/>
+          <a:stretch>
+            <a:fillRect/>
+          </a:stretch>
+        </p:blipFill>
+        <p:spPr>
+          <a:xfrm>
+            <a:off x="2267744" y="3729011"/>
+            <a:ext cx="3637145" cy="1630444"/>
+          </a:xfrm>
+          <a:prstGeom prst="rect">
+            <a:avLst/>
+          </a:prstGeom>
+        </p:spPr>
+      </p:pic>
     </p:spTree>
     <p:extLst>
       <p:ext uri="{BB962C8B-B14F-4D97-AF65-F5344CB8AC3E}">
-        <p14:creationId xmlns:p14="http://schemas.microsoft.com/office/powerpoint/2010/main" val="2076623184"/>
+        <p14:creationId xmlns:p14="http://schemas.microsoft.com/office/powerpoint/2010/main" val="4093187744"/>
       </p:ext>
     </p:extLst>
   </p:cSld>
@@ -31617,7 +32482,11 @@
           <a:bodyPr/>
           <a:lstStyle/>
           <a:p>
-            <a:endParaRPr lang="en-US"/>
+            <a:r>
+              <a:rPr lang="en-US" dirty="0" smtClean="0"/>
+              <a:t>Then we need to make a validator for User class. Next class implements and the needed methods supports() and validate()</a:t>
+            </a:r>
+            <a:endParaRPr lang="en-US" dirty="0"/>
           </a:p>
         </p:txBody>
       </p:sp>
@@ -31638,7 +32507,7 @@
           <a:p>
             <a:fld id="{786339DA-C46F-4C6F-95A3-9379EAD4B9E9}" type="datetime1">
               <a:rPr lang="fi-FI" smtClean="0"/>
-              <a:t>14.10.2015</a:t>
+              <a:t>16.12.2015</a:t>
             </a:fld>
             <a:endParaRPr lang="fi-FI"/>
           </a:p>
@@ -31675,21 +32544,54 @@
         </p:nvSpPr>
         <p:spPr/>
         <p:txBody>
-          <a:bodyPr/>
-          <a:lstStyle/>
-          <a:p>
-            <a:r>
-              <a:rPr lang="en-US" dirty="0" smtClean="0"/>
-              <a:t>Hibernate (ORM)</a:t>
-            </a:r>
-            <a:endParaRPr lang="en-US" dirty="0"/>
-          </a:p>
-        </p:txBody>
-      </p:sp>
+          <a:bodyPr>
+            <a:normAutofit fontScale="90000"/>
+          </a:bodyPr>
+          <a:lstStyle/>
+          <a:p>
+            <a:r>
+              <a:rPr lang="en-US" dirty="0"/>
+              <a:t>Data Validation </a:t>
+            </a:r>
+            <a:r>
+              <a:rPr lang="en-US" dirty="0" err="1"/>
+              <a:t>Validation</a:t>
+            </a:r>
+            <a:r>
+              <a:rPr lang="en-US" dirty="0"/>
+              <a:t> Interface</a:t>
+            </a:r>
+          </a:p>
+        </p:txBody>
+      </p:sp>
+      <p:pic>
+        <p:nvPicPr>
+          <p:cNvPr id="6" name="Kuva 5"/>
+          <p:cNvPicPr>
+            <a:picLocks noChangeAspect="1"/>
+          </p:cNvPicPr>
+          <p:nvPr/>
+        </p:nvPicPr>
+        <p:blipFill>
+          <a:blip r:embed="rId2"/>
+          <a:stretch>
+            <a:fillRect/>
+          </a:stretch>
+        </p:blipFill>
+        <p:spPr>
+          <a:xfrm>
+            <a:off x="1569070" y="3208697"/>
+            <a:ext cx="6005859" cy="3224029"/>
+          </a:xfrm>
+          <a:prstGeom prst="rect">
+            <a:avLst/>
+          </a:prstGeom>
+        </p:spPr>
+      </p:pic>
     </p:spTree>
     <p:extLst>
       <p:ext uri="{BB962C8B-B14F-4D97-AF65-F5344CB8AC3E}">
-        <p14:creationId xmlns:p14="http://schemas.microsoft.com/office/powerpoint/2010/main" val="2415854196"/>
+        <p14:creationId xmlns:p14="http://schemas.microsoft.com/office/powerpoint/2010/main" val="962630349"/>
       </p:ext>
     </p:extLst>
   </p:cSld>
@@ -31733,7 +32635,7 @@
           <a:p>
             <a:fld id="{786339DA-C46F-4C6F-95A3-9379EAD4B9E9}" type="datetime1">
               <a:rPr lang="fi-FI" smtClean="0"/>
-              <a:t>14.10.2015</a:t>
+              <a:t>16.12.2015</a:t>
             </a:fld>
             <a:endParaRPr lang="fi-FI"/>
           </a:p>
@@ -31854,7 +32756,29 @@
           <a:bodyPr/>
           <a:lstStyle/>
           <a:p>
-            <a:endParaRPr lang="en-US"/>
+            <a:r>
+              <a:rPr lang="en-US" dirty="0"/>
+              <a:t>You need to add </a:t>
+            </a:r>
+            <a:r>
+              <a:rPr lang="en-US" dirty="0" err="1"/>
+              <a:t>messages.properties</a:t>
+            </a:r>
+            <a:r>
+              <a:rPr lang="en-US" dirty="0"/>
+              <a:t> file under resources </a:t>
+            </a:r>
+            <a:r>
+              <a:rPr lang="en-US" dirty="0" smtClean="0"/>
+              <a:t>folder with next content. </a:t>
+            </a:r>
+            <a:r>
+              <a:rPr lang="en-US" dirty="0"/>
+              <a:t>This file will contain the error messages displayed if validation fails.</a:t>
+            </a:r>
+          </a:p>
+          <a:p>
+            <a:endParaRPr lang="en-US" dirty="0"/>
           </a:p>
         </p:txBody>
       </p:sp>
@@ -31875,7 +32799,7 @@
           <a:p>
             <a:fld id="{786339DA-C46F-4C6F-95A3-9379EAD4B9E9}" type="datetime1">
               <a:rPr lang="fi-FI" smtClean="0"/>
-              <a:t>14.10.2015</a:t>
+              <a:t>16.12.2015</a:t>
             </a:fld>
             <a:endParaRPr lang="fi-FI"/>
           </a:p>
@@ -31912,21 +32836,51 @@
         </p:nvSpPr>
         <p:spPr/>
         <p:txBody>
-          <a:bodyPr/>
-          <a:lstStyle/>
-          <a:p>
+          <a:bodyPr>
+            <a:normAutofit/>
+          </a:bodyPr>
+          <a:lstStyle/>
+          <a:p>
+            <a:r>
+              <a:rPr lang="en-US" dirty="0"/>
+              <a:t>Data Validation </a:t>
+            </a:r>
             <a:r>
               <a:rPr lang="en-US" dirty="0" smtClean="0"/>
-              <a:t>Spring Boot</a:t>
+              <a:t>Annotations</a:t>
             </a:r>
             <a:endParaRPr lang="en-US" dirty="0"/>
           </a:p>
         </p:txBody>
       </p:sp>
+      <p:pic>
+        <p:nvPicPr>
+          <p:cNvPr id="6" name="Kuva 5"/>
+          <p:cNvPicPr>
+            <a:picLocks noChangeAspect="1"/>
+          </p:cNvPicPr>
+          <p:nvPr/>
+        </p:nvPicPr>
+        <p:blipFill>
+          <a:blip r:embed="rId2"/>
+          <a:stretch>
+            <a:fillRect/>
+          </a:stretch>
+        </p:blipFill>
+        <p:spPr>
+          <a:xfrm>
+            <a:off x="2843808" y="3907767"/>
+            <a:ext cx="3209925" cy="371475"/>
+          </a:xfrm>
+          <a:prstGeom prst="rect">
+            <a:avLst/>
+          </a:prstGeom>
+        </p:spPr>
+      </p:pic>
     </p:spTree>
     <p:extLst>
       <p:ext uri="{BB962C8B-B14F-4D97-AF65-F5344CB8AC3E}">
-        <p14:creationId xmlns:p14="http://schemas.microsoft.com/office/powerpoint/2010/main" val="2744104981"/>
+        <p14:creationId xmlns:p14="http://schemas.microsoft.com/office/powerpoint/2010/main" val="2076623184"/>
       </p:ext>
     </p:extLst>
   </p:cSld>
@@ -31968,7 +32922,27 @@
           <a:bodyPr/>
           <a:lstStyle/>
           <a:p>
-            <a:endParaRPr lang="en-US"/>
+            <a:r>
+              <a:rPr lang="en-US" dirty="0" smtClean="0"/>
+              <a:t>Then we need to make next changes in our controller.  We </a:t>
+            </a:r>
+            <a:r>
+              <a:rPr lang="en-US" dirty="0" err="1" smtClean="0"/>
+              <a:t>autowire</a:t>
+            </a:r>
+            <a:r>
+              <a:rPr lang="en-US" dirty="0" smtClean="0"/>
+              <a:t> the </a:t>
+            </a:r>
+            <a:r>
+              <a:rPr lang="en-US" dirty="0" err="1" smtClean="0"/>
+              <a:t>UserValidator</a:t>
+            </a:r>
+            <a:r>
+              <a:rPr lang="en-US" dirty="0" smtClean="0"/>
+              <a:t> and the bind it to web data. Note also the @Valid annotation!</a:t>
+            </a:r>
+            <a:endParaRPr lang="en-US" dirty="0"/>
           </a:p>
         </p:txBody>
       </p:sp>
@@ -31989,7 +32963,7 @@
           <a:p>
             <a:fld id="{786339DA-C46F-4C6F-95A3-9379EAD4B9E9}" type="datetime1">
               <a:rPr lang="fi-FI" smtClean="0"/>
-              <a:t>14.10.2015</a:t>
+              <a:t>16.12.2015</a:t>
             </a:fld>
             <a:endParaRPr lang="fi-FI"/>
           </a:p>
@@ -32030,17 +33004,40 @@
           <a:lstStyle/>
           <a:p>
             <a:r>
-              <a:rPr lang="en-US" dirty="0" smtClean="0"/>
-              <a:t>Spring Security</a:t>
-            </a:r>
-            <a:endParaRPr lang="en-US" dirty="0"/>
-          </a:p>
-        </p:txBody>
-      </p:sp>
+              <a:rPr lang="en-US" dirty="0"/>
+              <a:t>Data Validation Annotations</a:t>
+            </a:r>
+          </a:p>
+        </p:txBody>
+      </p:sp>
+      <p:pic>
+        <p:nvPicPr>
+          <p:cNvPr id="6" name="Kuva 5"/>
+          <p:cNvPicPr>
+            <a:picLocks noChangeAspect="1"/>
+          </p:cNvPicPr>
+          <p:nvPr/>
+        </p:nvPicPr>
+        <p:blipFill>
+          <a:blip r:embed="rId2"/>
+          <a:stretch>
+            <a:fillRect/>
+          </a:stretch>
+        </p:blipFill>
+        <p:spPr>
+          <a:xfrm>
+            <a:off x="1263578" y="3356992"/>
+            <a:ext cx="5812160" cy="2636999"/>
+          </a:xfrm>
+          <a:prstGeom prst="rect">
+            <a:avLst/>
+          </a:prstGeom>
+        </p:spPr>
+      </p:pic>
     </p:spTree>
     <p:extLst>
       <p:ext uri="{BB962C8B-B14F-4D97-AF65-F5344CB8AC3E}">
-        <p14:creationId xmlns:p14="http://schemas.microsoft.com/office/powerpoint/2010/main" val="2750027775"/>
+        <p14:creationId xmlns:p14="http://schemas.microsoft.com/office/powerpoint/2010/main" val="1235386908"/>
       </p:ext>
     </p:extLst>
   </p:cSld>
@@ -32084,13 +33081,19 @@
           <a:p>
             <a:r>
               <a:rPr lang="en-US" dirty="0" smtClean="0"/>
-              <a:t>Is a part of the function</a:t>
-            </a:r>
-          </a:p>
-          <a:p>
+              <a:t>To show error messages </a:t>
+            </a:r>
+            <a:r>
+              <a:rPr lang="en-US" dirty="0"/>
+              <a:t>in our login form we use  &lt;</a:t>
+            </a:r>
+            <a:r>
+              <a:rPr lang="en-US" dirty="0" err="1" smtClean="0"/>
+              <a:t>form:errors</a:t>
+            </a:r>
             <a:r>
               <a:rPr lang="en-US" dirty="0" smtClean="0"/>
-              <a:t>Jackson</a:t>
+              <a:t>&gt; tags as shoe below:</a:t>
             </a:r>
             <a:endParaRPr lang="en-US" dirty="0"/>
           </a:p>
@@ -32113,7 +33116,7 @@
           <a:p>
             <a:fld id="{786339DA-C46F-4C6F-95A3-9379EAD4B9E9}" type="datetime1">
               <a:rPr lang="fi-FI" smtClean="0"/>
-              <a:t>14.10.2015</a:t>
+              <a:t>16.12.2015</a:t>
             </a:fld>
             <a:endParaRPr lang="fi-FI"/>
           </a:p>
@@ -32155,24 +33158,1149 @@
           <a:p>
             <a:r>
               <a:rPr lang="en-US" dirty="0" smtClean="0"/>
-              <a:t>@</a:t>
+              <a:t>Changes in </a:t>
             </a:r>
             <a:r>
               <a:rPr lang="en-US" dirty="0" err="1" smtClean="0"/>
-              <a:t>ResponseBody</a:t>
-            </a:r>
-            <a:r>
-              <a:rPr lang="en-US" dirty="0" smtClean="0"/>
-              <a:t> &amp; REST</a:t>
+              <a:t>index.jsp</a:t>
             </a:r>
             <a:endParaRPr lang="en-US" dirty="0"/>
           </a:p>
         </p:txBody>
       </p:sp>
+      <p:pic>
+        <p:nvPicPr>
+          <p:cNvPr id="6" name="Kuva 5"/>
+          <p:cNvPicPr>
+            <a:picLocks noChangeAspect="1"/>
+          </p:cNvPicPr>
+          <p:nvPr/>
+        </p:nvPicPr>
+        <p:blipFill>
+          <a:blip r:embed="rId2"/>
+          <a:stretch>
+            <a:fillRect/>
+          </a:stretch>
+        </p:blipFill>
+        <p:spPr>
+          <a:xfrm>
+            <a:off x="1403648" y="3501008"/>
+            <a:ext cx="6414781" cy="1885919"/>
+          </a:xfrm>
+          <a:prstGeom prst="rect">
+            <a:avLst/>
+          </a:prstGeom>
+        </p:spPr>
+      </p:pic>
     </p:spTree>
     <p:extLst>
       <p:ext uri="{BB962C8B-B14F-4D97-AF65-F5344CB8AC3E}">
-        <p14:creationId xmlns:p14="http://schemas.microsoft.com/office/powerpoint/2010/main" val="1889602249"/>
+        <p14:creationId xmlns:p14="http://schemas.microsoft.com/office/powerpoint/2010/main" val="4268683665"/>
+      </p:ext>
+    </p:extLst>
+  </p:cSld>
+  <p:clrMapOvr>
+    <a:masterClrMapping/>
+  </p:clrMapOvr>
+</p:sld>
+</file>
+
+<file path=ppt/slides/slide73.xml><?xml version="1.0" encoding="utf-8"?>
+<p:sld xmlns:a="http://schemas.openxmlformats.org/drawingml/2006/main" xmlns:r="http://schemas.openxmlformats.org/officeDocument/2006/relationships" xmlns:p="http://schemas.openxmlformats.org/presentationml/2006/main">
+  <p:cSld>
+    <p:spTree>
+      <p:nvGrpSpPr>
+        <p:cNvPr id="1" name=""/>
+        <p:cNvGrpSpPr/>
+        <p:nvPr/>
+      </p:nvGrpSpPr>
+      <p:grpSpPr>
+        <a:xfrm>
+          <a:off x="0" y="0"/>
+          <a:ext cx="0" cy="0"/>
+          <a:chOff x="0" y="0"/>
+          <a:chExt cx="0" cy="0"/>
+        </a:xfrm>
+      </p:grpSpPr>
+      <p:sp>
+        <p:nvSpPr>
+          <p:cNvPr id="2" name="Sisällön paikkamerkki 1"/>
+          <p:cNvSpPr>
+            <a:spLocks noGrp="1"/>
+          </p:cNvSpPr>
+          <p:nvPr>
+            <p:ph idx="1"/>
+          </p:nvPr>
+        </p:nvSpPr>
+        <p:spPr/>
+        <p:txBody>
+          <a:bodyPr/>
+          <a:lstStyle/>
+          <a:p>
+            <a:r>
+              <a:rPr lang="en-US" dirty="0" smtClean="0"/>
+              <a:t>To load the </a:t>
+            </a:r>
+            <a:r>
+              <a:rPr lang="en-US" dirty="0" err="1" smtClean="0"/>
+              <a:t>messages.properties</a:t>
+            </a:r>
+            <a:r>
+              <a:rPr lang="en-US" dirty="0" smtClean="0"/>
+              <a:t> file for our application we need to make next change in our </a:t>
+            </a:r>
+            <a:r>
+              <a:rPr lang="en-US" dirty="0" err="1" smtClean="0"/>
+              <a:t>Config</a:t>
+            </a:r>
+            <a:r>
+              <a:rPr lang="en-US" dirty="0" smtClean="0"/>
+              <a:t> class to get it work. </a:t>
+            </a:r>
+            <a:r>
+              <a:rPr lang="en-US" dirty="0"/>
+              <a:t>We append </a:t>
+            </a:r>
+            <a:r>
+              <a:rPr lang="en-US" dirty="0" err="1" smtClean="0"/>
+              <a:t>messageSource</a:t>
+            </a:r>
+            <a:r>
+              <a:rPr lang="en-US" dirty="0" smtClean="0"/>
+              <a:t>() function to load the resource:</a:t>
+            </a:r>
+            <a:endParaRPr lang="en-US" dirty="0"/>
+          </a:p>
+        </p:txBody>
+      </p:sp>
+      <p:sp>
+        <p:nvSpPr>
+          <p:cNvPr id="3" name="Päivämäärän paikkamerkki 2"/>
+          <p:cNvSpPr>
+            <a:spLocks noGrp="1"/>
+          </p:cNvSpPr>
+          <p:nvPr>
+            <p:ph type="dt" sz="half" idx="10"/>
+          </p:nvPr>
+        </p:nvSpPr>
+        <p:spPr/>
+        <p:txBody>
+          <a:bodyPr/>
+          <a:lstStyle/>
+          <a:p>
+            <a:fld id="{786339DA-C46F-4C6F-95A3-9379EAD4B9E9}" type="datetime1">
+              <a:rPr lang="fi-FI" smtClean="0"/>
+              <a:t>16.12.2015</a:t>
+            </a:fld>
+            <a:endParaRPr lang="fi-FI"/>
+          </a:p>
+        </p:txBody>
+      </p:sp>
+      <p:sp>
+        <p:nvSpPr>
+          <p:cNvPr id="4" name="Alatunnisteen paikkamerkki 3"/>
+          <p:cNvSpPr>
+            <a:spLocks noGrp="1"/>
+          </p:cNvSpPr>
+          <p:nvPr>
+            <p:ph type="ftr" sz="quarter" idx="11"/>
+          </p:nvPr>
+        </p:nvSpPr>
+        <p:spPr/>
+        <p:txBody>
+          <a:bodyPr/>
+          <a:lstStyle/>
+          <a:p>
+            <a:endParaRPr lang="fi-FI"/>
+          </a:p>
+        </p:txBody>
+      </p:sp>
+      <p:sp>
+        <p:nvSpPr>
+          <p:cNvPr id="5" name="Otsikko 4"/>
+          <p:cNvSpPr>
+            <a:spLocks noGrp="1"/>
+          </p:cNvSpPr>
+          <p:nvPr>
+            <p:ph type="title"/>
+          </p:nvPr>
+        </p:nvSpPr>
+        <p:spPr/>
+        <p:txBody>
+          <a:bodyPr/>
+          <a:lstStyle/>
+          <a:p>
+            <a:r>
+              <a:rPr lang="en-US" dirty="0" smtClean="0"/>
+              <a:t>Changes to </a:t>
+            </a:r>
+            <a:r>
+              <a:rPr lang="en-US" dirty="0" err="1" smtClean="0"/>
+              <a:t>config</a:t>
+            </a:r>
+            <a:endParaRPr lang="en-US" dirty="0"/>
+          </a:p>
+        </p:txBody>
+      </p:sp>
+      <p:pic>
+        <p:nvPicPr>
+          <p:cNvPr id="6" name="Kuva 5"/>
+          <p:cNvPicPr>
+            <a:picLocks noChangeAspect="1"/>
+          </p:cNvPicPr>
+          <p:nvPr/>
+        </p:nvPicPr>
+        <p:blipFill>
+          <a:blip r:embed="rId2"/>
+          <a:stretch>
+            <a:fillRect/>
+          </a:stretch>
+        </p:blipFill>
+        <p:spPr>
+          <a:xfrm>
+            <a:off x="2086983" y="4005064"/>
+            <a:ext cx="4105275" cy="1647825"/>
+          </a:xfrm>
+          <a:prstGeom prst="rect">
+            <a:avLst/>
+          </a:prstGeom>
+        </p:spPr>
+      </p:pic>
+    </p:spTree>
+    <p:extLst>
+      <p:ext uri="{BB962C8B-B14F-4D97-AF65-F5344CB8AC3E}">
+        <p14:creationId xmlns:p14="http://schemas.microsoft.com/office/powerpoint/2010/main" val="446551802"/>
+      </p:ext>
+    </p:extLst>
+  </p:cSld>
+  <p:clrMapOvr>
+    <a:masterClrMapping/>
+  </p:clrMapOvr>
+</p:sld>
+</file>
+
+<file path=ppt/slides/slide74.xml><?xml version="1.0" encoding="utf-8"?>
+<p:sld xmlns:a="http://schemas.openxmlformats.org/drawingml/2006/main" xmlns:r="http://schemas.openxmlformats.org/officeDocument/2006/relationships" xmlns:p="http://schemas.openxmlformats.org/presentationml/2006/main">
+  <p:cSld>
+    <p:spTree>
+      <p:nvGrpSpPr>
+        <p:cNvPr id="1" name=""/>
+        <p:cNvGrpSpPr/>
+        <p:nvPr/>
+      </p:nvGrpSpPr>
+      <p:grpSpPr>
+        <a:xfrm>
+          <a:off x="0" y="0"/>
+          <a:ext cx="0" cy="0"/>
+          <a:chOff x="0" y="0"/>
+          <a:chExt cx="0" cy="0"/>
+        </a:xfrm>
+      </p:grpSpPr>
+      <p:sp>
+        <p:nvSpPr>
+          <p:cNvPr id="2" name="Sisällön paikkamerkki 1"/>
+          <p:cNvSpPr>
+            <a:spLocks noGrp="1"/>
+          </p:cNvSpPr>
+          <p:nvPr>
+            <p:ph idx="1"/>
+          </p:nvPr>
+        </p:nvSpPr>
+        <p:spPr/>
+        <p:txBody>
+          <a:bodyPr/>
+          <a:lstStyle/>
+          <a:p>
+            <a:r>
+              <a:rPr lang="en-US" dirty="0" smtClean="0"/>
+              <a:t>More easier way to make a validation is to use validation Annotations. Using annotation you don’t have to make so much code changes/new code to get it work. </a:t>
+            </a:r>
+          </a:p>
+          <a:p>
+            <a:r>
+              <a:rPr lang="en-US" dirty="0" smtClean="0"/>
+              <a:t>You can find </a:t>
+            </a:r>
+            <a:r>
+              <a:rPr lang="en-US" dirty="0"/>
+              <a:t>all validation annotations you can use from </a:t>
+            </a:r>
+            <a:r>
+              <a:rPr lang="en-US" dirty="0" err="1"/>
+              <a:t>here:</a:t>
+            </a:r>
+            <a:r>
+              <a:rPr lang="en-US" dirty="0" err="1">
+                <a:hlinkClick r:id="rId2"/>
+              </a:rPr>
+              <a:t>http</a:t>
+            </a:r>
+            <a:r>
+              <a:rPr lang="en-US" dirty="0">
+                <a:hlinkClick r:id="rId2"/>
+              </a:rPr>
+              <a:t>://docs.jboss.org/hibernate/stable/validator/reference/</a:t>
+            </a:r>
+            <a:r>
+              <a:rPr lang="en-US" dirty="0" err="1">
+                <a:hlinkClick r:id="rId2"/>
+              </a:rPr>
+              <a:t>en</a:t>
+            </a:r>
+            <a:r>
+              <a:rPr lang="en-US" dirty="0">
+                <a:hlinkClick r:id="rId2"/>
+              </a:rPr>
+              <a:t>-US/</a:t>
+            </a:r>
+            <a:r>
+              <a:rPr lang="en-US" dirty="0" err="1">
+                <a:hlinkClick r:id="rId2"/>
+              </a:rPr>
+              <a:t>html_single</a:t>
+            </a:r>
+            <a:r>
+              <a:rPr lang="en-US" dirty="0">
+                <a:hlinkClick r:id="rId2"/>
+              </a:rPr>
+              <a:t>/#section-</a:t>
+            </a:r>
+            <a:r>
+              <a:rPr lang="en-US" dirty="0" err="1">
+                <a:hlinkClick r:id="rId2"/>
+              </a:rPr>
+              <a:t>builtin</a:t>
+            </a:r>
+            <a:r>
+              <a:rPr lang="en-US" dirty="0">
+                <a:hlinkClick r:id="rId2"/>
+              </a:rPr>
+              <a:t>-constraints</a:t>
+            </a:r>
+            <a:endParaRPr lang="en-US" dirty="0"/>
+          </a:p>
+        </p:txBody>
+      </p:sp>
+      <p:sp>
+        <p:nvSpPr>
+          <p:cNvPr id="3" name="Päivämäärän paikkamerkki 2"/>
+          <p:cNvSpPr>
+            <a:spLocks noGrp="1"/>
+          </p:cNvSpPr>
+          <p:nvPr>
+            <p:ph type="dt" sz="half" idx="10"/>
+          </p:nvPr>
+        </p:nvSpPr>
+        <p:spPr/>
+        <p:txBody>
+          <a:bodyPr/>
+          <a:lstStyle/>
+          <a:p>
+            <a:fld id="{786339DA-C46F-4C6F-95A3-9379EAD4B9E9}" type="datetime1">
+              <a:rPr lang="fi-FI" smtClean="0"/>
+              <a:t>16.12.2015</a:t>
+            </a:fld>
+            <a:endParaRPr lang="fi-FI"/>
+          </a:p>
+        </p:txBody>
+      </p:sp>
+      <p:sp>
+        <p:nvSpPr>
+          <p:cNvPr id="4" name="Alatunnisteen paikkamerkki 3"/>
+          <p:cNvSpPr>
+            <a:spLocks noGrp="1"/>
+          </p:cNvSpPr>
+          <p:nvPr>
+            <p:ph type="ftr" sz="quarter" idx="11"/>
+          </p:nvPr>
+        </p:nvSpPr>
+        <p:spPr/>
+        <p:txBody>
+          <a:bodyPr/>
+          <a:lstStyle/>
+          <a:p>
+            <a:endParaRPr lang="fi-FI"/>
+          </a:p>
+        </p:txBody>
+      </p:sp>
+      <p:sp>
+        <p:nvSpPr>
+          <p:cNvPr id="5" name="Otsikko 4"/>
+          <p:cNvSpPr>
+            <a:spLocks noGrp="1"/>
+          </p:cNvSpPr>
+          <p:nvPr>
+            <p:ph type="title"/>
+          </p:nvPr>
+        </p:nvSpPr>
+        <p:spPr/>
+        <p:txBody>
+          <a:bodyPr/>
+          <a:lstStyle/>
+          <a:p>
+            <a:r>
+              <a:rPr lang="en-US" dirty="0" smtClean="0"/>
+              <a:t>Validation With Annotations</a:t>
+            </a:r>
+            <a:endParaRPr lang="en-US" dirty="0"/>
+          </a:p>
+        </p:txBody>
+      </p:sp>
+    </p:spTree>
+    <p:extLst>
+      <p:ext uri="{BB962C8B-B14F-4D97-AF65-F5344CB8AC3E}">
+        <p14:creationId xmlns:p14="http://schemas.microsoft.com/office/powerpoint/2010/main" val="2326321020"/>
+      </p:ext>
+    </p:extLst>
+  </p:cSld>
+  <p:clrMapOvr>
+    <a:masterClrMapping/>
+  </p:clrMapOvr>
+</p:sld>
+</file>
+
+<file path=ppt/slides/slide75.xml><?xml version="1.0" encoding="utf-8"?>
+<p:sld xmlns:a="http://schemas.openxmlformats.org/drawingml/2006/main" xmlns:r="http://schemas.openxmlformats.org/officeDocument/2006/relationships" xmlns:p="http://schemas.openxmlformats.org/presentationml/2006/main">
+  <p:cSld>
+    <p:spTree>
+      <p:nvGrpSpPr>
+        <p:cNvPr id="1" name=""/>
+        <p:cNvGrpSpPr/>
+        <p:nvPr/>
+      </p:nvGrpSpPr>
+      <p:grpSpPr>
+        <a:xfrm>
+          <a:off x="0" y="0"/>
+          <a:ext cx="0" cy="0"/>
+          <a:chOff x="0" y="0"/>
+          <a:chExt cx="0" cy="0"/>
+        </a:xfrm>
+      </p:grpSpPr>
+      <p:sp>
+        <p:nvSpPr>
+          <p:cNvPr id="2" name="Sisällön paikkamerkki 1"/>
+          <p:cNvSpPr>
+            <a:spLocks noGrp="1"/>
+          </p:cNvSpPr>
+          <p:nvPr>
+            <p:ph idx="1"/>
+          </p:nvPr>
+        </p:nvSpPr>
+        <p:spPr/>
+        <p:txBody>
+          <a:bodyPr/>
+          <a:lstStyle/>
+          <a:p>
+            <a:r>
+              <a:rPr lang="en-US" dirty="0" smtClean="0"/>
+              <a:t>To validate with annotations you define the those annotations in your models fields. In our application our model User </a:t>
+            </a:r>
+            <a:r>
+              <a:rPr lang="en-US" dirty="0" err="1" smtClean="0"/>
+              <a:t>conained</a:t>
+            </a:r>
+            <a:r>
+              <a:rPr lang="en-US" dirty="0" smtClean="0"/>
+              <a:t> three fields: username, password and email. To add validations annotations that does not allow:</a:t>
+            </a:r>
+          </a:p>
+          <a:p>
+            <a:pPr lvl="1"/>
+            <a:r>
+              <a:rPr lang="en-US" dirty="0" smtClean="0"/>
+              <a:t>Empty Strings</a:t>
+            </a:r>
+          </a:p>
+          <a:p>
+            <a:pPr lvl="1"/>
+            <a:r>
+              <a:rPr lang="en-US" dirty="0" smtClean="0"/>
+              <a:t>Null Strings</a:t>
+            </a:r>
+          </a:p>
+          <a:p>
+            <a:pPr lvl="1"/>
+            <a:r>
+              <a:rPr lang="en-US" dirty="0" smtClean="0"/>
+              <a:t>Invalid email address</a:t>
+            </a:r>
+          </a:p>
+          <a:p>
+            <a:r>
+              <a:rPr lang="en-US" dirty="0" smtClean="0"/>
+              <a:t>You can do it as follow with annotations….</a:t>
+            </a:r>
+            <a:endParaRPr lang="en-US" dirty="0"/>
+          </a:p>
+        </p:txBody>
+      </p:sp>
+      <p:sp>
+        <p:nvSpPr>
+          <p:cNvPr id="3" name="Päivämäärän paikkamerkki 2"/>
+          <p:cNvSpPr>
+            <a:spLocks noGrp="1"/>
+          </p:cNvSpPr>
+          <p:nvPr>
+            <p:ph type="dt" sz="half" idx="10"/>
+          </p:nvPr>
+        </p:nvSpPr>
+        <p:spPr/>
+        <p:txBody>
+          <a:bodyPr/>
+          <a:lstStyle/>
+          <a:p>
+            <a:fld id="{786339DA-C46F-4C6F-95A3-9379EAD4B9E9}" type="datetime1">
+              <a:rPr lang="fi-FI" smtClean="0"/>
+              <a:t>16.12.2015</a:t>
+            </a:fld>
+            <a:endParaRPr lang="fi-FI"/>
+          </a:p>
+        </p:txBody>
+      </p:sp>
+      <p:sp>
+        <p:nvSpPr>
+          <p:cNvPr id="4" name="Alatunnisteen paikkamerkki 3"/>
+          <p:cNvSpPr>
+            <a:spLocks noGrp="1"/>
+          </p:cNvSpPr>
+          <p:nvPr>
+            <p:ph type="ftr" sz="quarter" idx="11"/>
+          </p:nvPr>
+        </p:nvSpPr>
+        <p:spPr/>
+        <p:txBody>
+          <a:bodyPr/>
+          <a:lstStyle/>
+          <a:p>
+            <a:endParaRPr lang="fi-FI"/>
+          </a:p>
+        </p:txBody>
+      </p:sp>
+      <p:sp>
+        <p:nvSpPr>
+          <p:cNvPr id="5" name="Otsikko 4"/>
+          <p:cNvSpPr>
+            <a:spLocks noGrp="1"/>
+          </p:cNvSpPr>
+          <p:nvPr>
+            <p:ph type="title"/>
+          </p:nvPr>
+        </p:nvSpPr>
+        <p:spPr/>
+        <p:txBody>
+          <a:bodyPr/>
+          <a:lstStyle/>
+          <a:p>
+            <a:r>
+              <a:rPr lang="en-US" dirty="0"/>
+              <a:t>Validation With Annotations</a:t>
+            </a:r>
+          </a:p>
+        </p:txBody>
+      </p:sp>
+    </p:spTree>
+    <p:extLst>
+      <p:ext uri="{BB962C8B-B14F-4D97-AF65-F5344CB8AC3E}">
+        <p14:creationId xmlns:p14="http://schemas.microsoft.com/office/powerpoint/2010/main" val="1368428066"/>
+      </p:ext>
+    </p:extLst>
+  </p:cSld>
+  <p:clrMapOvr>
+    <a:masterClrMapping/>
+  </p:clrMapOvr>
+</p:sld>
+</file>
+
+<file path=ppt/slides/slide76.xml><?xml version="1.0" encoding="utf-8"?>
+<p:sld xmlns:a="http://schemas.openxmlformats.org/drawingml/2006/main" xmlns:r="http://schemas.openxmlformats.org/officeDocument/2006/relationships" xmlns:p="http://schemas.openxmlformats.org/presentationml/2006/main">
+  <p:cSld>
+    <p:spTree>
+      <p:nvGrpSpPr>
+        <p:cNvPr id="1" name=""/>
+        <p:cNvGrpSpPr/>
+        <p:nvPr/>
+      </p:nvGrpSpPr>
+      <p:grpSpPr>
+        <a:xfrm>
+          <a:off x="0" y="0"/>
+          <a:ext cx="0" cy="0"/>
+          <a:chOff x="0" y="0"/>
+          <a:chExt cx="0" cy="0"/>
+        </a:xfrm>
+      </p:grpSpPr>
+      <p:sp>
+        <p:nvSpPr>
+          <p:cNvPr id="3" name="Päivämäärän paikkamerkki 2"/>
+          <p:cNvSpPr>
+            <a:spLocks noGrp="1"/>
+          </p:cNvSpPr>
+          <p:nvPr>
+            <p:ph type="dt" sz="half" idx="10"/>
+          </p:nvPr>
+        </p:nvSpPr>
+        <p:spPr/>
+        <p:txBody>
+          <a:bodyPr/>
+          <a:lstStyle/>
+          <a:p>
+            <a:fld id="{786339DA-C46F-4C6F-95A3-9379EAD4B9E9}" type="datetime1">
+              <a:rPr lang="fi-FI" smtClean="0"/>
+              <a:t>16.12.2015</a:t>
+            </a:fld>
+            <a:endParaRPr lang="fi-FI"/>
+          </a:p>
+        </p:txBody>
+      </p:sp>
+      <p:sp>
+        <p:nvSpPr>
+          <p:cNvPr id="4" name="Alatunnisteen paikkamerkki 3"/>
+          <p:cNvSpPr>
+            <a:spLocks noGrp="1"/>
+          </p:cNvSpPr>
+          <p:nvPr>
+            <p:ph type="ftr" sz="quarter" idx="11"/>
+          </p:nvPr>
+        </p:nvSpPr>
+        <p:spPr/>
+        <p:txBody>
+          <a:bodyPr/>
+          <a:lstStyle/>
+          <a:p>
+            <a:endParaRPr lang="fi-FI"/>
+          </a:p>
+        </p:txBody>
+      </p:sp>
+      <p:sp>
+        <p:nvSpPr>
+          <p:cNvPr id="5" name="Otsikko 4"/>
+          <p:cNvSpPr>
+            <a:spLocks noGrp="1"/>
+          </p:cNvSpPr>
+          <p:nvPr>
+            <p:ph type="title"/>
+          </p:nvPr>
+        </p:nvSpPr>
+        <p:spPr/>
+        <p:txBody>
+          <a:bodyPr/>
+          <a:lstStyle/>
+          <a:p>
+            <a:r>
+              <a:rPr lang="en-US" dirty="0"/>
+              <a:t>Validation With Annotations</a:t>
+            </a:r>
+          </a:p>
+        </p:txBody>
+      </p:sp>
+      <p:pic>
+        <p:nvPicPr>
+          <p:cNvPr id="6" name="Kuva 5"/>
+          <p:cNvPicPr>
+            <a:picLocks noChangeAspect="1"/>
+          </p:cNvPicPr>
+          <p:nvPr/>
+        </p:nvPicPr>
+        <p:blipFill>
+          <a:blip r:embed="rId2"/>
+          <a:stretch>
+            <a:fillRect/>
+          </a:stretch>
+        </p:blipFill>
+        <p:spPr>
+          <a:xfrm>
+            <a:off x="2411760" y="2564904"/>
+            <a:ext cx="3769196" cy="2891883"/>
+          </a:xfrm>
+          <a:prstGeom prst="rect">
+            <a:avLst/>
+          </a:prstGeom>
+        </p:spPr>
+      </p:pic>
+    </p:spTree>
+    <p:extLst>
+      <p:ext uri="{BB962C8B-B14F-4D97-AF65-F5344CB8AC3E}">
+        <p14:creationId xmlns:p14="http://schemas.microsoft.com/office/powerpoint/2010/main" val="1362543330"/>
+      </p:ext>
+    </p:extLst>
+  </p:cSld>
+  <p:clrMapOvr>
+    <a:masterClrMapping/>
+  </p:clrMapOvr>
+</p:sld>
+</file>
+
+<file path=ppt/slides/slide77.xml><?xml version="1.0" encoding="utf-8"?>
+<p:sld xmlns:a="http://schemas.openxmlformats.org/drawingml/2006/main" xmlns:r="http://schemas.openxmlformats.org/officeDocument/2006/relationships" xmlns:p="http://schemas.openxmlformats.org/presentationml/2006/main">
+  <p:cSld>
+    <p:spTree>
+      <p:nvGrpSpPr>
+        <p:cNvPr id="1" name=""/>
+        <p:cNvGrpSpPr/>
+        <p:nvPr/>
+      </p:nvGrpSpPr>
+      <p:grpSpPr>
+        <a:xfrm>
+          <a:off x="0" y="0"/>
+          <a:ext cx="0" cy="0"/>
+          <a:chOff x="0" y="0"/>
+          <a:chExt cx="0" cy="0"/>
+        </a:xfrm>
+      </p:grpSpPr>
+      <p:sp>
+        <p:nvSpPr>
+          <p:cNvPr id="2" name="Sisällön paikkamerkki 1"/>
+          <p:cNvSpPr>
+            <a:spLocks noGrp="1"/>
+          </p:cNvSpPr>
+          <p:nvPr>
+            <p:ph idx="1"/>
+          </p:nvPr>
+        </p:nvSpPr>
+        <p:spPr/>
+        <p:txBody>
+          <a:bodyPr/>
+          <a:lstStyle/>
+          <a:p>
+            <a:r>
+              <a:rPr lang="en-US" dirty="0" smtClean="0"/>
+              <a:t>We also have to change our controller code a bit:</a:t>
+            </a:r>
+            <a:endParaRPr lang="en-US" dirty="0"/>
+          </a:p>
+        </p:txBody>
+      </p:sp>
+      <p:sp>
+        <p:nvSpPr>
+          <p:cNvPr id="3" name="Päivämäärän paikkamerkki 2"/>
+          <p:cNvSpPr>
+            <a:spLocks noGrp="1"/>
+          </p:cNvSpPr>
+          <p:nvPr>
+            <p:ph type="dt" sz="half" idx="10"/>
+          </p:nvPr>
+        </p:nvSpPr>
+        <p:spPr/>
+        <p:txBody>
+          <a:bodyPr/>
+          <a:lstStyle/>
+          <a:p>
+            <a:fld id="{786339DA-C46F-4C6F-95A3-9379EAD4B9E9}" type="datetime1">
+              <a:rPr lang="fi-FI" smtClean="0"/>
+              <a:t>16.12.2015</a:t>
+            </a:fld>
+            <a:endParaRPr lang="fi-FI"/>
+          </a:p>
+        </p:txBody>
+      </p:sp>
+      <p:sp>
+        <p:nvSpPr>
+          <p:cNvPr id="4" name="Alatunnisteen paikkamerkki 3"/>
+          <p:cNvSpPr>
+            <a:spLocks noGrp="1"/>
+          </p:cNvSpPr>
+          <p:nvPr>
+            <p:ph type="ftr" sz="quarter" idx="11"/>
+          </p:nvPr>
+        </p:nvSpPr>
+        <p:spPr/>
+        <p:txBody>
+          <a:bodyPr/>
+          <a:lstStyle/>
+          <a:p>
+            <a:endParaRPr lang="fi-FI"/>
+          </a:p>
+        </p:txBody>
+      </p:sp>
+      <p:sp>
+        <p:nvSpPr>
+          <p:cNvPr id="5" name="Otsikko 4"/>
+          <p:cNvSpPr>
+            <a:spLocks noGrp="1"/>
+          </p:cNvSpPr>
+          <p:nvPr>
+            <p:ph type="title"/>
+          </p:nvPr>
+        </p:nvSpPr>
+        <p:spPr/>
+        <p:txBody>
+          <a:bodyPr/>
+          <a:lstStyle/>
+          <a:p>
+            <a:r>
+              <a:rPr lang="en-US" dirty="0"/>
+              <a:t>Validation With Annotations</a:t>
+            </a:r>
+          </a:p>
+        </p:txBody>
+      </p:sp>
+      <p:pic>
+        <p:nvPicPr>
+          <p:cNvPr id="6" name="Kuva 5"/>
+          <p:cNvPicPr>
+            <a:picLocks noChangeAspect="1"/>
+          </p:cNvPicPr>
+          <p:nvPr/>
+        </p:nvPicPr>
+        <p:blipFill>
+          <a:blip r:embed="rId2"/>
+          <a:stretch>
+            <a:fillRect/>
+          </a:stretch>
+        </p:blipFill>
+        <p:spPr>
+          <a:xfrm>
+            <a:off x="1835696" y="3012888"/>
+            <a:ext cx="4743450" cy="1752600"/>
+          </a:xfrm>
+          <a:prstGeom prst="rect">
+            <a:avLst/>
+          </a:prstGeom>
+        </p:spPr>
+      </p:pic>
+    </p:spTree>
+    <p:extLst>
+      <p:ext uri="{BB962C8B-B14F-4D97-AF65-F5344CB8AC3E}">
+        <p14:creationId xmlns:p14="http://schemas.microsoft.com/office/powerpoint/2010/main" val="3470128187"/>
+      </p:ext>
+    </p:extLst>
+  </p:cSld>
+  <p:clrMapOvr>
+    <a:masterClrMapping/>
+  </p:clrMapOvr>
+</p:sld>
+</file>
+
+<file path=ppt/slides/slide78.xml><?xml version="1.0" encoding="utf-8"?>
+<p:sld xmlns:a="http://schemas.openxmlformats.org/drawingml/2006/main" xmlns:r="http://schemas.openxmlformats.org/officeDocument/2006/relationships" xmlns:p="http://schemas.openxmlformats.org/presentationml/2006/main">
+  <p:cSld>
+    <p:spTree>
+      <p:nvGrpSpPr>
+        <p:cNvPr id="1" name=""/>
+        <p:cNvGrpSpPr/>
+        <p:nvPr/>
+      </p:nvGrpSpPr>
+      <p:grpSpPr>
+        <a:xfrm>
+          <a:off x="0" y="0"/>
+          <a:ext cx="0" cy="0"/>
+          <a:chOff x="0" y="0"/>
+          <a:chExt cx="0" cy="0"/>
+        </a:xfrm>
+      </p:grpSpPr>
+      <p:sp>
+        <p:nvSpPr>
+          <p:cNvPr id="2" name="Sisällön paikkamerkki 1"/>
+          <p:cNvSpPr>
+            <a:spLocks noGrp="1"/>
+          </p:cNvSpPr>
+          <p:nvPr>
+            <p:ph idx="1"/>
+          </p:nvPr>
+        </p:nvSpPr>
+        <p:spPr/>
+        <p:txBody>
+          <a:bodyPr/>
+          <a:lstStyle/>
+          <a:p>
+            <a:r>
+              <a:rPr lang="en-US" dirty="0" smtClean="0"/>
+              <a:t>The previous example uses the default error messages. If you want to define your owns you can do it by following annotation syntax:</a:t>
+            </a:r>
+          </a:p>
+          <a:p>
+            <a:endParaRPr lang="en-US" dirty="0"/>
+          </a:p>
+          <a:p>
+            <a:pPr marL="0" indent="0">
+              <a:buNone/>
+            </a:pPr>
+            <a:r>
+              <a:rPr lang="en-US" dirty="0"/>
+              <a:t>@Size(min=10, </a:t>
+            </a:r>
+            <a:r>
+              <a:rPr lang="en-US" dirty="0">
+                <a:solidFill>
+                  <a:srgbClr val="FF0000"/>
+                </a:solidFill>
+              </a:rPr>
+              <a:t>message="Phone number must be at least 10 characters"</a:t>
+            </a:r>
+            <a:r>
+              <a:rPr lang="en-US" dirty="0"/>
+              <a:t>)</a:t>
+            </a:r>
+          </a:p>
+        </p:txBody>
+      </p:sp>
+      <p:sp>
+        <p:nvSpPr>
+          <p:cNvPr id="3" name="Päivämäärän paikkamerkki 2"/>
+          <p:cNvSpPr>
+            <a:spLocks noGrp="1"/>
+          </p:cNvSpPr>
+          <p:nvPr>
+            <p:ph type="dt" sz="half" idx="10"/>
+          </p:nvPr>
+        </p:nvSpPr>
+        <p:spPr/>
+        <p:txBody>
+          <a:bodyPr/>
+          <a:lstStyle/>
+          <a:p>
+            <a:fld id="{786339DA-C46F-4C6F-95A3-9379EAD4B9E9}" type="datetime1">
+              <a:rPr lang="fi-FI" smtClean="0"/>
+              <a:t>16.12.2015</a:t>
+            </a:fld>
+            <a:endParaRPr lang="fi-FI"/>
+          </a:p>
+        </p:txBody>
+      </p:sp>
+      <p:sp>
+        <p:nvSpPr>
+          <p:cNvPr id="4" name="Alatunnisteen paikkamerkki 3"/>
+          <p:cNvSpPr>
+            <a:spLocks noGrp="1"/>
+          </p:cNvSpPr>
+          <p:nvPr>
+            <p:ph type="ftr" sz="quarter" idx="11"/>
+          </p:nvPr>
+        </p:nvSpPr>
+        <p:spPr/>
+        <p:txBody>
+          <a:bodyPr/>
+          <a:lstStyle/>
+          <a:p>
+            <a:endParaRPr lang="fi-FI"/>
+          </a:p>
+        </p:txBody>
+      </p:sp>
+      <p:sp>
+        <p:nvSpPr>
+          <p:cNvPr id="5" name="Otsikko 4"/>
+          <p:cNvSpPr>
+            <a:spLocks noGrp="1"/>
+          </p:cNvSpPr>
+          <p:nvPr>
+            <p:ph type="title"/>
+          </p:nvPr>
+        </p:nvSpPr>
+        <p:spPr/>
+        <p:txBody>
+          <a:bodyPr/>
+          <a:lstStyle/>
+          <a:p>
+            <a:r>
+              <a:rPr lang="en-US" dirty="0"/>
+              <a:t>Validation With Annotations</a:t>
+            </a:r>
+          </a:p>
+        </p:txBody>
+      </p:sp>
+    </p:spTree>
+    <p:extLst>
+      <p:ext uri="{BB962C8B-B14F-4D97-AF65-F5344CB8AC3E}">
+        <p14:creationId xmlns:p14="http://schemas.microsoft.com/office/powerpoint/2010/main" val="1138905158"/>
+      </p:ext>
+    </p:extLst>
+  </p:cSld>
+  <p:clrMapOvr>
+    <a:masterClrMapping/>
+  </p:clrMapOvr>
+</p:sld>
+</file>
+
+<file path=ppt/slides/slide79.xml><?xml version="1.0" encoding="utf-8"?>
+<p:sld xmlns:a="http://schemas.openxmlformats.org/drawingml/2006/main" xmlns:r="http://schemas.openxmlformats.org/officeDocument/2006/relationships" xmlns:p="http://schemas.openxmlformats.org/presentationml/2006/main">
+  <p:cSld>
+    <p:spTree>
+      <p:nvGrpSpPr>
+        <p:cNvPr id="1" name=""/>
+        <p:cNvGrpSpPr/>
+        <p:nvPr/>
+      </p:nvGrpSpPr>
+      <p:grpSpPr>
+        <a:xfrm>
+          <a:off x="0" y="0"/>
+          <a:ext cx="0" cy="0"/>
+          <a:chOff x="0" y="0"/>
+          <a:chExt cx="0" cy="0"/>
+        </a:xfrm>
+      </p:grpSpPr>
+      <p:sp>
+        <p:nvSpPr>
+          <p:cNvPr id="2" name="Sisällön paikkamerkki 1"/>
+          <p:cNvSpPr>
+            <a:spLocks noGrp="1"/>
+          </p:cNvSpPr>
+          <p:nvPr>
+            <p:ph idx="1"/>
+          </p:nvPr>
+        </p:nvSpPr>
+        <p:spPr/>
+        <p:txBody>
+          <a:bodyPr>
+            <a:normAutofit fontScale="92500" lnSpcReduction="10000"/>
+          </a:bodyPr>
+          <a:lstStyle/>
+          <a:p>
+            <a:r>
+              <a:rPr lang="en-US" b="1" dirty="0"/>
+              <a:t>Object-relational mapping</a:t>
+            </a:r>
+            <a:r>
+              <a:rPr lang="en-US" dirty="0"/>
+              <a:t> (</a:t>
+            </a:r>
+            <a:r>
+              <a:rPr lang="en-US" b="1" dirty="0"/>
+              <a:t>ORM</a:t>
+            </a:r>
+            <a:r>
+              <a:rPr lang="en-US" dirty="0"/>
+              <a:t>, </a:t>
+            </a:r>
+            <a:r>
+              <a:rPr lang="en-US" b="1" dirty="0"/>
+              <a:t>O/RM</a:t>
+            </a:r>
+            <a:r>
+              <a:rPr lang="en-US" dirty="0"/>
+              <a:t>, and </a:t>
+            </a:r>
+            <a:r>
+              <a:rPr lang="en-US" b="1" dirty="0"/>
+              <a:t>O/R mapping</a:t>
+            </a:r>
+            <a:r>
+              <a:rPr lang="en-US" dirty="0"/>
+              <a:t>) </a:t>
+            </a:r>
+            <a:r>
+              <a:rPr lang="en-US" dirty="0" smtClean="0"/>
+              <a:t>in a </a:t>
+            </a:r>
+            <a:r>
+              <a:rPr lang="en-US" dirty="0"/>
+              <a:t>technique for converting data between incompatible type systems in object-oriented programming languages</a:t>
+            </a:r>
+            <a:r>
+              <a:rPr lang="en-US" dirty="0" smtClean="0"/>
+              <a:t>.</a:t>
+            </a:r>
+          </a:p>
+          <a:p>
+            <a:r>
+              <a:rPr lang="en-US" dirty="0" smtClean="0"/>
+              <a:t>In other words ORM means converting relational database table to Java (in this case) object.</a:t>
+            </a:r>
+          </a:p>
+          <a:p>
+            <a:r>
+              <a:rPr lang="en-US" dirty="0" smtClean="0"/>
+              <a:t>There is also concept of JPA (Java Persistence API) that is actually a specification how the above conversion should be implemented.</a:t>
+            </a:r>
+          </a:p>
+          <a:p>
+            <a:r>
+              <a:rPr lang="en-US" dirty="0" smtClean="0"/>
+              <a:t>Hibernate is one of the JPA implementations (there are others also like </a:t>
+            </a:r>
+            <a:r>
+              <a:rPr lang="en-US" dirty="0" err="1" smtClean="0"/>
+              <a:t>EclipseLink</a:t>
+            </a:r>
+            <a:r>
+              <a:rPr lang="en-US" dirty="0" smtClean="0"/>
+              <a:t>, </a:t>
+            </a:r>
+            <a:r>
+              <a:rPr lang="en-US" dirty="0" err="1" smtClean="0"/>
+              <a:t>ActiveJPA</a:t>
+            </a:r>
+            <a:r>
+              <a:rPr lang="en-US" dirty="0" smtClean="0"/>
+              <a:t> etc.)</a:t>
+            </a:r>
+          </a:p>
+          <a:p>
+            <a:r>
+              <a:rPr lang="en-US" dirty="0" smtClean="0"/>
+              <a:t>We use Hibernate because it the one most common used implementations out there. </a:t>
+            </a:r>
+            <a:endParaRPr lang="en-US" dirty="0"/>
+          </a:p>
+        </p:txBody>
+      </p:sp>
+      <p:sp>
+        <p:nvSpPr>
+          <p:cNvPr id="3" name="Päivämäärän paikkamerkki 2"/>
+          <p:cNvSpPr>
+            <a:spLocks noGrp="1"/>
+          </p:cNvSpPr>
+          <p:nvPr>
+            <p:ph type="dt" sz="half" idx="10"/>
+          </p:nvPr>
+        </p:nvSpPr>
+        <p:spPr/>
+        <p:txBody>
+          <a:bodyPr/>
+          <a:lstStyle/>
+          <a:p>
+            <a:fld id="{786339DA-C46F-4C6F-95A3-9379EAD4B9E9}" type="datetime1">
+              <a:rPr lang="fi-FI" smtClean="0"/>
+              <a:t>16.12.2015</a:t>
+            </a:fld>
+            <a:endParaRPr lang="fi-FI"/>
+          </a:p>
+        </p:txBody>
+      </p:sp>
+      <p:sp>
+        <p:nvSpPr>
+          <p:cNvPr id="4" name="Alatunnisteen paikkamerkki 3"/>
+          <p:cNvSpPr>
+            <a:spLocks noGrp="1"/>
+          </p:cNvSpPr>
+          <p:nvPr>
+            <p:ph type="ftr" sz="quarter" idx="11"/>
+          </p:nvPr>
+        </p:nvSpPr>
+        <p:spPr/>
+        <p:txBody>
+          <a:bodyPr/>
+          <a:lstStyle/>
+          <a:p>
+            <a:endParaRPr lang="fi-FI"/>
+          </a:p>
+        </p:txBody>
+      </p:sp>
+      <p:sp>
+        <p:nvSpPr>
+          <p:cNvPr id="5" name="Otsikko 4"/>
+          <p:cNvSpPr>
+            <a:spLocks noGrp="1"/>
+          </p:cNvSpPr>
+          <p:nvPr>
+            <p:ph type="title"/>
+          </p:nvPr>
+        </p:nvSpPr>
+        <p:spPr/>
+        <p:txBody>
+          <a:bodyPr/>
+          <a:lstStyle/>
+          <a:p>
+            <a:r>
+              <a:rPr lang="en-US" dirty="0" smtClean="0"/>
+              <a:t>Hibernate (ORM)</a:t>
+            </a:r>
+            <a:endParaRPr lang="en-US" dirty="0"/>
+          </a:p>
+        </p:txBody>
+      </p:sp>
+    </p:spTree>
+    <p:extLst>
+      <p:ext uri="{BB962C8B-B14F-4D97-AF65-F5344CB8AC3E}">
+        <p14:creationId xmlns:p14="http://schemas.microsoft.com/office/powerpoint/2010/main" val="2415854196"/>
       </p:ext>
     </p:extLst>
   </p:cSld>
@@ -32351,7 +34479,7 @@
           <a:p>
             <a:fld id="{786339DA-C46F-4C6F-95A3-9379EAD4B9E9}" type="datetime1">
               <a:rPr lang="fi-FI" smtClean="0"/>
-              <a:t>14.10.2015</a:t>
+              <a:t>16.12.2015</a:t>
             </a:fld>
             <a:endParaRPr lang="fi-FI"/>
           </a:p>
@@ -32470,6 +34598,1651 @@
 </p:sld>
 </file>
 
+<file path=ppt/slides/slide80.xml><?xml version="1.0" encoding="utf-8"?>
+<p:sld xmlns:a="http://schemas.openxmlformats.org/drawingml/2006/main" xmlns:r="http://schemas.openxmlformats.org/officeDocument/2006/relationships" xmlns:p="http://schemas.openxmlformats.org/presentationml/2006/main">
+  <p:cSld>
+    <p:spTree>
+      <p:nvGrpSpPr>
+        <p:cNvPr id="1" name=""/>
+        <p:cNvGrpSpPr/>
+        <p:nvPr/>
+      </p:nvGrpSpPr>
+      <p:grpSpPr>
+        <a:xfrm>
+          <a:off x="0" y="0"/>
+          <a:ext cx="0" cy="0"/>
+          <a:chOff x="0" y="0"/>
+          <a:chExt cx="0" cy="0"/>
+        </a:xfrm>
+      </p:grpSpPr>
+      <p:sp>
+        <p:nvSpPr>
+          <p:cNvPr id="2" name="Sisällön paikkamerkki 1"/>
+          <p:cNvSpPr>
+            <a:spLocks noGrp="1"/>
+          </p:cNvSpPr>
+          <p:nvPr>
+            <p:ph idx="1"/>
+          </p:nvPr>
+        </p:nvSpPr>
+        <p:spPr/>
+        <p:txBody>
+          <a:bodyPr/>
+          <a:lstStyle/>
+          <a:p>
+            <a:r>
+              <a:rPr lang="en-US" dirty="0" smtClean="0"/>
+              <a:t>You need also an database that you want to model to objects.</a:t>
+            </a:r>
+          </a:p>
+          <a:p>
+            <a:r>
+              <a:rPr lang="en-US" dirty="0" smtClean="0"/>
+              <a:t>In our example we use MySQL server and a database with 3 tables in it.</a:t>
+            </a:r>
+          </a:p>
+          <a:p>
+            <a:r>
+              <a:rPr lang="en-US" dirty="0" smtClean="0"/>
+              <a:t>Note! If you use some other database solution it affects also in configuration that is explained in next slides!</a:t>
+            </a:r>
+            <a:endParaRPr lang="en-US" dirty="0"/>
+          </a:p>
+        </p:txBody>
+      </p:sp>
+      <p:sp>
+        <p:nvSpPr>
+          <p:cNvPr id="3" name="Päivämäärän paikkamerkki 2"/>
+          <p:cNvSpPr>
+            <a:spLocks noGrp="1"/>
+          </p:cNvSpPr>
+          <p:nvPr>
+            <p:ph type="dt" sz="half" idx="10"/>
+          </p:nvPr>
+        </p:nvSpPr>
+        <p:spPr/>
+        <p:txBody>
+          <a:bodyPr/>
+          <a:lstStyle/>
+          <a:p>
+            <a:fld id="{786339DA-C46F-4C6F-95A3-9379EAD4B9E9}" type="datetime1">
+              <a:rPr lang="fi-FI" smtClean="0"/>
+              <a:t>16.12.2015</a:t>
+            </a:fld>
+            <a:endParaRPr lang="fi-FI"/>
+          </a:p>
+        </p:txBody>
+      </p:sp>
+      <p:sp>
+        <p:nvSpPr>
+          <p:cNvPr id="4" name="Alatunnisteen paikkamerkki 3"/>
+          <p:cNvSpPr>
+            <a:spLocks noGrp="1"/>
+          </p:cNvSpPr>
+          <p:nvPr>
+            <p:ph type="ftr" sz="quarter" idx="11"/>
+          </p:nvPr>
+        </p:nvSpPr>
+        <p:spPr/>
+        <p:txBody>
+          <a:bodyPr/>
+          <a:lstStyle/>
+          <a:p>
+            <a:endParaRPr lang="fi-FI"/>
+          </a:p>
+        </p:txBody>
+      </p:sp>
+      <p:sp>
+        <p:nvSpPr>
+          <p:cNvPr id="5" name="Otsikko 4"/>
+          <p:cNvSpPr>
+            <a:spLocks noGrp="1"/>
+          </p:cNvSpPr>
+          <p:nvPr>
+            <p:ph type="title"/>
+          </p:nvPr>
+        </p:nvSpPr>
+        <p:spPr/>
+        <p:txBody>
+          <a:bodyPr/>
+          <a:lstStyle/>
+          <a:p>
+            <a:r>
+              <a:rPr lang="en-US" dirty="0" smtClean="0"/>
+              <a:t>Hibernate (ORM)</a:t>
+            </a:r>
+            <a:endParaRPr lang="en-US" dirty="0"/>
+          </a:p>
+        </p:txBody>
+      </p:sp>
+    </p:spTree>
+    <p:extLst>
+      <p:ext uri="{BB962C8B-B14F-4D97-AF65-F5344CB8AC3E}">
+        <p14:creationId xmlns:p14="http://schemas.microsoft.com/office/powerpoint/2010/main" val="2957951459"/>
+      </p:ext>
+    </p:extLst>
+  </p:cSld>
+  <p:clrMapOvr>
+    <a:masterClrMapping/>
+  </p:clrMapOvr>
+</p:sld>
+</file>
+
+<file path=ppt/slides/slide81.xml><?xml version="1.0" encoding="utf-8"?>
+<p:sld xmlns:a="http://schemas.openxmlformats.org/drawingml/2006/main" xmlns:r="http://schemas.openxmlformats.org/officeDocument/2006/relationships" xmlns:p="http://schemas.openxmlformats.org/presentationml/2006/main">
+  <p:cSld>
+    <p:spTree>
+      <p:nvGrpSpPr>
+        <p:cNvPr id="1" name=""/>
+        <p:cNvGrpSpPr/>
+        <p:nvPr/>
+      </p:nvGrpSpPr>
+      <p:grpSpPr>
+        <a:xfrm>
+          <a:off x="0" y="0"/>
+          <a:ext cx="0" cy="0"/>
+          <a:chOff x="0" y="0"/>
+          <a:chExt cx="0" cy="0"/>
+        </a:xfrm>
+      </p:grpSpPr>
+      <p:sp>
+        <p:nvSpPr>
+          <p:cNvPr id="2" name="Sisällön paikkamerkki 1"/>
+          <p:cNvSpPr>
+            <a:spLocks noGrp="1"/>
+          </p:cNvSpPr>
+          <p:nvPr>
+            <p:ph idx="1"/>
+          </p:nvPr>
+        </p:nvSpPr>
+        <p:spPr/>
+        <p:txBody>
+          <a:bodyPr>
+            <a:normAutofit fontScale="92500"/>
+          </a:bodyPr>
+          <a:lstStyle/>
+          <a:p>
+            <a:r>
+              <a:rPr lang="en-US" dirty="0" smtClean="0"/>
+              <a:t>Hibernate must be configured in your application. For example you must define what database you want to model.</a:t>
+            </a:r>
+          </a:p>
+          <a:p>
+            <a:r>
+              <a:rPr lang="en-US" dirty="0" smtClean="0"/>
+              <a:t>Configuration can be done several ways:</a:t>
+            </a:r>
+          </a:p>
+          <a:p>
+            <a:pPr lvl="1"/>
+            <a:r>
+              <a:rPr lang="en-US" dirty="0" smtClean="0"/>
+              <a:t>Create Java Web application with Hibernate configuration using </a:t>
+            </a:r>
+            <a:r>
+              <a:rPr lang="en-US" dirty="0" err="1" smtClean="0"/>
+              <a:t>Netbeans</a:t>
+            </a:r>
+            <a:r>
+              <a:rPr lang="en-US" dirty="0" smtClean="0"/>
+              <a:t> project wizard. This basically sets all the needed stuff for you automatically.</a:t>
+            </a:r>
+          </a:p>
+          <a:p>
+            <a:pPr lvl="1"/>
+            <a:r>
+              <a:rPr lang="en-US" dirty="0" smtClean="0"/>
+              <a:t>You can configure all needed configurations in web.xml and applicationContext.xml file</a:t>
+            </a:r>
+          </a:p>
+          <a:p>
+            <a:pPr lvl="1"/>
+            <a:r>
+              <a:rPr lang="en-US" dirty="0" smtClean="0"/>
+              <a:t>You can use Annotations and built-in Java Classes to configure hibernate.</a:t>
+            </a:r>
+          </a:p>
+          <a:p>
+            <a:r>
+              <a:rPr lang="en-US" dirty="0" smtClean="0"/>
+              <a:t>We use the </a:t>
+            </a:r>
+            <a:r>
+              <a:rPr lang="en-US" dirty="0" err="1" smtClean="0"/>
+              <a:t>Netbeans</a:t>
+            </a:r>
+            <a:r>
+              <a:rPr lang="en-US" dirty="0" smtClean="0"/>
+              <a:t> Wizard to help in this.</a:t>
+            </a:r>
+            <a:endParaRPr lang="en-US" dirty="0"/>
+          </a:p>
+        </p:txBody>
+      </p:sp>
+      <p:sp>
+        <p:nvSpPr>
+          <p:cNvPr id="3" name="Päivämäärän paikkamerkki 2"/>
+          <p:cNvSpPr>
+            <a:spLocks noGrp="1"/>
+          </p:cNvSpPr>
+          <p:nvPr>
+            <p:ph type="dt" sz="half" idx="10"/>
+          </p:nvPr>
+        </p:nvSpPr>
+        <p:spPr/>
+        <p:txBody>
+          <a:bodyPr/>
+          <a:lstStyle/>
+          <a:p>
+            <a:fld id="{786339DA-C46F-4C6F-95A3-9379EAD4B9E9}" type="datetime1">
+              <a:rPr lang="fi-FI" smtClean="0"/>
+              <a:t>16.12.2015</a:t>
+            </a:fld>
+            <a:endParaRPr lang="fi-FI"/>
+          </a:p>
+        </p:txBody>
+      </p:sp>
+      <p:sp>
+        <p:nvSpPr>
+          <p:cNvPr id="4" name="Alatunnisteen paikkamerkki 3"/>
+          <p:cNvSpPr>
+            <a:spLocks noGrp="1"/>
+          </p:cNvSpPr>
+          <p:nvPr>
+            <p:ph type="ftr" sz="quarter" idx="11"/>
+          </p:nvPr>
+        </p:nvSpPr>
+        <p:spPr/>
+        <p:txBody>
+          <a:bodyPr/>
+          <a:lstStyle/>
+          <a:p>
+            <a:endParaRPr lang="fi-FI"/>
+          </a:p>
+        </p:txBody>
+      </p:sp>
+      <p:sp>
+        <p:nvSpPr>
+          <p:cNvPr id="5" name="Otsikko 4"/>
+          <p:cNvSpPr>
+            <a:spLocks noGrp="1"/>
+          </p:cNvSpPr>
+          <p:nvPr>
+            <p:ph type="title"/>
+          </p:nvPr>
+        </p:nvSpPr>
+        <p:spPr/>
+        <p:txBody>
+          <a:bodyPr/>
+          <a:lstStyle/>
+          <a:p>
+            <a:r>
+              <a:rPr lang="en-US" dirty="0" smtClean="0"/>
+              <a:t>Hibernate Configuration</a:t>
+            </a:r>
+            <a:endParaRPr lang="en-US" dirty="0"/>
+          </a:p>
+        </p:txBody>
+      </p:sp>
+    </p:spTree>
+    <p:extLst>
+      <p:ext uri="{BB962C8B-B14F-4D97-AF65-F5344CB8AC3E}">
+        <p14:creationId xmlns:p14="http://schemas.microsoft.com/office/powerpoint/2010/main" val="2474465299"/>
+      </p:ext>
+    </p:extLst>
+  </p:cSld>
+  <p:clrMapOvr>
+    <a:masterClrMapping/>
+  </p:clrMapOvr>
+</p:sld>
+</file>
+
+<file path=ppt/slides/slide82.xml><?xml version="1.0" encoding="utf-8"?>
+<p:sld xmlns:a="http://schemas.openxmlformats.org/drawingml/2006/main" xmlns:r="http://schemas.openxmlformats.org/officeDocument/2006/relationships" xmlns:p="http://schemas.openxmlformats.org/presentationml/2006/main">
+  <p:cSld>
+    <p:spTree>
+      <p:nvGrpSpPr>
+        <p:cNvPr id="1" name=""/>
+        <p:cNvGrpSpPr/>
+        <p:nvPr/>
+      </p:nvGrpSpPr>
+      <p:grpSpPr>
+        <a:xfrm>
+          <a:off x="0" y="0"/>
+          <a:ext cx="0" cy="0"/>
+          <a:chOff x="0" y="0"/>
+          <a:chExt cx="0" cy="0"/>
+        </a:xfrm>
+      </p:grpSpPr>
+      <p:sp>
+        <p:nvSpPr>
+          <p:cNvPr id="2" name="Sisällön paikkamerkki 1"/>
+          <p:cNvSpPr>
+            <a:spLocks noGrp="1"/>
+          </p:cNvSpPr>
+          <p:nvPr>
+            <p:ph idx="1"/>
+          </p:nvPr>
+        </p:nvSpPr>
+        <p:spPr/>
+        <p:txBody>
+          <a:bodyPr>
+            <a:normAutofit fontScale="92500" lnSpcReduction="10000"/>
+          </a:bodyPr>
+          <a:lstStyle/>
+          <a:p>
+            <a:r>
+              <a:rPr lang="en-US" dirty="0" smtClean="0"/>
+              <a:t>Create a new project by selecting File-&gt;New Project</a:t>
+            </a:r>
+          </a:p>
+          <a:p>
+            <a:r>
+              <a:rPr lang="en-US" dirty="0" smtClean="0"/>
+              <a:t>Select Java Web and Web Application.</a:t>
+            </a:r>
+          </a:p>
+          <a:p>
+            <a:r>
+              <a:rPr lang="en-US" dirty="0" smtClean="0"/>
+              <a:t>Give name for the project and select the server etc. from next dialogs.</a:t>
+            </a:r>
+          </a:p>
+          <a:p>
+            <a:r>
+              <a:rPr lang="en-US" dirty="0" smtClean="0"/>
+              <a:t>From frameworks dialog select both Spring Web MVC and Hibernate.</a:t>
+            </a:r>
+          </a:p>
+          <a:p>
+            <a:r>
+              <a:rPr lang="en-US" dirty="0" smtClean="0"/>
+              <a:t>When you select hibernate checkbox you can see Database Connection and Database Dialect.</a:t>
+            </a:r>
+          </a:p>
+          <a:p>
+            <a:r>
+              <a:rPr lang="en-US" dirty="0" smtClean="0"/>
+              <a:t>From database connection select </a:t>
+            </a:r>
+            <a:r>
+              <a:rPr lang="en-US" dirty="0" err="1" smtClean="0"/>
+              <a:t>jdbc:mysql</a:t>
+            </a:r>
+            <a:r>
+              <a:rPr lang="en-US" dirty="0" smtClean="0"/>
+              <a:t>://localhost:3306/</a:t>
+            </a:r>
+            <a:r>
+              <a:rPr lang="en-US" dirty="0" err="1" smtClean="0"/>
+              <a:t>xxxx</a:t>
+            </a:r>
+            <a:endParaRPr lang="en-US" dirty="0" smtClean="0"/>
+          </a:p>
+          <a:p>
+            <a:r>
+              <a:rPr lang="en-US" dirty="0" smtClean="0"/>
+              <a:t>….where </a:t>
+            </a:r>
+            <a:r>
+              <a:rPr lang="en-US" dirty="0" err="1" smtClean="0"/>
+              <a:t>xxxx</a:t>
+            </a:r>
+            <a:r>
+              <a:rPr lang="en-US" dirty="0" smtClean="0"/>
+              <a:t> is the name of your database. Then press Finish.</a:t>
+            </a:r>
+          </a:p>
+        </p:txBody>
+      </p:sp>
+      <p:sp>
+        <p:nvSpPr>
+          <p:cNvPr id="3" name="Päivämäärän paikkamerkki 2"/>
+          <p:cNvSpPr>
+            <a:spLocks noGrp="1"/>
+          </p:cNvSpPr>
+          <p:nvPr>
+            <p:ph type="dt" sz="half" idx="10"/>
+          </p:nvPr>
+        </p:nvSpPr>
+        <p:spPr/>
+        <p:txBody>
+          <a:bodyPr/>
+          <a:lstStyle/>
+          <a:p>
+            <a:fld id="{786339DA-C46F-4C6F-95A3-9379EAD4B9E9}" type="datetime1">
+              <a:rPr lang="fi-FI" smtClean="0"/>
+              <a:t>16.12.2015</a:t>
+            </a:fld>
+            <a:endParaRPr lang="fi-FI"/>
+          </a:p>
+        </p:txBody>
+      </p:sp>
+      <p:sp>
+        <p:nvSpPr>
+          <p:cNvPr id="4" name="Alatunnisteen paikkamerkki 3"/>
+          <p:cNvSpPr>
+            <a:spLocks noGrp="1"/>
+          </p:cNvSpPr>
+          <p:nvPr>
+            <p:ph type="ftr" sz="quarter" idx="11"/>
+          </p:nvPr>
+        </p:nvSpPr>
+        <p:spPr/>
+        <p:txBody>
+          <a:bodyPr/>
+          <a:lstStyle/>
+          <a:p>
+            <a:endParaRPr lang="fi-FI"/>
+          </a:p>
+        </p:txBody>
+      </p:sp>
+      <p:sp>
+        <p:nvSpPr>
+          <p:cNvPr id="5" name="Otsikko 4"/>
+          <p:cNvSpPr>
+            <a:spLocks noGrp="1"/>
+          </p:cNvSpPr>
+          <p:nvPr>
+            <p:ph type="title"/>
+          </p:nvPr>
+        </p:nvSpPr>
+        <p:spPr/>
+        <p:txBody>
+          <a:bodyPr/>
+          <a:lstStyle/>
+          <a:p>
+            <a:r>
+              <a:rPr lang="en-US" dirty="0"/>
+              <a:t>Spring MVC With </a:t>
+            </a:r>
+            <a:r>
+              <a:rPr lang="en-US" dirty="0" smtClean="0"/>
+              <a:t>Hibernate</a:t>
+            </a:r>
+            <a:endParaRPr lang="en-US" dirty="0"/>
+          </a:p>
+        </p:txBody>
+      </p:sp>
+    </p:spTree>
+    <p:extLst>
+      <p:ext uri="{BB962C8B-B14F-4D97-AF65-F5344CB8AC3E}">
+        <p14:creationId xmlns:p14="http://schemas.microsoft.com/office/powerpoint/2010/main" val="3524123412"/>
+      </p:ext>
+    </p:extLst>
+  </p:cSld>
+  <p:clrMapOvr>
+    <a:masterClrMapping/>
+  </p:clrMapOvr>
+</p:sld>
+</file>
+
+<file path=ppt/slides/slide83.xml><?xml version="1.0" encoding="utf-8"?>
+<p:sld xmlns:a="http://schemas.openxmlformats.org/drawingml/2006/main" xmlns:r="http://schemas.openxmlformats.org/officeDocument/2006/relationships" xmlns:p="http://schemas.openxmlformats.org/presentationml/2006/main">
+  <p:cSld>
+    <p:spTree>
+      <p:nvGrpSpPr>
+        <p:cNvPr id="1" name=""/>
+        <p:cNvGrpSpPr/>
+        <p:nvPr/>
+      </p:nvGrpSpPr>
+      <p:grpSpPr>
+        <a:xfrm>
+          <a:off x="0" y="0"/>
+          <a:ext cx="0" cy="0"/>
+          <a:chOff x="0" y="0"/>
+          <a:chExt cx="0" cy="0"/>
+        </a:xfrm>
+      </p:grpSpPr>
+      <p:sp>
+        <p:nvSpPr>
+          <p:cNvPr id="2" name="Sisällön paikkamerkki 1"/>
+          <p:cNvSpPr>
+            <a:spLocks noGrp="1"/>
+          </p:cNvSpPr>
+          <p:nvPr>
+            <p:ph idx="1"/>
+          </p:nvPr>
+        </p:nvSpPr>
+        <p:spPr/>
+        <p:txBody>
+          <a:bodyPr/>
+          <a:lstStyle/>
+          <a:p>
+            <a:r>
+              <a:rPr lang="en-US" dirty="0" smtClean="0"/>
+              <a:t>The project is similar to normal Spring Web MVC application, but with hibernate dependencies included.</a:t>
+            </a:r>
+          </a:p>
+          <a:p>
+            <a:r>
+              <a:rPr lang="en-US" dirty="0" smtClean="0"/>
+              <a:t>Next we create needed classes to make object relational mapping to our database, define a UI where database is displayed and then make different kinds of queries to our database. </a:t>
+            </a:r>
+            <a:endParaRPr lang="en-US" dirty="0"/>
+          </a:p>
+          <a:p>
+            <a:r>
+              <a:rPr lang="en-US" dirty="0" smtClean="0"/>
+              <a:t>We start by generating the needed Java classes using the </a:t>
+            </a:r>
+            <a:r>
+              <a:rPr lang="en-US" dirty="0" err="1" smtClean="0"/>
+              <a:t>Netbeans</a:t>
+            </a:r>
+            <a:r>
+              <a:rPr lang="en-US" dirty="0" smtClean="0"/>
+              <a:t> project wizard.</a:t>
+            </a:r>
+            <a:endParaRPr lang="en-US" dirty="0"/>
+          </a:p>
+        </p:txBody>
+      </p:sp>
+      <p:sp>
+        <p:nvSpPr>
+          <p:cNvPr id="3" name="Päivämäärän paikkamerkki 2"/>
+          <p:cNvSpPr>
+            <a:spLocks noGrp="1"/>
+          </p:cNvSpPr>
+          <p:nvPr>
+            <p:ph type="dt" sz="half" idx="10"/>
+          </p:nvPr>
+        </p:nvSpPr>
+        <p:spPr/>
+        <p:txBody>
+          <a:bodyPr/>
+          <a:lstStyle/>
+          <a:p>
+            <a:fld id="{786339DA-C46F-4C6F-95A3-9379EAD4B9E9}" type="datetime1">
+              <a:rPr lang="fi-FI" smtClean="0"/>
+              <a:t>16.12.2015</a:t>
+            </a:fld>
+            <a:endParaRPr lang="fi-FI"/>
+          </a:p>
+        </p:txBody>
+      </p:sp>
+      <p:sp>
+        <p:nvSpPr>
+          <p:cNvPr id="4" name="Alatunnisteen paikkamerkki 3"/>
+          <p:cNvSpPr>
+            <a:spLocks noGrp="1"/>
+          </p:cNvSpPr>
+          <p:nvPr>
+            <p:ph type="ftr" sz="quarter" idx="11"/>
+          </p:nvPr>
+        </p:nvSpPr>
+        <p:spPr/>
+        <p:txBody>
+          <a:bodyPr/>
+          <a:lstStyle/>
+          <a:p>
+            <a:endParaRPr lang="fi-FI"/>
+          </a:p>
+        </p:txBody>
+      </p:sp>
+      <p:sp>
+        <p:nvSpPr>
+          <p:cNvPr id="5" name="Otsikko 4"/>
+          <p:cNvSpPr>
+            <a:spLocks noGrp="1"/>
+          </p:cNvSpPr>
+          <p:nvPr>
+            <p:ph type="title"/>
+          </p:nvPr>
+        </p:nvSpPr>
+        <p:spPr/>
+        <p:txBody>
+          <a:bodyPr/>
+          <a:lstStyle/>
+          <a:p>
+            <a:r>
+              <a:rPr lang="en-US" dirty="0"/>
+              <a:t>Spring MVC With </a:t>
+            </a:r>
+            <a:r>
+              <a:rPr lang="en-US" dirty="0" smtClean="0"/>
+              <a:t>Hibernate</a:t>
+            </a:r>
+            <a:endParaRPr lang="en-US" dirty="0"/>
+          </a:p>
+        </p:txBody>
+      </p:sp>
+    </p:spTree>
+    <p:extLst>
+      <p:ext uri="{BB962C8B-B14F-4D97-AF65-F5344CB8AC3E}">
+        <p14:creationId xmlns:p14="http://schemas.microsoft.com/office/powerpoint/2010/main" val="2513294824"/>
+      </p:ext>
+    </p:extLst>
+  </p:cSld>
+  <p:clrMapOvr>
+    <a:masterClrMapping/>
+  </p:clrMapOvr>
+</p:sld>
+</file>
+
+<file path=ppt/slides/slide84.xml><?xml version="1.0" encoding="utf-8"?>
+<p:sld xmlns:a="http://schemas.openxmlformats.org/drawingml/2006/main" xmlns:r="http://schemas.openxmlformats.org/officeDocument/2006/relationships" xmlns:p="http://schemas.openxmlformats.org/presentationml/2006/main">
+  <p:cSld>
+    <p:spTree>
+      <p:nvGrpSpPr>
+        <p:cNvPr id="1" name=""/>
+        <p:cNvGrpSpPr/>
+        <p:nvPr/>
+      </p:nvGrpSpPr>
+      <p:grpSpPr>
+        <a:xfrm>
+          <a:off x="0" y="0"/>
+          <a:ext cx="0" cy="0"/>
+          <a:chOff x="0" y="0"/>
+          <a:chExt cx="0" cy="0"/>
+        </a:xfrm>
+      </p:grpSpPr>
+      <p:sp>
+        <p:nvSpPr>
+          <p:cNvPr id="2" name="Sisällön paikkamerkki 1"/>
+          <p:cNvSpPr>
+            <a:spLocks noGrp="1"/>
+          </p:cNvSpPr>
+          <p:nvPr>
+            <p:ph idx="1"/>
+          </p:nvPr>
+        </p:nvSpPr>
+        <p:spPr/>
+        <p:txBody>
+          <a:bodyPr>
+            <a:normAutofit fontScale="77500" lnSpcReduction="20000"/>
+          </a:bodyPr>
+          <a:lstStyle/>
+          <a:p>
+            <a:r>
+              <a:rPr lang="en-US" dirty="0" smtClean="0"/>
+              <a:t>Create next packages under Source Packages</a:t>
+            </a:r>
+          </a:p>
+          <a:p>
+            <a:pPr lvl="1"/>
+            <a:r>
+              <a:rPr lang="en-US" dirty="0" err="1" smtClean="0"/>
+              <a:t>com.some_company.controller</a:t>
+            </a:r>
+            <a:endParaRPr lang="en-US" dirty="0" smtClean="0"/>
+          </a:p>
+          <a:p>
+            <a:pPr lvl="1"/>
+            <a:r>
+              <a:rPr lang="en-US" dirty="0"/>
+              <a:t>c</a:t>
+            </a:r>
+            <a:r>
+              <a:rPr lang="en-US" dirty="0" smtClean="0"/>
+              <a:t>om.</a:t>
+            </a:r>
+            <a:r>
+              <a:rPr lang="en-US" dirty="0"/>
+              <a:t> </a:t>
+            </a:r>
+            <a:r>
+              <a:rPr lang="en-US" dirty="0" err="1" smtClean="0"/>
+              <a:t>some_company.model.dao</a:t>
+            </a:r>
+            <a:endParaRPr lang="en-US" dirty="0" smtClean="0"/>
+          </a:p>
+          <a:p>
+            <a:pPr lvl="1"/>
+            <a:r>
+              <a:rPr lang="en-US" dirty="0"/>
+              <a:t>com. </a:t>
+            </a:r>
+            <a:r>
+              <a:rPr lang="en-US" dirty="0" err="1" smtClean="0"/>
+              <a:t>some_company.model.impl</a:t>
+            </a:r>
+            <a:endParaRPr lang="en-US" dirty="0" smtClean="0"/>
+          </a:p>
+          <a:p>
+            <a:pPr lvl="1"/>
+            <a:r>
+              <a:rPr lang="en-US" dirty="0"/>
+              <a:t>com. </a:t>
+            </a:r>
+            <a:r>
+              <a:rPr lang="en-US" dirty="0" err="1" smtClean="0"/>
+              <a:t>some_company.util</a:t>
+            </a:r>
+            <a:endParaRPr lang="en-US" dirty="0" smtClean="0"/>
+          </a:p>
+          <a:p>
+            <a:r>
+              <a:rPr lang="en-US" dirty="0" smtClean="0"/>
+              <a:t>Right click over Source Packages folder</a:t>
+            </a:r>
+          </a:p>
+          <a:p>
+            <a:pPr lvl="1"/>
+            <a:r>
+              <a:rPr lang="en-US" dirty="0" smtClean="0"/>
+              <a:t>Select New -&gt; other</a:t>
+            </a:r>
+          </a:p>
+          <a:p>
+            <a:pPr lvl="1"/>
+            <a:r>
+              <a:rPr lang="en-US" dirty="0" smtClean="0"/>
+              <a:t>From Categories select Hibernate</a:t>
+            </a:r>
+          </a:p>
+          <a:p>
+            <a:pPr lvl="1"/>
+            <a:r>
+              <a:rPr lang="en-US" dirty="0" smtClean="0"/>
+              <a:t>From File Types select Hibernate Reverse Engineer Wizard</a:t>
+            </a:r>
+          </a:p>
+          <a:p>
+            <a:pPr lvl="1"/>
+            <a:r>
+              <a:rPr lang="en-US" dirty="0" smtClean="0"/>
+              <a:t>Press Next (leave the values as they are)</a:t>
+            </a:r>
+          </a:p>
+          <a:p>
+            <a:pPr lvl="1"/>
+            <a:r>
+              <a:rPr lang="en-US" dirty="0" smtClean="0"/>
+              <a:t>Press Next</a:t>
+            </a:r>
+          </a:p>
+          <a:p>
+            <a:pPr lvl="1"/>
+            <a:r>
+              <a:rPr lang="en-US" dirty="0" smtClean="0"/>
+              <a:t>Press Add all button (this selects all the database tables)</a:t>
+            </a:r>
+          </a:p>
+          <a:p>
+            <a:pPr lvl="1"/>
+            <a:r>
+              <a:rPr lang="en-US" dirty="0" smtClean="0"/>
+              <a:t>Press Finish</a:t>
+            </a:r>
+          </a:p>
+          <a:p>
+            <a:r>
+              <a:rPr lang="en-US" dirty="0" smtClean="0"/>
+              <a:t>This creates a file named hibernate.reveng.xml file into project</a:t>
+            </a:r>
+          </a:p>
+          <a:p>
+            <a:pPr lvl="1"/>
+            <a:endParaRPr lang="en-US" dirty="0"/>
+          </a:p>
+        </p:txBody>
+      </p:sp>
+      <p:sp>
+        <p:nvSpPr>
+          <p:cNvPr id="3" name="Päivämäärän paikkamerkki 2"/>
+          <p:cNvSpPr>
+            <a:spLocks noGrp="1"/>
+          </p:cNvSpPr>
+          <p:nvPr>
+            <p:ph type="dt" sz="half" idx="10"/>
+          </p:nvPr>
+        </p:nvSpPr>
+        <p:spPr/>
+        <p:txBody>
+          <a:bodyPr/>
+          <a:lstStyle/>
+          <a:p>
+            <a:fld id="{786339DA-C46F-4C6F-95A3-9379EAD4B9E9}" type="datetime1">
+              <a:rPr lang="fi-FI" smtClean="0"/>
+              <a:t>16.12.2015</a:t>
+            </a:fld>
+            <a:endParaRPr lang="fi-FI"/>
+          </a:p>
+        </p:txBody>
+      </p:sp>
+      <p:sp>
+        <p:nvSpPr>
+          <p:cNvPr id="4" name="Alatunnisteen paikkamerkki 3"/>
+          <p:cNvSpPr>
+            <a:spLocks noGrp="1"/>
+          </p:cNvSpPr>
+          <p:nvPr>
+            <p:ph type="ftr" sz="quarter" idx="11"/>
+          </p:nvPr>
+        </p:nvSpPr>
+        <p:spPr/>
+        <p:txBody>
+          <a:bodyPr/>
+          <a:lstStyle/>
+          <a:p>
+            <a:endParaRPr lang="fi-FI"/>
+          </a:p>
+        </p:txBody>
+      </p:sp>
+      <p:sp>
+        <p:nvSpPr>
+          <p:cNvPr id="5" name="Otsikko 4"/>
+          <p:cNvSpPr>
+            <a:spLocks noGrp="1"/>
+          </p:cNvSpPr>
+          <p:nvPr>
+            <p:ph type="title"/>
+          </p:nvPr>
+        </p:nvSpPr>
+        <p:spPr/>
+        <p:txBody>
+          <a:bodyPr/>
+          <a:lstStyle/>
+          <a:p>
+            <a:r>
+              <a:rPr lang="en-US" dirty="0"/>
+              <a:t>Spring MVC With </a:t>
+            </a:r>
+            <a:r>
+              <a:rPr lang="en-US" dirty="0" smtClean="0"/>
+              <a:t>Hibernate</a:t>
+            </a:r>
+            <a:endParaRPr lang="en-US" dirty="0"/>
+          </a:p>
+        </p:txBody>
+      </p:sp>
+    </p:spTree>
+    <p:extLst>
+      <p:ext uri="{BB962C8B-B14F-4D97-AF65-F5344CB8AC3E}">
+        <p14:creationId xmlns:p14="http://schemas.microsoft.com/office/powerpoint/2010/main" val="3016774681"/>
+      </p:ext>
+    </p:extLst>
+  </p:cSld>
+  <p:clrMapOvr>
+    <a:masterClrMapping/>
+  </p:clrMapOvr>
+</p:sld>
+</file>
+
+<file path=ppt/slides/slide85.xml><?xml version="1.0" encoding="utf-8"?>
+<p:sld xmlns:a="http://schemas.openxmlformats.org/drawingml/2006/main" xmlns:r="http://schemas.openxmlformats.org/officeDocument/2006/relationships" xmlns:p="http://schemas.openxmlformats.org/presentationml/2006/main">
+  <p:cSld>
+    <p:spTree>
+      <p:nvGrpSpPr>
+        <p:cNvPr id="1" name=""/>
+        <p:cNvGrpSpPr/>
+        <p:nvPr/>
+      </p:nvGrpSpPr>
+      <p:grpSpPr>
+        <a:xfrm>
+          <a:off x="0" y="0"/>
+          <a:ext cx="0" cy="0"/>
+          <a:chOff x="0" y="0"/>
+          <a:chExt cx="0" cy="0"/>
+        </a:xfrm>
+      </p:grpSpPr>
+      <p:sp>
+        <p:nvSpPr>
+          <p:cNvPr id="2" name="Sisällön paikkamerkki 1"/>
+          <p:cNvSpPr>
+            <a:spLocks noGrp="1"/>
+          </p:cNvSpPr>
+          <p:nvPr>
+            <p:ph idx="1"/>
+          </p:nvPr>
+        </p:nvSpPr>
+        <p:spPr/>
+        <p:txBody>
+          <a:bodyPr/>
+          <a:lstStyle/>
+          <a:p>
+            <a:r>
+              <a:rPr lang="en-US" dirty="0" smtClean="0"/>
+              <a:t>Next we create a </a:t>
+            </a:r>
+            <a:r>
+              <a:rPr lang="en-US" dirty="0" err="1" smtClean="0"/>
+              <a:t>Util</a:t>
+            </a:r>
+            <a:r>
+              <a:rPr lang="en-US" dirty="0" smtClean="0"/>
+              <a:t> class for database..</a:t>
+            </a:r>
+          </a:p>
+          <a:p>
+            <a:r>
+              <a:rPr lang="en-US" dirty="0" smtClean="0"/>
+              <a:t>Right click over </a:t>
+            </a:r>
+            <a:r>
+              <a:rPr lang="en-US" dirty="0" err="1" smtClean="0"/>
+              <a:t>com.my_company.util</a:t>
+            </a:r>
+            <a:r>
+              <a:rPr lang="en-US" dirty="0" smtClean="0"/>
+              <a:t> package</a:t>
+            </a:r>
+          </a:p>
+          <a:p>
+            <a:pPr lvl="1"/>
+            <a:r>
+              <a:rPr lang="en-US" dirty="0" smtClean="0"/>
+              <a:t>Select New -&gt; other</a:t>
+            </a:r>
+          </a:p>
+          <a:p>
+            <a:pPr lvl="1"/>
+            <a:r>
+              <a:rPr lang="en-US" dirty="0" smtClean="0"/>
+              <a:t>From categories select Hibernate from File Types select HibernateUtil.java</a:t>
+            </a:r>
+          </a:p>
+          <a:p>
+            <a:pPr lvl="1"/>
+            <a:r>
+              <a:rPr lang="en-US" dirty="0" smtClean="0"/>
+              <a:t>Press Next.</a:t>
+            </a:r>
+          </a:p>
+          <a:p>
+            <a:pPr lvl="1"/>
+            <a:r>
+              <a:rPr lang="en-US" dirty="0" smtClean="0"/>
+              <a:t>Name the class </a:t>
+            </a:r>
+            <a:r>
+              <a:rPr lang="en-US" dirty="0" err="1" smtClean="0"/>
+              <a:t>HibernateUtil</a:t>
+            </a:r>
+            <a:r>
+              <a:rPr lang="en-US" dirty="0" smtClean="0"/>
+              <a:t>. Press Finish.</a:t>
+            </a:r>
+          </a:p>
+          <a:p>
+            <a:r>
+              <a:rPr lang="en-US" dirty="0" smtClean="0"/>
+              <a:t>This creates you a class </a:t>
+            </a:r>
+            <a:r>
+              <a:rPr lang="en-US" i="1" dirty="0" err="1" smtClean="0"/>
+              <a:t>HibernateUtil</a:t>
+            </a:r>
+            <a:r>
+              <a:rPr lang="en-US" dirty="0" smtClean="0"/>
+              <a:t> that contains the session object which is used to communicate to database.</a:t>
+            </a:r>
+            <a:endParaRPr lang="en-US" dirty="0"/>
+          </a:p>
+        </p:txBody>
+      </p:sp>
+      <p:sp>
+        <p:nvSpPr>
+          <p:cNvPr id="3" name="Päivämäärän paikkamerkki 2"/>
+          <p:cNvSpPr>
+            <a:spLocks noGrp="1"/>
+          </p:cNvSpPr>
+          <p:nvPr>
+            <p:ph type="dt" sz="half" idx="10"/>
+          </p:nvPr>
+        </p:nvSpPr>
+        <p:spPr/>
+        <p:txBody>
+          <a:bodyPr/>
+          <a:lstStyle/>
+          <a:p>
+            <a:fld id="{786339DA-C46F-4C6F-95A3-9379EAD4B9E9}" type="datetime1">
+              <a:rPr lang="fi-FI" smtClean="0"/>
+              <a:t>16.12.2015</a:t>
+            </a:fld>
+            <a:endParaRPr lang="fi-FI"/>
+          </a:p>
+        </p:txBody>
+      </p:sp>
+      <p:sp>
+        <p:nvSpPr>
+          <p:cNvPr id="4" name="Alatunnisteen paikkamerkki 3"/>
+          <p:cNvSpPr>
+            <a:spLocks noGrp="1"/>
+          </p:cNvSpPr>
+          <p:nvPr>
+            <p:ph type="ftr" sz="quarter" idx="11"/>
+          </p:nvPr>
+        </p:nvSpPr>
+        <p:spPr/>
+        <p:txBody>
+          <a:bodyPr/>
+          <a:lstStyle/>
+          <a:p>
+            <a:endParaRPr lang="fi-FI"/>
+          </a:p>
+        </p:txBody>
+      </p:sp>
+      <p:sp>
+        <p:nvSpPr>
+          <p:cNvPr id="5" name="Otsikko 4"/>
+          <p:cNvSpPr>
+            <a:spLocks noGrp="1"/>
+          </p:cNvSpPr>
+          <p:nvPr>
+            <p:ph type="title"/>
+          </p:nvPr>
+        </p:nvSpPr>
+        <p:spPr/>
+        <p:txBody>
+          <a:bodyPr/>
+          <a:lstStyle/>
+          <a:p>
+            <a:r>
+              <a:rPr lang="en-US" dirty="0"/>
+              <a:t>Spring MVC With </a:t>
+            </a:r>
+            <a:r>
+              <a:rPr lang="en-US" dirty="0" smtClean="0"/>
+              <a:t>Hibernate</a:t>
+            </a:r>
+            <a:endParaRPr lang="en-US" dirty="0"/>
+          </a:p>
+        </p:txBody>
+      </p:sp>
+    </p:spTree>
+    <p:extLst>
+      <p:ext uri="{BB962C8B-B14F-4D97-AF65-F5344CB8AC3E}">
+        <p14:creationId xmlns:p14="http://schemas.microsoft.com/office/powerpoint/2010/main" val="1751268162"/>
+      </p:ext>
+    </p:extLst>
+  </p:cSld>
+  <p:clrMapOvr>
+    <a:masterClrMapping/>
+  </p:clrMapOvr>
+</p:sld>
+</file>
+
+<file path=ppt/slides/slide86.xml><?xml version="1.0" encoding="utf-8"?>
+<p:sld xmlns:a="http://schemas.openxmlformats.org/drawingml/2006/main" xmlns:r="http://schemas.openxmlformats.org/officeDocument/2006/relationships" xmlns:p="http://schemas.openxmlformats.org/presentationml/2006/main">
+  <p:cSld>
+    <p:spTree>
+      <p:nvGrpSpPr>
+        <p:cNvPr id="1" name=""/>
+        <p:cNvGrpSpPr/>
+        <p:nvPr/>
+      </p:nvGrpSpPr>
+      <p:grpSpPr>
+        <a:xfrm>
+          <a:off x="0" y="0"/>
+          <a:ext cx="0" cy="0"/>
+          <a:chOff x="0" y="0"/>
+          <a:chExt cx="0" cy="0"/>
+        </a:xfrm>
+      </p:grpSpPr>
+      <p:sp>
+        <p:nvSpPr>
+          <p:cNvPr id="2" name="Sisällön paikkamerkki 1"/>
+          <p:cNvSpPr>
+            <a:spLocks noGrp="1"/>
+          </p:cNvSpPr>
+          <p:nvPr>
+            <p:ph idx="1"/>
+          </p:nvPr>
+        </p:nvSpPr>
+        <p:spPr/>
+        <p:txBody>
+          <a:bodyPr/>
+          <a:lstStyle/>
+          <a:p>
+            <a:r>
+              <a:rPr lang="en-US" dirty="0" smtClean="0"/>
+              <a:t>Next we create an object model from our database table. This is done with by completing next steps:</a:t>
+            </a:r>
+          </a:p>
+          <a:p>
+            <a:pPr lvl="1"/>
+            <a:r>
+              <a:rPr lang="en-US" dirty="0" smtClean="0"/>
+              <a:t>Select New -&gt; other</a:t>
+            </a:r>
+          </a:p>
+          <a:p>
+            <a:pPr lvl="1"/>
+            <a:r>
+              <a:rPr lang="en-US" dirty="0" smtClean="0"/>
+              <a:t>From Categories select Hibernate. From File Types select Hibernate Mapping Files and POJO’s from database. Press Next.</a:t>
+            </a:r>
+          </a:p>
+          <a:p>
+            <a:pPr lvl="1"/>
+            <a:r>
+              <a:rPr lang="en-US" dirty="0" smtClean="0"/>
+              <a:t>From next dialog leave the values as they are and press Finish button.</a:t>
+            </a:r>
+          </a:p>
+          <a:p>
+            <a:r>
+              <a:rPr lang="en-US" dirty="0" smtClean="0"/>
+              <a:t>This step creates a Java class model of your database tables.</a:t>
+            </a:r>
+          </a:p>
+          <a:p>
+            <a:pPr lvl="1"/>
+            <a:endParaRPr lang="en-US" dirty="0"/>
+          </a:p>
+        </p:txBody>
+      </p:sp>
+      <p:sp>
+        <p:nvSpPr>
+          <p:cNvPr id="3" name="Päivämäärän paikkamerkki 2"/>
+          <p:cNvSpPr>
+            <a:spLocks noGrp="1"/>
+          </p:cNvSpPr>
+          <p:nvPr>
+            <p:ph type="dt" sz="half" idx="10"/>
+          </p:nvPr>
+        </p:nvSpPr>
+        <p:spPr/>
+        <p:txBody>
+          <a:bodyPr/>
+          <a:lstStyle/>
+          <a:p>
+            <a:fld id="{786339DA-C46F-4C6F-95A3-9379EAD4B9E9}" type="datetime1">
+              <a:rPr lang="fi-FI" smtClean="0"/>
+              <a:t>16.12.2015</a:t>
+            </a:fld>
+            <a:endParaRPr lang="fi-FI"/>
+          </a:p>
+        </p:txBody>
+      </p:sp>
+      <p:sp>
+        <p:nvSpPr>
+          <p:cNvPr id="4" name="Alatunnisteen paikkamerkki 3"/>
+          <p:cNvSpPr>
+            <a:spLocks noGrp="1"/>
+          </p:cNvSpPr>
+          <p:nvPr>
+            <p:ph type="ftr" sz="quarter" idx="11"/>
+          </p:nvPr>
+        </p:nvSpPr>
+        <p:spPr/>
+        <p:txBody>
+          <a:bodyPr/>
+          <a:lstStyle/>
+          <a:p>
+            <a:endParaRPr lang="fi-FI"/>
+          </a:p>
+        </p:txBody>
+      </p:sp>
+      <p:sp>
+        <p:nvSpPr>
+          <p:cNvPr id="5" name="Otsikko 4"/>
+          <p:cNvSpPr>
+            <a:spLocks noGrp="1"/>
+          </p:cNvSpPr>
+          <p:nvPr>
+            <p:ph type="title"/>
+          </p:nvPr>
+        </p:nvSpPr>
+        <p:spPr/>
+        <p:txBody>
+          <a:bodyPr/>
+          <a:lstStyle/>
+          <a:p>
+            <a:r>
+              <a:rPr lang="en-US" dirty="0"/>
+              <a:t>Spring MVC With </a:t>
+            </a:r>
+            <a:r>
+              <a:rPr lang="en-US" dirty="0" smtClean="0"/>
+              <a:t>Hibernate</a:t>
+            </a:r>
+            <a:endParaRPr lang="en-US" dirty="0"/>
+          </a:p>
+        </p:txBody>
+      </p:sp>
+    </p:spTree>
+    <p:extLst>
+      <p:ext uri="{BB962C8B-B14F-4D97-AF65-F5344CB8AC3E}">
+        <p14:creationId xmlns:p14="http://schemas.microsoft.com/office/powerpoint/2010/main" val="2388297966"/>
+      </p:ext>
+    </p:extLst>
+  </p:cSld>
+  <p:clrMapOvr>
+    <a:masterClrMapping/>
+  </p:clrMapOvr>
+</p:sld>
+</file>
+
+<file path=ppt/slides/slide87.xml><?xml version="1.0" encoding="utf-8"?>
+<p:sld xmlns:a="http://schemas.openxmlformats.org/drawingml/2006/main" xmlns:r="http://schemas.openxmlformats.org/officeDocument/2006/relationships" xmlns:p="http://schemas.openxmlformats.org/presentationml/2006/main">
+  <p:cSld>
+    <p:spTree>
+      <p:nvGrpSpPr>
+        <p:cNvPr id="1" name=""/>
+        <p:cNvGrpSpPr/>
+        <p:nvPr/>
+      </p:nvGrpSpPr>
+      <p:grpSpPr>
+        <a:xfrm>
+          <a:off x="0" y="0"/>
+          <a:ext cx="0" cy="0"/>
+          <a:chOff x="0" y="0"/>
+          <a:chExt cx="0" cy="0"/>
+        </a:xfrm>
+      </p:grpSpPr>
+      <p:sp>
+        <p:nvSpPr>
+          <p:cNvPr id="2" name="Sisällön paikkamerkki 1"/>
+          <p:cNvSpPr>
+            <a:spLocks noGrp="1"/>
+          </p:cNvSpPr>
+          <p:nvPr>
+            <p:ph idx="1"/>
+          </p:nvPr>
+        </p:nvSpPr>
+        <p:spPr/>
+        <p:txBody>
+          <a:bodyPr/>
+          <a:lstStyle/>
+          <a:p>
+            <a:r>
+              <a:rPr lang="en-US" dirty="0" smtClean="0"/>
+              <a:t>From generated xxxx.hbm.xml set this:</a:t>
+            </a:r>
+          </a:p>
+          <a:p>
+            <a:pPr marL="0" indent="0">
+              <a:buNone/>
+            </a:pPr>
+            <a:r>
+              <a:rPr lang="en-US" dirty="0"/>
+              <a:t>&lt;hibernate-mapping auto-import="true</a:t>
+            </a:r>
+            <a:r>
+              <a:rPr lang="en-US" dirty="0" smtClean="0"/>
+              <a:t>"&gt;</a:t>
+            </a:r>
+          </a:p>
+          <a:p>
+            <a:r>
+              <a:rPr lang="en-US" dirty="0" smtClean="0"/>
+              <a:t>Xxx is the name of the generated class.</a:t>
+            </a:r>
+            <a:endParaRPr lang="en-US" dirty="0"/>
+          </a:p>
+        </p:txBody>
+      </p:sp>
+      <p:sp>
+        <p:nvSpPr>
+          <p:cNvPr id="3" name="Päivämäärän paikkamerkki 2"/>
+          <p:cNvSpPr>
+            <a:spLocks noGrp="1"/>
+          </p:cNvSpPr>
+          <p:nvPr>
+            <p:ph type="dt" sz="half" idx="10"/>
+          </p:nvPr>
+        </p:nvSpPr>
+        <p:spPr/>
+        <p:txBody>
+          <a:bodyPr/>
+          <a:lstStyle/>
+          <a:p>
+            <a:fld id="{786339DA-C46F-4C6F-95A3-9379EAD4B9E9}" type="datetime1">
+              <a:rPr lang="fi-FI" smtClean="0"/>
+              <a:t>16.12.2015</a:t>
+            </a:fld>
+            <a:endParaRPr lang="fi-FI"/>
+          </a:p>
+        </p:txBody>
+      </p:sp>
+      <p:sp>
+        <p:nvSpPr>
+          <p:cNvPr id="4" name="Alatunnisteen paikkamerkki 3"/>
+          <p:cNvSpPr>
+            <a:spLocks noGrp="1"/>
+          </p:cNvSpPr>
+          <p:nvPr>
+            <p:ph type="ftr" sz="quarter" idx="11"/>
+          </p:nvPr>
+        </p:nvSpPr>
+        <p:spPr/>
+        <p:txBody>
+          <a:bodyPr/>
+          <a:lstStyle/>
+          <a:p>
+            <a:endParaRPr lang="fi-FI"/>
+          </a:p>
+        </p:txBody>
+      </p:sp>
+      <p:sp>
+        <p:nvSpPr>
+          <p:cNvPr id="5" name="Otsikko 4"/>
+          <p:cNvSpPr>
+            <a:spLocks noGrp="1"/>
+          </p:cNvSpPr>
+          <p:nvPr>
+            <p:ph type="title"/>
+          </p:nvPr>
+        </p:nvSpPr>
+        <p:spPr/>
+        <p:txBody>
+          <a:bodyPr/>
+          <a:lstStyle/>
+          <a:p>
+            <a:r>
+              <a:rPr lang="en-US" dirty="0"/>
+              <a:t>Spring MVC With </a:t>
+            </a:r>
+            <a:r>
+              <a:rPr lang="en-US" dirty="0" smtClean="0"/>
+              <a:t>Hibernate</a:t>
+            </a:r>
+            <a:endParaRPr lang="en-US" dirty="0"/>
+          </a:p>
+        </p:txBody>
+      </p:sp>
+    </p:spTree>
+    <p:extLst>
+      <p:ext uri="{BB962C8B-B14F-4D97-AF65-F5344CB8AC3E}">
+        <p14:creationId xmlns:p14="http://schemas.microsoft.com/office/powerpoint/2010/main" val="2902537726"/>
+      </p:ext>
+    </p:extLst>
+  </p:cSld>
+  <p:clrMapOvr>
+    <a:masterClrMapping/>
+  </p:clrMapOvr>
+</p:sld>
+</file>
+
+<file path=ppt/slides/slide88.xml><?xml version="1.0" encoding="utf-8"?>
+<p:sld xmlns:a="http://schemas.openxmlformats.org/drawingml/2006/main" xmlns:r="http://schemas.openxmlformats.org/officeDocument/2006/relationships" xmlns:p="http://schemas.openxmlformats.org/presentationml/2006/main">
+  <p:cSld>
+    <p:spTree>
+      <p:nvGrpSpPr>
+        <p:cNvPr id="1" name=""/>
+        <p:cNvGrpSpPr/>
+        <p:nvPr/>
+      </p:nvGrpSpPr>
+      <p:grpSpPr>
+        <a:xfrm>
+          <a:off x="0" y="0"/>
+          <a:ext cx="0" cy="0"/>
+          <a:chOff x="0" y="0"/>
+          <a:chExt cx="0" cy="0"/>
+        </a:xfrm>
+      </p:grpSpPr>
+      <p:sp>
+        <p:nvSpPr>
+          <p:cNvPr id="2" name="Sisällön paikkamerkki 1"/>
+          <p:cNvSpPr>
+            <a:spLocks noGrp="1"/>
+          </p:cNvSpPr>
+          <p:nvPr>
+            <p:ph idx="1"/>
+          </p:nvPr>
+        </p:nvSpPr>
+        <p:spPr/>
+        <p:txBody>
+          <a:bodyPr/>
+          <a:lstStyle/>
+          <a:p>
+            <a:r>
+              <a:rPr lang="en-US" dirty="0" smtClean="0"/>
+              <a:t>Next we create the data access object</a:t>
+            </a:r>
+          </a:p>
+          <a:p>
+            <a:r>
+              <a:rPr lang="en-US" dirty="0" smtClean="0"/>
+              <a:t>Right click over </a:t>
+            </a:r>
+            <a:r>
+              <a:rPr lang="en-US" dirty="0" err="1" smtClean="0"/>
+              <a:t>com.my_company.dao</a:t>
+            </a:r>
+            <a:r>
+              <a:rPr lang="en-US" dirty="0" smtClean="0"/>
+              <a:t> package.</a:t>
+            </a:r>
+          </a:p>
+          <a:p>
+            <a:pPr lvl="1"/>
+            <a:r>
+              <a:rPr lang="en-US" dirty="0" smtClean="0"/>
+              <a:t>Select New -&gt; Java Class</a:t>
+            </a:r>
+          </a:p>
+          <a:p>
+            <a:pPr lvl="1"/>
+            <a:r>
+              <a:rPr lang="en-US" dirty="0" smtClean="0"/>
+              <a:t>Name the class as </a:t>
+            </a:r>
+            <a:r>
+              <a:rPr lang="en-US" dirty="0" err="1" smtClean="0"/>
+              <a:t>xxxDao</a:t>
+            </a:r>
+            <a:r>
+              <a:rPr lang="en-US" dirty="0" smtClean="0"/>
+              <a:t> where xxx is the name of the model you previously created i.e. if you created a model Student from database table student the name this class as </a:t>
+            </a:r>
+            <a:r>
+              <a:rPr lang="en-US" dirty="0" err="1" smtClean="0"/>
+              <a:t>StudentDAO</a:t>
+            </a:r>
+            <a:r>
+              <a:rPr lang="en-US" dirty="0" smtClean="0"/>
+              <a:t>.</a:t>
+            </a:r>
+          </a:p>
+          <a:p>
+            <a:pPr lvl="1"/>
+            <a:r>
+              <a:rPr lang="en-US" dirty="0" smtClean="0"/>
+              <a:t>Make next implementation for this class….</a:t>
+            </a:r>
+            <a:endParaRPr lang="en-US" dirty="0"/>
+          </a:p>
+        </p:txBody>
+      </p:sp>
+      <p:sp>
+        <p:nvSpPr>
+          <p:cNvPr id="3" name="Päivämäärän paikkamerkki 2"/>
+          <p:cNvSpPr>
+            <a:spLocks noGrp="1"/>
+          </p:cNvSpPr>
+          <p:nvPr>
+            <p:ph type="dt" sz="half" idx="10"/>
+          </p:nvPr>
+        </p:nvSpPr>
+        <p:spPr/>
+        <p:txBody>
+          <a:bodyPr/>
+          <a:lstStyle/>
+          <a:p>
+            <a:fld id="{786339DA-C46F-4C6F-95A3-9379EAD4B9E9}" type="datetime1">
+              <a:rPr lang="fi-FI" smtClean="0"/>
+              <a:t>16.12.2015</a:t>
+            </a:fld>
+            <a:endParaRPr lang="fi-FI"/>
+          </a:p>
+        </p:txBody>
+      </p:sp>
+      <p:sp>
+        <p:nvSpPr>
+          <p:cNvPr id="4" name="Alatunnisteen paikkamerkki 3"/>
+          <p:cNvSpPr>
+            <a:spLocks noGrp="1"/>
+          </p:cNvSpPr>
+          <p:nvPr>
+            <p:ph type="ftr" sz="quarter" idx="11"/>
+          </p:nvPr>
+        </p:nvSpPr>
+        <p:spPr/>
+        <p:txBody>
+          <a:bodyPr/>
+          <a:lstStyle/>
+          <a:p>
+            <a:endParaRPr lang="fi-FI"/>
+          </a:p>
+        </p:txBody>
+      </p:sp>
+      <p:sp>
+        <p:nvSpPr>
+          <p:cNvPr id="5" name="Otsikko 4"/>
+          <p:cNvSpPr>
+            <a:spLocks noGrp="1"/>
+          </p:cNvSpPr>
+          <p:nvPr>
+            <p:ph type="title"/>
+          </p:nvPr>
+        </p:nvSpPr>
+        <p:spPr/>
+        <p:txBody>
+          <a:bodyPr/>
+          <a:lstStyle/>
+          <a:p>
+            <a:r>
+              <a:rPr lang="en-US" dirty="0"/>
+              <a:t>Spring MVC With </a:t>
+            </a:r>
+            <a:r>
+              <a:rPr lang="en-US" dirty="0" smtClean="0"/>
+              <a:t>Hibernate</a:t>
+            </a:r>
+            <a:endParaRPr lang="en-US" dirty="0"/>
+          </a:p>
+        </p:txBody>
+      </p:sp>
+    </p:spTree>
+    <p:extLst>
+      <p:ext uri="{BB962C8B-B14F-4D97-AF65-F5344CB8AC3E}">
+        <p14:creationId xmlns:p14="http://schemas.microsoft.com/office/powerpoint/2010/main" val="1897041185"/>
+      </p:ext>
+    </p:extLst>
+  </p:cSld>
+  <p:clrMapOvr>
+    <a:masterClrMapping/>
+  </p:clrMapOvr>
+</p:sld>
+</file>
+
+<file path=ppt/slides/slide89.xml><?xml version="1.0" encoding="utf-8"?>
+<p:sld xmlns:a="http://schemas.openxmlformats.org/drawingml/2006/main" xmlns:r="http://schemas.openxmlformats.org/officeDocument/2006/relationships" xmlns:p="http://schemas.openxmlformats.org/presentationml/2006/main">
+  <p:cSld>
+    <p:spTree>
+      <p:nvGrpSpPr>
+        <p:cNvPr id="1" name=""/>
+        <p:cNvGrpSpPr/>
+        <p:nvPr/>
+      </p:nvGrpSpPr>
+      <p:grpSpPr>
+        <a:xfrm>
+          <a:off x="0" y="0"/>
+          <a:ext cx="0" cy="0"/>
+          <a:chOff x="0" y="0"/>
+          <a:chExt cx="0" cy="0"/>
+        </a:xfrm>
+      </p:grpSpPr>
+      <p:sp>
+        <p:nvSpPr>
+          <p:cNvPr id="3" name="Päivämäärän paikkamerkki 2"/>
+          <p:cNvSpPr>
+            <a:spLocks noGrp="1"/>
+          </p:cNvSpPr>
+          <p:nvPr>
+            <p:ph type="dt" sz="half" idx="10"/>
+          </p:nvPr>
+        </p:nvSpPr>
+        <p:spPr/>
+        <p:txBody>
+          <a:bodyPr/>
+          <a:lstStyle/>
+          <a:p>
+            <a:fld id="{786339DA-C46F-4C6F-95A3-9379EAD4B9E9}" type="datetime1">
+              <a:rPr lang="fi-FI" smtClean="0"/>
+              <a:t>16.12.2015</a:t>
+            </a:fld>
+            <a:endParaRPr lang="fi-FI"/>
+          </a:p>
+        </p:txBody>
+      </p:sp>
+      <p:sp>
+        <p:nvSpPr>
+          <p:cNvPr id="4" name="Alatunnisteen paikkamerkki 3"/>
+          <p:cNvSpPr>
+            <a:spLocks noGrp="1"/>
+          </p:cNvSpPr>
+          <p:nvPr>
+            <p:ph type="ftr" sz="quarter" idx="11"/>
+          </p:nvPr>
+        </p:nvSpPr>
+        <p:spPr/>
+        <p:txBody>
+          <a:bodyPr/>
+          <a:lstStyle/>
+          <a:p>
+            <a:endParaRPr lang="fi-FI"/>
+          </a:p>
+        </p:txBody>
+      </p:sp>
+      <p:sp>
+        <p:nvSpPr>
+          <p:cNvPr id="5" name="Otsikko 4"/>
+          <p:cNvSpPr>
+            <a:spLocks noGrp="1"/>
+          </p:cNvSpPr>
+          <p:nvPr>
+            <p:ph type="title"/>
+          </p:nvPr>
+        </p:nvSpPr>
+        <p:spPr/>
+        <p:txBody>
+          <a:bodyPr/>
+          <a:lstStyle/>
+          <a:p>
+            <a:r>
+              <a:rPr lang="en-US" dirty="0"/>
+              <a:t>Spring MVC With </a:t>
+            </a:r>
+            <a:r>
+              <a:rPr lang="en-US" dirty="0" smtClean="0"/>
+              <a:t>Hibernate</a:t>
+            </a:r>
+            <a:endParaRPr lang="en-US" dirty="0"/>
+          </a:p>
+        </p:txBody>
+      </p:sp>
+      <p:pic>
+        <p:nvPicPr>
+          <p:cNvPr id="6" name="Kuva 5"/>
+          <p:cNvPicPr>
+            <a:picLocks noChangeAspect="1"/>
+          </p:cNvPicPr>
+          <p:nvPr/>
+        </p:nvPicPr>
+        <p:blipFill>
+          <a:blip r:embed="rId2"/>
+          <a:stretch>
+            <a:fillRect/>
+          </a:stretch>
+        </p:blipFill>
+        <p:spPr>
+          <a:xfrm>
+            <a:off x="1571625" y="2492896"/>
+            <a:ext cx="6000750" cy="3562350"/>
+          </a:xfrm>
+          <a:prstGeom prst="rect">
+            <a:avLst/>
+          </a:prstGeom>
+        </p:spPr>
+      </p:pic>
+    </p:spTree>
+    <p:extLst>
+      <p:ext uri="{BB962C8B-B14F-4D97-AF65-F5344CB8AC3E}">
+        <p14:creationId xmlns:p14="http://schemas.microsoft.com/office/powerpoint/2010/main" val="3654894510"/>
+      </p:ext>
+    </p:extLst>
+  </p:cSld>
+  <p:clrMapOvr>
+    <a:masterClrMapping/>
+  </p:clrMapOvr>
+</p:sld>
+</file>
+
 <file path=ppt/slides/slide9.xml><?xml version="1.0" encoding="utf-8"?>
 <p:sld xmlns:a="http://schemas.openxmlformats.org/drawingml/2006/main" xmlns:r="http://schemas.openxmlformats.org/officeDocument/2006/relationships" xmlns:p="http://schemas.openxmlformats.org/presentationml/2006/main">
   <p:cSld>
@@ -32720,6 +36493,2131 @@
     <p:extLst>
       <p:ext uri="{BB962C8B-B14F-4D97-AF65-F5344CB8AC3E}">
         <p14:creationId xmlns:p14="http://schemas.microsoft.com/office/powerpoint/2010/main" val="2382080578"/>
+      </p:ext>
+    </p:extLst>
+  </p:cSld>
+  <p:clrMapOvr>
+    <a:masterClrMapping/>
+  </p:clrMapOvr>
+</p:sld>
+</file>
+
+<file path=ppt/slides/slide90.xml><?xml version="1.0" encoding="utf-8"?>
+<p:sld xmlns:a="http://schemas.openxmlformats.org/drawingml/2006/main" xmlns:r="http://schemas.openxmlformats.org/officeDocument/2006/relationships" xmlns:p="http://schemas.openxmlformats.org/presentationml/2006/main">
+  <p:cSld>
+    <p:spTree>
+      <p:nvGrpSpPr>
+        <p:cNvPr id="1" name=""/>
+        <p:cNvGrpSpPr/>
+        <p:nvPr/>
+      </p:nvGrpSpPr>
+      <p:grpSpPr>
+        <a:xfrm>
+          <a:off x="0" y="0"/>
+          <a:ext cx="0" cy="0"/>
+          <a:chOff x="0" y="0"/>
+          <a:chExt cx="0" cy="0"/>
+        </a:xfrm>
+      </p:grpSpPr>
+      <p:sp>
+        <p:nvSpPr>
+          <p:cNvPr id="2" name="Sisällön paikkamerkki 1"/>
+          <p:cNvSpPr>
+            <a:spLocks noGrp="1"/>
+          </p:cNvSpPr>
+          <p:nvPr>
+            <p:ph idx="1"/>
+          </p:nvPr>
+        </p:nvSpPr>
+        <p:spPr/>
+        <p:txBody>
+          <a:bodyPr/>
+          <a:lstStyle/>
+          <a:p>
+            <a:r>
+              <a:rPr lang="en-US" dirty="0"/>
+              <a:t>Next we create a controller and one router which will use the </a:t>
+            </a:r>
+            <a:r>
+              <a:rPr lang="en-US" dirty="0" smtClean="0"/>
+              <a:t>previously created DAO to get all the data from database and pass it to view, which generates an .</a:t>
+            </a:r>
+            <a:r>
+              <a:rPr lang="en-US" dirty="0" err="1" smtClean="0"/>
+              <a:t>htm</a:t>
+            </a:r>
+            <a:r>
+              <a:rPr lang="en-US" dirty="0" smtClean="0"/>
+              <a:t> page from it.</a:t>
+            </a:r>
+          </a:p>
+          <a:p>
+            <a:r>
+              <a:rPr lang="en-US" dirty="0" smtClean="0"/>
+              <a:t>Right click </a:t>
+            </a:r>
+            <a:r>
+              <a:rPr lang="en-US" dirty="0" err="1" smtClean="0"/>
+              <a:t>com.my_company.controller</a:t>
+            </a:r>
+            <a:r>
+              <a:rPr lang="en-US" dirty="0" smtClean="0"/>
+              <a:t> and Select New -&gt; Java Class</a:t>
+            </a:r>
+          </a:p>
+          <a:p>
+            <a:r>
+              <a:rPr lang="en-US" dirty="0" smtClean="0"/>
+              <a:t>Name the class as </a:t>
+            </a:r>
+            <a:r>
+              <a:rPr lang="en-US" dirty="0" err="1" smtClean="0"/>
+              <a:t>xxxController</a:t>
+            </a:r>
+            <a:r>
+              <a:rPr lang="en-US" dirty="0" smtClean="0"/>
+              <a:t> where xxx represents the model name which this controller talks. In our case it is named as </a:t>
+            </a:r>
+            <a:r>
+              <a:rPr lang="en-US" dirty="0" err="1" smtClean="0"/>
+              <a:t>StudentController</a:t>
+            </a:r>
+            <a:r>
+              <a:rPr lang="en-US" dirty="0" smtClean="0"/>
+              <a:t> since this controller gives the user to access student table in our application. </a:t>
+            </a:r>
+            <a:endParaRPr lang="en-US" dirty="0"/>
+          </a:p>
+          <a:p>
+            <a:endParaRPr lang="en-US" dirty="0"/>
+          </a:p>
+        </p:txBody>
+      </p:sp>
+      <p:sp>
+        <p:nvSpPr>
+          <p:cNvPr id="3" name="Päivämäärän paikkamerkki 2"/>
+          <p:cNvSpPr>
+            <a:spLocks noGrp="1"/>
+          </p:cNvSpPr>
+          <p:nvPr>
+            <p:ph type="dt" sz="half" idx="10"/>
+          </p:nvPr>
+        </p:nvSpPr>
+        <p:spPr/>
+        <p:txBody>
+          <a:bodyPr/>
+          <a:lstStyle/>
+          <a:p>
+            <a:fld id="{786339DA-C46F-4C6F-95A3-9379EAD4B9E9}" type="datetime1">
+              <a:rPr lang="fi-FI" smtClean="0"/>
+              <a:t>16.12.2015</a:t>
+            </a:fld>
+            <a:endParaRPr lang="fi-FI"/>
+          </a:p>
+        </p:txBody>
+      </p:sp>
+      <p:sp>
+        <p:nvSpPr>
+          <p:cNvPr id="4" name="Alatunnisteen paikkamerkki 3"/>
+          <p:cNvSpPr>
+            <a:spLocks noGrp="1"/>
+          </p:cNvSpPr>
+          <p:nvPr>
+            <p:ph type="ftr" sz="quarter" idx="11"/>
+          </p:nvPr>
+        </p:nvSpPr>
+        <p:spPr/>
+        <p:txBody>
+          <a:bodyPr/>
+          <a:lstStyle/>
+          <a:p>
+            <a:endParaRPr lang="fi-FI"/>
+          </a:p>
+        </p:txBody>
+      </p:sp>
+      <p:sp>
+        <p:nvSpPr>
+          <p:cNvPr id="5" name="Otsikko 4"/>
+          <p:cNvSpPr>
+            <a:spLocks noGrp="1"/>
+          </p:cNvSpPr>
+          <p:nvPr>
+            <p:ph type="title"/>
+          </p:nvPr>
+        </p:nvSpPr>
+        <p:spPr/>
+        <p:txBody>
+          <a:bodyPr/>
+          <a:lstStyle/>
+          <a:p>
+            <a:r>
+              <a:rPr lang="en-US" dirty="0"/>
+              <a:t>Spring MVC With </a:t>
+            </a:r>
+            <a:r>
+              <a:rPr lang="en-US" dirty="0" smtClean="0"/>
+              <a:t>Hibernate</a:t>
+            </a:r>
+            <a:endParaRPr lang="en-US" dirty="0"/>
+          </a:p>
+        </p:txBody>
+      </p:sp>
+    </p:spTree>
+    <p:extLst>
+      <p:ext uri="{BB962C8B-B14F-4D97-AF65-F5344CB8AC3E}">
+        <p14:creationId xmlns:p14="http://schemas.microsoft.com/office/powerpoint/2010/main" val="2275539307"/>
+      </p:ext>
+    </p:extLst>
+  </p:cSld>
+  <p:clrMapOvr>
+    <a:masterClrMapping/>
+  </p:clrMapOvr>
+</p:sld>
+</file>
+
+<file path=ppt/slides/slide91.xml><?xml version="1.0" encoding="utf-8"?>
+<p:sld xmlns:a="http://schemas.openxmlformats.org/drawingml/2006/main" xmlns:r="http://schemas.openxmlformats.org/officeDocument/2006/relationships" xmlns:p="http://schemas.openxmlformats.org/presentationml/2006/main">
+  <p:cSld>
+    <p:spTree>
+      <p:nvGrpSpPr>
+        <p:cNvPr id="1" name=""/>
+        <p:cNvGrpSpPr/>
+        <p:nvPr/>
+      </p:nvGrpSpPr>
+      <p:grpSpPr>
+        <a:xfrm>
+          <a:off x="0" y="0"/>
+          <a:ext cx="0" cy="0"/>
+          <a:chOff x="0" y="0"/>
+          <a:chExt cx="0" cy="0"/>
+        </a:xfrm>
+      </p:grpSpPr>
+      <p:sp>
+        <p:nvSpPr>
+          <p:cNvPr id="3" name="Päivämäärän paikkamerkki 2"/>
+          <p:cNvSpPr>
+            <a:spLocks noGrp="1"/>
+          </p:cNvSpPr>
+          <p:nvPr>
+            <p:ph type="dt" sz="half" idx="10"/>
+          </p:nvPr>
+        </p:nvSpPr>
+        <p:spPr/>
+        <p:txBody>
+          <a:bodyPr/>
+          <a:lstStyle/>
+          <a:p>
+            <a:fld id="{786339DA-C46F-4C6F-95A3-9379EAD4B9E9}" type="datetime1">
+              <a:rPr lang="fi-FI" smtClean="0"/>
+              <a:t>16.12.2015</a:t>
+            </a:fld>
+            <a:endParaRPr lang="fi-FI"/>
+          </a:p>
+        </p:txBody>
+      </p:sp>
+      <p:sp>
+        <p:nvSpPr>
+          <p:cNvPr id="4" name="Alatunnisteen paikkamerkki 3"/>
+          <p:cNvSpPr>
+            <a:spLocks noGrp="1"/>
+          </p:cNvSpPr>
+          <p:nvPr>
+            <p:ph type="ftr" sz="quarter" idx="11"/>
+          </p:nvPr>
+        </p:nvSpPr>
+        <p:spPr/>
+        <p:txBody>
+          <a:bodyPr/>
+          <a:lstStyle/>
+          <a:p>
+            <a:endParaRPr lang="fi-FI"/>
+          </a:p>
+        </p:txBody>
+      </p:sp>
+      <p:sp>
+        <p:nvSpPr>
+          <p:cNvPr id="5" name="Otsikko 4"/>
+          <p:cNvSpPr>
+            <a:spLocks noGrp="1"/>
+          </p:cNvSpPr>
+          <p:nvPr>
+            <p:ph type="title"/>
+          </p:nvPr>
+        </p:nvSpPr>
+        <p:spPr/>
+        <p:txBody>
+          <a:bodyPr/>
+          <a:lstStyle/>
+          <a:p>
+            <a:r>
+              <a:rPr lang="en-US" dirty="0"/>
+              <a:t>Spring MVC With </a:t>
+            </a:r>
+            <a:r>
+              <a:rPr lang="en-US" dirty="0" smtClean="0"/>
+              <a:t>Hibernate</a:t>
+            </a:r>
+            <a:endParaRPr lang="en-US" dirty="0"/>
+          </a:p>
+        </p:txBody>
+      </p:sp>
+      <p:pic>
+        <p:nvPicPr>
+          <p:cNvPr id="7" name="Kuva 6"/>
+          <p:cNvPicPr>
+            <a:picLocks noChangeAspect="1"/>
+          </p:cNvPicPr>
+          <p:nvPr/>
+        </p:nvPicPr>
+        <p:blipFill>
+          <a:blip r:embed="rId2"/>
+          <a:stretch>
+            <a:fillRect/>
+          </a:stretch>
+        </p:blipFill>
+        <p:spPr>
+          <a:xfrm>
+            <a:off x="2109461" y="2708920"/>
+            <a:ext cx="4629150" cy="2943225"/>
+          </a:xfrm>
+          <a:prstGeom prst="rect">
+            <a:avLst/>
+          </a:prstGeom>
+        </p:spPr>
+      </p:pic>
+    </p:spTree>
+    <p:extLst>
+      <p:ext uri="{BB962C8B-B14F-4D97-AF65-F5344CB8AC3E}">
+        <p14:creationId xmlns:p14="http://schemas.microsoft.com/office/powerpoint/2010/main" val="4192776423"/>
+      </p:ext>
+    </p:extLst>
+  </p:cSld>
+  <p:clrMapOvr>
+    <a:masterClrMapping/>
+  </p:clrMapOvr>
+</p:sld>
+</file>
+
+<file path=ppt/slides/slide92.xml><?xml version="1.0" encoding="utf-8"?>
+<p:sld xmlns:a="http://schemas.openxmlformats.org/drawingml/2006/main" xmlns:r="http://schemas.openxmlformats.org/officeDocument/2006/relationships" xmlns:p="http://schemas.openxmlformats.org/presentationml/2006/main">
+  <p:cSld>
+    <p:spTree>
+      <p:nvGrpSpPr>
+        <p:cNvPr id="1" name=""/>
+        <p:cNvGrpSpPr/>
+        <p:nvPr/>
+      </p:nvGrpSpPr>
+      <p:grpSpPr>
+        <a:xfrm>
+          <a:off x="0" y="0"/>
+          <a:ext cx="0" cy="0"/>
+          <a:chOff x="0" y="0"/>
+          <a:chExt cx="0" cy="0"/>
+        </a:xfrm>
+      </p:grpSpPr>
+      <p:sp>
+        <p:nvSpPr>
+          <p:cNvPr id="2" name="Sisällön paikkamerkki 1"/>
+          <p:cNvSpPr>
+            <a:spLocks noGrp="1"/>
+          </p:cNvSpPr>
+          <p:nvPr>
+            <p:ph idx="1"/>
+          </p:nvPr>
+        </p:nvSpPr>
+        <p:spPr/>
+        <p:txBody>
+          <a:bodyPr/>
+          <a:lstStyle/>
+          <a:p>
+            <a:r>
+              <a:rPr lang="en-US" dirty="0" smtClean="0"/>
+              <a:t>Last thing is consume the data in view as is done in </a:t>
+            </a:r>
+            <a:r>
+              <a:rPr lang="en-US" dirty="0" err="1" smtClean="0"/>
+              <a:t>index.jsp</a:t>
+            </a:r>
+            <a:r>
+              <a:rPr lang="en-US" dirty="0" smtClean="0"/>
+              <a:t> file</a:t>
+            </a:r>
+            <a:endParaRPr lang="en-US" dirty="0"/>
+          </a:p>
+        </p:txBody>
+      </p:sp>
+      <p:sp>
+        <p:nvSpPr>
+          <p:cNvPr id="3" name="Päivämäärän paikkamerkki 2"/>
+          <p:cNvSpPr>
+            <a:spLocks noGrp="1"/>
+          </p:cNvSpPr>
+          <p:nvPr>
+            <p:ph type="dt" sz="half" idx="10"/>
+          </p:nvPr>
+        </p:nvSpPr>
+        <p:spPr/>
+        <p:txBody>
+          <a:bodyPr/>
+          <a:lstStyle/>
+          <a:p>
+            <a:fld id="{786339DA-C46F-4C6F-95A3-9379EAD4B9E9}" type="datetime1">
+              <a:rPr lang="fi-FI" smtClean="0"/>
+              <a:t>16.12.2015</a:t>
+            </a:fld>
+            <a:endParaRPr lang="fi-FI"/>
+          </a:p>
+        </p:txBody>
+      </p:sp>
+      <p:sp>
+        <p:nvSpPr>
+          <p:cNvPr id="4" name="Alatunnisteen paikkamerkki 3"/>
+          <p:cNvSpPr>
+            <a:spLocks noGrp="1"/>
+          </p:cNvSpPr>
+          <p:nvPr>
+            <p:ph type="ftr" sz="quarter" idx="11"/>
+          </p:nvPr>
+        </p:nvSpPr>
+        <p:spPr/>
+        <p:txBody>
+          <a:bodyPr/>
+          <a:lstStyle/>
+          <a:p>
+            <a:endParaRPr lang="fi-FI"/>
+          </a:p>
+        </p:txBody>
+      </p:sp>
+      <p:sp>
+        <p:nvSpPr>
+          <p:cNvPr id="5" name="Otsikko 4"/>
+          <p:cNvSpPr>
+            <a:spLocks noGrp="1"/>
+          </p:cNvSpPr>
+          <p:nvPr>
+            <p:ph type="title"/>
+          </p:nvPr>
+        </p:nvSpPr>
+        <p:spPr/>
+        <p:txBody>
+          <a:bodyPr/>
+          <a:lstStyle/>
+          <a:p>
+            <a:r>
+              <a:rPr lang="en-US" dirty="0"/>
+              <a:t>Spring MVC With </a:t>
+            </a:r>
+            <a:r>
+              <a:rPr lang="en-US" dirty="0" smtClean="0"/>
+              <a:t>Hibernate</a:t>
+            </a:r>
+            <a:endParaRPr lang="en-US" dirty="0"/>
+          </a:p>
+        </p:txBody>
+      </p:sp>
+      <p:pic>
+        <p:nvPicPr>
+          <p:cNvPr id="6" name="Kuva 5"/>
+          <p:cNvPicPr>
+            <a:picLocks noChangeAspect="1"/>
+          </p:cNvPicPr>
+          <p:nvPr/>
+        </p:nvPicPr>
+        <p:blipFill>
+          <a:blip r:embed="rId2"/>
+          <a:stretch>
+            <a:fillRect/>
+          </a:stretch>
+        </p:blipFill>
+        <p:spPr>
+          <a:xfrm>
+            <a:off x="2267744" y="3140968"/>
+            <a:ext cx="3857625" cy="2828925"/>
+          </a:xfrm>
+          <a:prstGeom prst="rect">
+            <a:avLst/>
+          </a:prstGeom>
+        </p:spPr>
+      </p:pic>
+    </p:spTree>
+    <p:extLst>
+      <p:ext uri="{BB962C8B-B14F-4D97-AF65-F5344CB8AC3E}">
+        <p14:creationId xmlns:p14="http://schemas.microsoft.com/office/powerpoint/2010/main" val="1688352076"/>
+      </p:ext>
+    </p:extLst>
+  </p:cSld>
+  <p:clrMapOvr>
+    <a:masterClrMapping/>
+  </p:clrMapOvr>
+</p:sld>
+</file>
+
+<file path=ppt/slides/slide93.xml><?xml version="1.0" encoding="utf-8"?>
+<p:sld xmlns:a="http://schemas.openxmlformats.org/drawingml/2006/main" xmlns:r="http://schemas.openxmlformats.org/officeDocument/2006/relationships" xmlns:p="http://schemas.openxmlformats.org/presentationml/2006/main">
+  <p:cSld>
+    <p:spTree>
+      <p:nvGrpSpPr>
+        <p:cNvPr id="1" name=""/>
+        <p:cNvGrpSpPr/>
+        <p:nvPr/>
+      </p:nvGrpSpPr>
+      <p:grpSpPr>
+        <a:xfrm>
+          <a:off x="0" y="0"/>
+          <a:ext cx="0" cy="0"/>
+          <a:chOff x="0" y="0"/>
+          <a:chExt cx="0" cy="0"/>
+        </a:xfrm>
+      </p:grpSpPr>
+      <p:sp>
+        <p:nvSpPr>
+          <p:cNvPr id="2" name="Sisällön paikkamerkki 1"/>
+          <p:cNvSpPr>
+            <a:spLocks noGrp="1"/>
+          </p:cNvSpPr>
+          <p:nvPr>
+            <p:ph idx="1"/>
+          </p:nvPr>
+        </p:nvSpPr>
+        <p:spPr/>
+        <p:txBody>
+          <a:bodyPr/>
+          <a:lstStyle/>
+          <a:p>
+            <a:r>
+              <a:rPr lang="en-US" dirty="0" smtClean="0"/>
+              <a:t>Spring-boot </a:t>
+            </a:r>
+            <a:r>
+              <a:rPr lang="en-US" dirty="0"/>
+              <a:t>provides a quick way to create a Spring based application. </a:t>
+            </a:r>
+            <a:endParaRPr lang="en-US" dirty="0" smtClean="0"/>
+          </a:p>
+          <a:p>
+            <a:pPr lvl="1"/>
+            <a:r>
+              <a:rPr lang="en-US" dirty="0"/>
+              <a:t>Simpler Dependency management using spring-boot starter projects</a:t>
+            </a:r>
+            <a:r>
+              <a:rPr lang="en-US" b="1" dirty="0" smtClean="0"/>
+              <a:t>.</a:t>
+            </a:r>
+          </a:p>
+          <a:p>
+            <a:r>
+              <a:rPr lang="en-US" dirty="0"/>
+              <a:t>The framework takes an opinionated approach to configuration</a:t>
+            </a:r>
+            <a:r>
+              <a:rPr lang="en-US" i="1" dirty="0"/>
+              <a:t>, freeing developers from the need to define boilerplate configuration</a:t>
+            </a:r>
+            <a:r>
+              <a:rPr lang="en-US" dirty="0" smtClean="0"/>
+              <a:t>.</a:t>
+            </a:r>
+          </a:p>
+          <a:p>
+            <a:r>
+              <a:rPr lang="en-US" dirty="0" smtClean="0"/>
+              <a:t>Makes it easy to define a REST based API with Spring.</a:t>
+            </a:r>
+          </a:p>
+          <a:p>
+            <a:r>
+              <a:rPr lang="en-US" dirty="0" smtClean="0"/>
+              <a:t>Makes it easy to change/test different templating engines out there.</a:t>
+            </a:r>
+            <a:endParaRPr lang="en-US" dirty="0"/>
+          </a:p>
+          <a:p>
+            <a:pPr lvl="1"/>
+            <a:endParaRPr lang="en-US" dirty="0"/>
+          </a:p>
+        </p:txBody>
+      </p:sp>
+      <p:sp>
+        <p:nvSpPr>
+          <p:cNvPr id="3" name="Päivämäärän paikkamerkki 2"/>
+          <p:cNvSpPr>
+            <a:spLocks noGrp="1"/>
+          </p:cNvSpPr>
+          <p:nvPr>
+            <p:ph type="dt" sz="half" idx="10"/>
+          </p:nvPr>
+        </p:nvSpPr>
+        <p:spPr/>
+        <p:txBody>
+          <a:bodyPr/>
+          <a:lstStyle/>
+          <a:p>
+            <a:fld id="{786339DA-C46F-4C6F-95A3-9379EAD4B9E9}" type="datetime1">
+              <a:rPr lang="fi-FI" smtClean="0"/>
+              <a:t>16.12.2015</a:t>
+            </a:fld>
+            <a:endParaRPr lang="fi-FI"/>
+          </a:p>
+        </p:txBody>
+      </p:sp>
+      <p:sp>
+        <p:nvSpPr>
+          <p:cNvPr id="4" name="Alatunnisteen paikkamerkki 3"/>
+          <p:cNvSpPr>
+            <a:spLocks noGrp="1"/>
+          </p:cNvSpPr>
+          <p:nvPr>
+            <p:ph type="ftr" sz="quarter" idx="11"/>
+          </p:nvPr>
+        </p:nvSpPr>
+        <p:spPr/>
+        <p:txBody>
+          <a:bodyPr/>
+          <a:lstStyle/>
+          <a:p>
+            <a:endParaRPr lang="fi-FI"/>
+          </a:p>
+        </p:txBody>
+      </p:sp>
+      <p:sp>
+        <p:nvSpPr>
+          <p:cNvPr id="5" name="Otsikko 4"/>
+          <p:cNvSpPr>
+            <a:spLocks noGrp="1"/>
+          </p:cNvSpPr>
+          <p:nvPr>
+            <p:ph type="title"/>
+          </p:nvPr>
+        </p:nvSpPr>
+        <p:spPr/>
+        <p:txBody>
+          <a:bodyPr/>
+          <a:lstStyle/>
+          <a:p>
+            <a:r>
+              <a:rPr lang="en-US" dirty="0" smtClean="0"/>
+              <a:t>Spring Boot</a:t>
+            </a:r>
+            <a:endParaRPr lang="en-US" dirty="0"/>
+          </a:p>
+        </p:txBody>
+      </p:sp>
+    </p:spTree>
+    <p:extLst>
+      <p:ext uri="{BB962C8B-B14F-4D97-AF65-F5344CB8AC3E}">
+        <p14:creationId xmlns:p14="http://schemas.microsoft.com/office/powerpoint/2010/main" val="2744104981"/>
+      </p:ext>
+    </p:extLst>
+  </p:cSld>
+  <p:clrMapOvr>
+    <a:masterClrMapping/>
+  </p:clrMapOvr>
+</p:sld>
+</file>
+
+<file path=ppt/slides/slide94.xml><?xml version="1.0" encoding="utf-8"?>
+<p:sld xmlns:a="http://schemas.openxmlformats.org/drawingml/2006/main" xmlns:r="http://schemas.openxmlformats.org/officeDocument/2006/relationships" xmlns:p="http://schemas.openxmlformats.org/presentationml/2006/main">
+  <p:cSld>
+    <p:spTree>
+      <p:nvGrpSpPr>
+        <p:cNvPr id="1" name=""/>
+        <p:cNvGrpSpPr/>
+        <p:nvPr/>
+      </p:nvGrpSpPr>
+      <p:grpSpPr>
+        <a:xfrm>
+          <a:off x="0" y="0"/>
+          <a:ext cx="0" cy="0"/>
+          <a:chOff x="0" y="0"/>
+          <a:chExt cx="0" cy="0"/>
+        </a:xfrm>
+      </p:grpSpPr>
+      <p:sp>
+        <p:nvSpPr>
+          <p:cNvPr id="2" name="Sisällön paikkamerkki 1"/>
+          <p:cNvSpPr>
+            <a:spLocks noGrp="1"/>
+          </p:cNvSpPr>
+          <p:nvPr>
+            <p:ph idx="1"/>
+          </p:nvPr>
+        </p:nvSpPr>
+        <p:spPr/>
+        <p:txBody>
+          <a:bodyPr/>
+          <a:lstStyle/>
+          <a:p>
+            <a:r>
+              <a:rPr lang="en-US" dirty="0" smtClean="0"/>
+              <a:t>You need next dependencies (see next slide and copy paste) for the boot template:</a:t>
+            </a:r>
+          </a:p>
+          <a:p>
+            <a:endParaRPr lang="en-US" dirty="0"/>
+          </a:p>
+        </p:txBody>
+      </p:sp>
+      <p:sp>
+        <p:nvSpPr>
+          <p:cNvPr id="3" name="Päivämäärän paikkamerkki 2"/>
+          <p:cNvSpPr>
+            <a:spLocks noGrp="1"/>
+          </p:cNvSpPr>
+          <p:nvPr>
+            <p:ph type="dt" sz="half" idx="10"/>
+          </p:nvPr>
+        </p:nvSpPr>
+        <p:spPr/>
+        <p:txBody>
+          <a:bodyPr/>
+          <a:lstStyle/>
+          <a:p>
+            <a:fld id="{786339DA-C46F-4C6F-95A3-9379EAD4B9E9}" type="datetime1">
+              <a:rPr lang="fi-FI" smtClean="0"/>
+              <a:t>16.12.2015</a:t>
+            </a:fld>
+            <a:endParaRPr lang="fi-FI"/>
+          </a:p>
+        </p:txBody>
+      </p:sp>
+      <p:sp>
+        <p:nvSpPr>
+          <p:cNvPr id="4" name="Alatunnisteen paikkamerkki 3"/>
+          <p:cNvSpPr>
+            <a:spLocks noGrp="1"/>
+          </p:cNvSpPr>
+          <p:nvPr>
+            <p:ph type="ftr" sz="quarter" idx="11"/>
+          </p:nvPr>
+        </p:nvSpPr>
+        <p:spPr/>
+        <p:txBody>
+          <a:bodyPr/>
+          <a:lstStyle/>
+          <a:p>
+            <a:endParaRPr lang="fi-FI"/>
+          </a:p>
+        </p:txBody>
+      </p:sp>
+      <p:sp>
+        <p:nvSpPr>
+          <p:cNvPr id="5" name="Otsikko 4"/>
+          <p:cNvSpPr>
+            <a:spLocks noGrp="1"/>
+          </p:cNvSpPr>
+          <p:nvPr>
+            <p:ph type="title"/>
+          </p:nvPr>
+        </p:nvSpPr>
+        <p:spPr/>
+        <p:txBody>
+          <a:bodyPr/>
+          <a:lstStyle/>
+          <a:p>
+            <a:r>
+              <a:rPr lang="en-US" dirty="0" smtClean="0"/>
+              <a:t>Spring Boot</a:t>
+            </a:r>
+            <a:endParaRPr lang="en-US" dirty="0"/>
+          </a:p>
+        </p:txBody>
+      </p:sp>
+    </p:spTree>
+    <p:extLst>
+      <p:ext uri="{BB962C8B-B14F-4D97-AF65-F5344CB8AC3E}">
+        <p14:creationId xmlns:p14="http://schemas.microsoft.com/office/powerpoint/2010/main" val="3128332103"/>
+      </p:ext>
+    </p:extLst>
+  </p:cSld>
+  <p:clrMapOvr>
+    <a:masterClrMapping/>
+  </p:clrMapOvr>
+</p:sld>
+</file>
+
+<file path=ppt/slides/slide95.xml><?xml version="1.0" encoding="utf-8"?>
+<p:sld xmlns:a="http://schemas.openxmlformats.org/drawingml/2006/main" xmlns:r="http://schemas.openxmlformats.org/officeDocument/2006/relationships" xmlns:p="http://schemas.openxmlformats.org/presentationml/2006/main">
+  <p:cSld>
+    <p:spTree>
+      <p:nvGrpSpPr>
+        <p:cNvPr id="1" name=""/>
+        <p:cNvGrpSpPr/>
+        <p:nvPr/>
+      </p:nvGrpSpPr>
+      <p:grpSpPr>
+        <a:xfrm>
+          <a:off x="0" y="0"/>
+          <a:ext cx="0" cy="0"/>
+          <a:chOff x="0" y="0"/>
+          <a:chExt cx="0" cy="0"/>
+        </a:xfrm>
+      </p:grpSpPr>
+      <p:sp>
+        <p:nvSpPr>
+          <p:cNvPr id="2" name="Sisällön paikkamerkki 1"/>
+          <p:cNvSpPr>
+            <a:spLocks noGrp="1"/>
+          </p:cNvSpPr>
+          <p:nvPr>
+            <p:ph idx="1"/>
+          </p:nvPr>
+        </p:nvSpPr>
+        <p:spPr/>
+        <p:txBody>
+          <a:bodyPr>
+            <a:noAutofit/>
+          </a:bodyPr>
+          <a:lstStyle/>
+          <a:p>
+            <a:pPr marL="0" indent="0">
+              <a:buNone/>
+            </a:pPr>
+            <a:r>
+              <a:rPr lang="en-US" sz="800" dirty="0" smtClean="0"/>
+              <a:t>&lt;</a:t>
+            </a:r>
+            <a:r>
+              <a:rPr lang="en-US" sz="800" dirty="0"/>
+              <a:t>parent&gt;</a:t>
+            </a:r>
+          </a:p>
+          <a:p>
+            <a:pPr marL="0" indent="0">
+              <a:buNone/>
+            </a:pPr>
+            <a:r>
+              <a:rPr lang="en-US" sz="800" dirty="0"/>
+              <a:t>        &lt;</a:t>
+            </a:r>
+            <a:r>
+              <a:rPr lang="en-US" sz="800" dirty="0" err="1"/>
+              <a:t>groupId</a:t>
+            </a:r>
+            <a:r>
+              <a:rPr lang="en-US" sz="800" dirty="0"/>
+              <a:t>&gt;</a:t>
+            </a:r>
+            <a:r>
+              <a:rPr lang="en-US" sz="800" dirty="0" err="1"/>
+              <a:t>org.springframework.boot</a:t>
+            </a:r>
+            <a:r>
+              <a:rPr lang="en-US" sz="800" dirty="0"/>
+              <a:t>&lt;/</a:t>
+            </a:r>
+            <a:r>
+              <a:rPr lang="en-US" sz="800" dirty="0" err="1"/>
+              <a:t>groupId</a:t>
+            </a:r>
+            <a:r>
+              <a:rPr lang="en-US" sz="800" dirty="0"/>
+              <a:t>&gt;</a:t>
+            </a:r>
+          </a:p>
+          <a:p>
+            <a:pPr marL="0" indent="0">
+              <a:buNone/>
+            </a:pPr>
+            <a:r>
+              <a:rPr lang="en-US" sz="800" dirty="0"/>
+              <a:t>        &lt;</a:t>
+            </a:r>
+            <a:r>
+              <a:rPr lang="en-US" sz="800" dirty="0" err="1"/>
+              <a:t>artifactId</a:t>
+            </a:r>
+            <a:r>
+              <a:rPr lang="en-US" sz="800" dirty="0"/>
+              <a:t>&gt;spring-boot-starter-parent&lt;/</a:t>
+            </a:r>
+            <a:r>
+              <a:rPr lang="en-US" sz="800" dirty="0" err="1"/>
+              <a:t>artifactId</a:t>
+            </a:r>
+            <a:r>
+              <a:rPr lang="en-US" sz="800" dirty="0"/>
+              <a:t>&gt;</a:t>
+            </a:r>
+          </a:p>
+          <a:p>
+            <a:pPr marL="0" indent="0">
+              <a:buNone/>
+            </a:pPr>
+            <a:r>
+              <a:rPr lang="en-US" sz="800" dirty="0"/>
+              <a:t>        &lt;version&gt;1.2.6.RELEASE&lt;/version&gt;</a:t>
+            </a:r>
+          </a:p>
+          <a:p>
+            <a:pPr marL="0" indent="0">
+              <a:buNone/>
+            </a:pPr>
+            <a:r>
+              <a:rPr lang="en-US" sz="800" dirty="0"/>
+              <a:t>    &lt;/parent&gt;</a:t>
+            </a:r>
+          </a:p>
+          <a:p>
+            <a:pPr marL="0" indent="0">
+              <a:buNone/>
+            </a:pPr>
+            <a:r>
+              <a:rPr lang="en-US" sz="800" dirty="0"/>
+              <a:t>    </a:t>
+            </a:r>
+          </a:p>
+          <a:p>
+            <a:pPr marL="0" indent="0">
+              <a:buNone/>
+            </a:pPr>
+            <a:r>
+              <a:rPr lang="en-US" sz="800" dirty="0"/>
+              <a:t>    &lt;properties&gt;</a:t>
+            </a:r>
+          </a:p>
+          <a:p>
+            <a:pPr marL="0" indent="0">
+              <a:buNone/>
+            </a:pPr>
+            <a:r>
+              <a:rPr lang="en-US" sz="800" dirty="0"/>
+              <a:t>        &lt;</a:t>
+            </a:r>
+            <a:r>
+              <a:rPr lang="en-US" sz="800" dirty="0" err="1"/>
+              <a:t>project.build.sourceEncoding</a:t>
+            </a:r>
+            <a:r>
+              <a:rPr lang="en-US" sz="800" dirty="0"/>
+              <a:t>&gt;UTF-8&lt;/</a:t>
+            </a:r>
+            <a:r>
+              <a:rPr lang="en-US" sz="800" dirty="0" err="1"/>
+              <a:t>project.build.sourceEncoding</a:t>
+            </a:r>
+            <a:r>
+              <a:rPr lang="en-US" sz="800" dirty="0"/>
+              <a:t>&gt;</a:t>
+            </a:r>
+          </a:p>
+          <a:p>
+            <a:pPr marL="0" indent="0">
+              <a:buNone/>
+            </a:pPr>
+            <a:r>
+              <a:rPr lang="en-US" sz="800" dirty="0"/>
+              <a:t>        &lt;</a:t>
+            </a:r>
+            <a:r>
+              <a:rPr lang="en-US" sz="800" dirty="0" err="1"/>
+              <a:t>maven.compiler.source</a:t>
+            </a:r>
+            <a:r>
+              <a:rPr lang="en-US" sz="800" dirty="0"/>
+              <a:t>&gt;1.7&lt;/</a:t>
+            </a:r>
+            <a:r>
+              <a:rPr lang="en-US" sz="800" dirty="0" err="1"/>
+              <a:t>maven.compiler.source</a:t>
+            </a:r>
+            <a:r>
+              <a:rPr lang="en-US" sz="800" dirty="0"/>
+              <a:t>&gt;</a:t>
+            </a:r>
+          </a:p>
+          <a:p>
+            <a:pPr marL="0" indent="0">
+              <a:buNone/>
+            </a:pPr>
+            <a:r>
+              <a:rPr lang="en-US" sz="800" dirty="0"/>
+              <a:t>        &lt;</a:t>
+            </a:r>
+            <a:r>
+              <a:rPr lang="en-US" sz="800" dirty="0" err="1"/>
+              <a:t>maven.compiler.target</a:t>
+            </a:r>
+            <a:r>
+              <a:rPr lang="en-US" sz="800" dirty="0"/>
+              <a:t>&gt;1.7&lt;/</a:t>
+            </a:r>
+            <a:r>
+              <a:rPr lang="en-US" sz="800" dirty="0" err="1"/>
+              <a:t>maven.compiler.target</a:t>
+            </a:r>
+            <a:r>
+              <a:rPr lang="en-US" sz="800" dirty="0"/>
+              <a:t>&gt;</a:t>
+            </a:r>
+          </a:p>
+          <a:p>
+            <a:pPr marL="0" indent="0">
+              <a:buNone/>
+            </a:pPr>
+            <a:r>
+              <a:rPr lang="en-US" sz="800" dirty="0"/>
+              <a:t>    &lt;/properties&gt;</a:t>
+            </a:r>
+          </a:p>
+          <a:p>
+            <a:pPr marL="0" indent="0">
+              <a:buNone/>
+            </a:pPr>
+            <a:r>
+              <a:rPr lang="en-US" sz="800" dirty="0"/>
+              <a:t>    </a:t>
+            </a:r>
+          </a:p>
+          <a:p>
+            <a:pPr marL="0" indent="0">
+              <a:buNone/>
+            </a:pPr>
+            <a:r>
+              <a:rPr lang="en-US" sz="800" dirty="0"/>
+              <a:t>    &lt;dependencies&gt;</a:t>
+            </a:r>
+          </a:p>
+          <a:p>
+            <a:pPr marL="0" indent="0">
+              <a:buNone/>
+            </a:pPr>
+            <a:r>
+              <a:rPr lang="en-US" sz="800" dirty="0"/>
+              <a:t>        &lt;dependency&gt;</a:t>
+            </a:r>
+          </a:p>
+          <a:p>
+            <a:pPr marL="0" indent="0">
+              <a:buNone/>
+            </a:pPr>
+            <a:r>
+              <a:rPr lang="en-US" sz="800" dirty="0"/>
+              <a:t>            &lt;</a:t>
+            </a:r>
+            <a:r>
+              <a:rPr lang="en-US" sz="800" dirty="0" err="1"/>
+              <a:t>groupId</a:t>
+            </a:r>
+            <a:r>
+              <a:rPr lang="en-US" sz="800" dirty="0"/>
+              <a:t>&gt;</a:t>
+            </a:r>
+            <a:r>
+              <a:rPr lang="en-US" sz="800" dirty="0" err="1"/>
+              <a:t>org.springframework.boot</a:t>
+            </a:r>
+            <a:r>
+              <a:rPr lang="en-US" sz="800" dirty="0"/>
+              <a:t>&lt;/</a:t>
+            </a:r>
+            <a:r>
+              <a:rPr lang="en-US" sz="800" dirty="0" err="1"/>
+              <a:t>groupId</a:t>
+            </a:r>
+            <a:r>
+              <a:rPr lang="en-US" sz="800" dirty="0"/>
+              <a:t>&gt;</a:t>
+            </a:r>
+          </a:p>
+          <a:p>
+            <a:pPr marL="0" indent="0">
+              <a:buNone/>
+            </a:pPr>
+            <a:r>
+              <a:rPr lang="en-US" sz="800" dirty="0"/>
+              <a:t>            &lt;</a:t>
+            </a:r>
+            <a:r>
+              <a:rPr lang="en-US" sz="800" dirty="0" err="1"/>
+              <a:t>artifactId</a:t>
+            </a:r>
+            <a:r>
+              <a:rPr lang="en-US" sz="800" dirty="0"/>
+              <a:t>&gt;spring-boot-starter-web&lt;/</a:t>
+            </a:r>
+            <a:r>
+              <a:rPr lang="en-US" sz="800" dirty="0" err="1"/>
+              <a:t>artifactId</a:t>
+            </a:r>
+            <a:r>
+              <a:rPr lang="en-US" sz="800" dirty="0"/>
+              <a:t>&gt;</a:t>
+            </a:r>
+          </a:p>
+          <a:p>
+            <a:pPr marL="0" indent="0">
+              <a:buNone/>
+            </a:pPr>
+            <a:r>
+              <a:rPr lang="en-US" sz="800" dirty="0"/>
+              <a:t>        &lt;/dependency&gt;</a:t>
+            </a:r>
+          </a:p>
+          <a:p>
+            <a:pPr marL="0" indent="0">
+              <a:buNone/>
+            </a:pPr>
+            <a:r>
+              <a:rPr lang="en-US" sz="800" dirty="0"/>
+              <a:t>    &lt;/dependencies&gt;</a:t>
+            </a:r>
+          </a:p>
+          <a:p>
+            <a:pPr marL="0" indent="0">
+              <a:buNone/>
+            </a:pPr>
+            <a:r>
+              <a:rPr lang="en-US" sz="800" dirty="0"/>
+              <a:t>    </a:t>
+            </a:r>
+          </a:p>
+          <a:p>
+            <a:pPr marL="0" indent="0">
+              <a:buNone/>
+            </a:pPr>
+            <a:r>
+              <a:rPr lang="en-US" sz="800" dirty="0"/>
+              <a:t>    &lt;build&gt;</a:t>
+            </a:r>
+          </a:p>
+          <a:p>
+            <a:pPr marL="0" indent="0">
+              <a:buNone/>
+            </a:pPr>
+            <a:r>
+              <a:rPr lang="en-US" sz="800" dirty="0"/>
+              <a:t>        &lt;plugins&gt;</a:t>
+            </a:r>
+          </a:p>
+          <a:p>
+            <a:pPr marL="0" indent="0">
+              <a:buNone/>
+            </a:pPr>
+            <a:r>
+              <a:rPr lang="en-US" sz="800" dirty="0"/>
+              <a:t>            &lt;plugin&gt;</a:t>
+            </a:r>
+          </a:p>
+          <a:p>
+            <a:pPr marL="0" indent="0">
+              <a:buNone/>
+            </a:pPr>
+            <a:r>
+              <a:rPr lang="en-US" sz="800" dirty="0"/>
+              <a:t>                &lt;</a:t>
+            </a:r>
+            <a:r>
+              <a:rPr lang="en-US" sz="800" dirty="0" err="1"/>
+              <a:t>groupId</a:t>
+            </a:r>
+            <a:r>
+              <a:rPr lang="en-US" sz="800" dirty="0"/>
+              <a:t>&gt;</a:t>
+            </a:r>
+            <a:r>
+              <a:rPr lang="en-US" sz="800" dirty="0" err="1"/>
+              <a:t>org.springframework.boot</a:t>
+            </a:r>
+            <a:r>
+              <a:rPr lang="en-US" sz="800" dirty="0"/>
+              <a:t>&lt;/</a:t>
+            </a:r>
+            <a:r>
+              <a:rPr lang="en-US" sz="800" dirty="0" err="1"/>
+              <a:t>groupId</a:t>
+            </a:r>
+            <a:r>
+              <a:rPr lang="en-US" sz="800" dirty="0"/>
+              <a:t>&gt;</a:t>
+            </a:r>
+          </a:p>
+          <a:p>
+            <a:pPr marL="0" indent="0">
+              <a:buNone/>
+            </a:pPr>
+            <a:r>
+              <a:rPr lang="en-US" sz="800" dirty="0"/>
+              <a:t>                &lt;</a:t>
+            </a:r>
+            <a:r>
+              <a:rPr lang="en-US" sz="800" dirty="0" err="1"/>
+              <a:t>artifactId</a:t>
+            </a:r>
+            <a:r>
+              <a:rPr lang="en-US" sz="800" dirty="0"/>
+              <a:t>&gt;spring-boot-maven-plugin&lt;/</a:t>
+            </a:r>
+            <a:r>
+              <a:rPr lang="en-US" sz="800" dirty="0" err="1"/>
+              <a:t>artifactId</a:t>
+            </a:r>
+            <a:r>
+              <a:rPr lang="en-US" sz="800" dirty="0"/>
+              <a:t>&gt;</a:t>
+            </a:r>
+          </a:p>
+          <a:p>
+            <a:pPr marL="0" indent="0">
+              <a:buNone/>
+            </a:pPr>
+            <a:r>
+              <a:rPr lang="en-US" sz="800" dirty="0"/>
+              <a:t>            &lt;/plugin&gt;</a:t>
+            </a:r>
+          </a:p>
+          <a:p>
+            <a:pPr marL="0" indent="0">
+              <a:buNone/>
+            </a:pPr>
+            <a:r>
+              <a:rPr lang="en-US" sz="800" dirty="0"/>
+              <a:t>        &lt;/plugins&gt;</a:t>
+            </a:r>
+          </a:p>
+          <a:p>
+            <a:pPr marL="0" indent="0">
+              <a:buNone/>
+            </a:pPr>
+            <a:r>
+              <a:rPr lang="en-US" sz="800" dirty="0"/>
+              <a:t>    </a:t>
+            </a:r>
+            <a:r>
+              <a:rPr lang="en-US" sz="800" dirty="0" smtClean="0"/>
+              <a:t>&lt;/build&gt;</a:t>
+            </a:r>
+          </a:p>
+          <a:p>
+            <a:r>
+              <a:rPr lang="en-US" sz="800" dirty="0" smtClean="0"/>
+              <a:t>&lt;/project&gt;</a:t>
+            </a:r>
+            <a:endParaRPr lang="en-US" sz="800" dirty="0"/>
+          </a:p>
+        </p:txBody>
+      </p:sp>
+      <p:sp>
+        <p:nvSpPr>
+          <p:cNvPr id="3" name="Päivämäärän paikkamerkki 2"/>
+          <p:cNvSpPr>
+            <a:spLocks noGrp="1"/>
+          </p:cNvSpPr>
+          <p:nvPr>
+            <p:ph type="dt" sz="half" idx="10"/>
+          </p:nvPr>
+        </p:nvSpPr>
+        <p:spPr/>
+        <p:txBody>
+          <a:bodyPr/>
+          <a:lstStyle/>
+          <a:p>
+            <a:fld id="{786339DA-C46F-4C6F-95A3-9379EAD4B9E9}" type="datetime1">
+              <a:rPr lang="fi-FI" smtClean="0"/>
+              <a:t>16.12.2015</a:t>
+            </a:fld>
+            <a:endParaRPr lang="fi-FI"/>
+          </a:p>
+        </p:txBody>
+      </p:sp>
+      <p:sp>
+        <p:nvSpPr>
+          <p:cNvPr id="4" name="Alatunnisteen paikkamerkki 3"/>
+          <p:cNvSpPr>
+            <a:spLocks noGrp="1"/>
+          </p:cNvSpPr>
+          <p:nvPr>
+            <p:ph type="ftr" sz="quarter" idx="11"/>
+          </p:nvPr>
+        </p:nvSpPr>
+        <p:spPr/>
+        <p:txBody>
+          <a:bodyPr/>
+          <a:lstStyle/>
+          <a:p>
+            <a:endParaRPr lang="fi-FI"/>
+          </a:p>
+        </p:txBody>
+      </p:sp>
+      <p:sp>
+        <p:nvSpPr>
+          <p:cNvPr id="5" name="Otsikko 4"/>
+          <p:cNvSpPr>
+            <a:spLocks noGrp="1"/>
+          </p:cNvSpPr>
+          <p:nvPr>
+            <p:ph type="title"/>
+          </p:nvPr>
+        </p:nvSpPr>
+        <p:spPr/>
+        <p:txBody>
+          <a:bodyPr/>
+          <a:lstStyle/>
+          <a:p>
+            <a:r>
+              <a:rPr lang="en-US" dirty="0" smtClean="0"/>
+              <a:t>Spring Boot</a:t>
+            </a:r>
+            <a:endParaRPr lang="en-US" dirty="0"/>
+          </a:p>
+        </p:txBody>
+      </p:sp>
+    </p:spTree>
+    <p:extLst>
+      <p:ext uri="{BB962C8B-B14F-4D97-AF65-F5344CB8AC3E}">
+        <p14:creationId xmlns:p14="http://schemas.microsoft.com/office/powerpoint/2010/main" val="1385729218"/>
+      </p:ext>
+    </p:extLst>
+  </p:cSld>
+  <p:clrMapOvr>
+    <a:masterClrMapping/>
+  </p:clrMapOvr>
+</p:sld>
+</file>
+
+<file path=ppt/slides/slide96.xml><?xml version="1.0" encoding="utf-8"?>
+<p:sld xmlns:a="http://schemas.openxmlformats.org/drawingml/2006/main" xmlns:r="http://schemas.openxmlformats.org/officeDocument/2006/relationships" xmlns:p="http://schemas.openxmlformats.org/presentationml/2006/main">
+  <p:cSld>
+    <p:spTree>
+      <p:nvGrpSpPr>
+        <p:cNvPr id="1" name=""/>
+        <p:cNvGrpSpPr/>
+        <p:nvPr/>
+      </p:nvGrpSpPr>
+      <p:grpSpPr>
+        <a:xfrm>
+          <a:off x="0" y="0"/>
+          <a:ext cx="0" cy="0"/>
+          <a:chOff x="0" y="0"/>
+          <a:chExt cx="0" cy="0"/>
+        </a:xfrm>
+      </p:grpSpPr>
+      <p:sp>
+        <p:nvSpPr>
+          <p:cNvPr id="2" name="Sisällön paikkamerkki 1"/>
+          <p:cNvSpPr>
+            <a:spLocks noGrp="1"/>
+          </p:cNvSpPr>
+          <p:nvPr>
+            <p:ph idx="1"/>
+          </p:nvPr>
+        </p:nvSpPr>
+        <p:spPr/>
+        <p:txBody>
+          <a:bodyPr>
+            <a:normAutofit fontScale="92500"/>
+          </a:bodyPr>
+          <a:lstStyle/>
+          <a:p>
+            <a:r>
+              <a:rPr lang="en-US" dirty="0" smtClean="0"/>
+              <a:t>To </a:t>
+            </a:r>
+            <a:r>
+              <a:rPr lang="en-US" dirty="0" err="1" smtClean="0"/>
+              <a:t>boostrap</a:t>
+            </a:r>
+            <a:r>
+              <a:rPr lang="en-US" dirty="0" smtClean="0"/>
+              <a:t> application you need following class in your project:</a:t>
+            </a:r>
+          </a:p>
+          <a:p>
+            <a:pPr marL="0" indent="0">
+              <a:buNone/>
+            </a:pPr>
+            <a:r>
+              <a:rPr lang="en-US" dirty="0"/>
+              <a:t>@</a:t>
+            </a:r>
+            <a:r>
+              <a:rPr lang="en-US" dirty="0" err="1"/>
+              <a:t>SpringBootApplication</a:t>
+            </a:r>
+            <a:endParaRPr lang="en-US" dirty="0"/>
+          </a:p>
+          <a:p>
+            <a:pPr marL="0" indent="0">
+              <a:buNone/>
+            </a:pPr>
+            <a:r>
+              <a:rPr lang="en-US" dirty="0"/>
+              <a:t>@</a:t>
+            </a:r>
+            <a:r>
+              <a:rPr lang="en-US" dirty="0" err="1"/>
+              <a:t>ComponentScan</a:t>
+            </a:r>
+            <a:r>
+              <a:rPr lang="en-US" dirty="0"/>
+              <a:t>(</a:t>
+            </a:r>
+            <a:r>
+              <a:rPr lang="en-US" dirty="0" err="1"/>
+              <a:t>basePackages</a:t>
+            </a:r>
+            <a:r>
+              <a:rPr lang="en-US" dirty="0"/>
+              <a:t> = "</a:t>
+            </a:r>
+            <a:r>
+              <a:rPr lang="en-US" dirty="0" err="1"/>
+              <a:t>com.opiframe.controller</a:t>
+            </a:r>
+            <a:r>
+              <a:rPr lang="en-US" dirty="0"/>
+              <a:t>")</a:t>
+            </a:r>
+          </a:p>
+          <a:p>
+            <a:pPr marL="0" indent="0">
+              <a:buNone/>
+            </a:pPr>
+            <a:r>
+              <a:rPr lang="en-US" dirty="0"/>
+              <a:t>public class Application {</a:t>
+            </a:r>
+          </a:p>
+          <a:p>
+            <a:pPr marL="0" indent="0">
+              <a:buNone/>
+            </a:pPr>
+            <a:endParaRPr lang="en-US" dirty="0"/>
+          </a:p>
+          <a:p>
+            <a:pPr marL="0" indent="0">
+              <a:buNone/>
+            </a:pPr>
+            <a:r>
+              <a:rPr lang="en-US" dirty="0"/>
+              <a:t>    public static void main(String[] </a:t>
+            </a:r>
+            <a:r>
+              <a:rPr lang="en-US" dirty="0" err="1"/>
+              <a:t>args</a:t>
+            </a:r>
+            <a:r>
+              <a:rPr lang="en-US" dirty="0"/>
+              <a:t>) {</a:t>
+            </a:r>
+          </a:p>
+          <a:p>
+            <a:pPr marL="0" indent="0">
+              <a:buNone/>
+            </a:pPr>
+            <a:r>
+              <a:rPr lang="en-US" dirty="0" smtClean="0"/>
+              <a:t>	</a:t>
+            </a:r>
+            <a:r>
+              <a:rPr lang="en-US" dirty="0" err="1" smtClean="0"/>
+              <a:t>SpringApplication.run</a:t>
+            </a:r>
+            <a:r>
+              <a:rPr lang="en-US" dirty="0" smtClean="0"/>
+              <a:t>(</a:t>
+            </a:r>
+            <a:r>
+              <a:rPr lang="en-US" dirty="0" err="1" smtClean="0"/>
+              <a:t>Application.class</a:t>
+            </a:r>
+            <a:r>
+              <a:rPr lang="en-US" dirty="0"/>
+              <a:t>, </a:t>
+            </a:r>
+            <a:r>
+              <a:rPr lang="en-US" dirty="0" err="1"/>
+              <a:t>args</a:t>
+            </a:r>
+            <a:r>
+              <a:rPr lang="en-US" dirty="0"/>
+              <a:t>);</a:t>
+            </a:r>
+          </a:p>
+          <a:p>
+            <a:pPr marL="0" indent="0">
+              <a:buNone/>
+            </a:pPr>
+            <a:r>
+              <a:rPr lang="en-US" dirty="0"/>
+              <a:t>    }</a:t>
+            </a:r>
+          </a:p>
+          <a:p>
+            <a:pPr marL="0" indent="0">
+              <a:buNone/>
+            </a:pPr>
+            <a:r>
+              <a:rPr lang="en-US" dirty="0"/>
+              <a:t>}</a:t>
+            </a:r>
+          </a:p>
+        </p:txBody>
+      </p:sp>
+      <p:sp>
+        <p:nvSpPr>
+          <p:cNvPr id="3" name="Päivämäärän paikkamerkki 2"/>
+          <p:cNvSpPr>
+            <a:spLocks noGrp="1"/>
+          </p:cNvSpPr>
+          <p:nvPr>
+            <p:ph type="dt" sz="half" idx="10"/>
+          </p:nvPr>
+        </p:nvSpPr>
+        <p:spPr/>
+        <p:txBody>
+          <a:bodyPr/>
+          <a:lstStyle/>
+          <a:p>
+            <a:fld id="{786339DA-C46F-4C6F-95A3-9379EAD4B9E9}" type="datetime1">
+              <a:rPr lang="fi-FI" smtClean="0"/>
+              <a:t>16.12.2015</a:t>
+            </a:fld>
+            <a:endParaRPr lang="fi-FI"/>
+          </a:p>
+        </p:txBody>
+      </p:sp>
+      <p:sp>
+        <p:nvSpPr>
+          <p:cNvPr id="4" name="Alatunnisteen paikkamerkki 3"/>
+          <p:cNvSpPr>
+            <a:spLocks noGrp="1"/>
+          </p:cNvSpPr>
+          <p:nvPr>
+            <p:ph type="ftr" sz="quarter" idx="11"/>
+          </p:nvPr>
+        </p:nvSpPr>
+        <p:spPr/>
+        <p:txBody>
+          <a:bodyPr/>
+          <a:lstStyle/>
+          <a:p>
+            <a:endParaRPr lang="fi-FI"/>
+          </a:p>
+        </p:txBody>
+      </p:sp>
+      <p:sp>
+        <p:nvSpPr>
+          <p:cNvPr id="5" name="Otsikko 4"/>
+          <p:cNvSpPr>
+            <a:spLocks noGrp="1"/>
+          </p:cNvSpPr>
+          <p:nvPr>
+            <p:ph type="title"/>
+          </p:nvPr>
+        </p:nvSpPr>
+        <p:spPr/>
+        <p:txBody>
+          <a:bodyPr/>
+          <a:lstStyle/>
+          <a:p>
+            <a:r>
+              <a:rPr lang="en-US" dirty="0" smtClean="0"/>
+              <a:t>Basic Structure</a:t>
+            </a:r>
+            <a:endParaRPr lang="en-US" dirty="0"/>
+          </a:p>
+        </p:txBody>
+      </p:sp>
+    </p:spTree>
+    <p:extLst>
+      <p:ext uri="{BB962C8B-B14F-4D97-AF65-F5344CB8AC3E}">
+        <p14:creationId xmlns:p14="http://schemas.microsoft.com/office/powerpoint/2010/main" val="2893328119"/>
+      </p:ext>
+    </p:extLst>
+  </p:cSld>
+  <p:clrMapOvr>
+    <a:masterClrMapping/>
+  </p:clrMapOvr>
+</p:sld>
+</file>
+
+<file path=ppt/slides/slide97.xml><?xml version="1.0" encoding="utf-8"?>
+<p:sld xmlns:a="http://schemas.openxmlformats.org/drawingml/2006/main" xmlns:r="http://schemas.openxmlformats.org/officeDocument/2006/relationships" xmlns:p="http://schemas.openxmlformats.org/presentationml/2006/main">
+  <p:cSld>
+    <p:spTree>
+      <p:nvGrpSpPr>
+        <p:cNvPr id="1" name=""/>
+        <p:cNvGrpSpPr/>
+        <p:nvPr/>
+      </p:nvGrpSpPr>
+      <p:grpSpPr>
+        <a:xfrm>
+          <a:off x="0" y="0"/>
+          <a:ext cx="0" cy="0"/>
+          <a:chOff x="0" y="0"/>
+          <a:chExt cx="0" cy="0"/>
+        </a:xfrm>
+      </p:grpSpPr>
+      <p:sp>
+        <p:nvSpPr>
+          <p:cNvPr id="2" name="Sisällön paikkamerkki 1"/>
+          <p:cNvSpPr>
+            <a:spLocks noGrp="1"/>
+          </p:cNvSpPr>
+          <p:nvPr>
+            <p:ph idx="1"/>
+          </p:nvPr>
+        </p:nvSpPr>
+        <p:spPr/>
+        <p:txBody>
+          <a:bodyPr>
+            <a:normAutofit fontScale="62500" lnSpcReduction="20000"/>
+          </a:bodyPr>
+          <a:lstStyle/>
+          <a:p>
+            <a:r>
+              <a:rPr lang="en-US" dirty="0" smtClean="0"/>
+              <a:t>Then the controller for REST </a:t>
+            </a:r>
+            <a:r>
+              <a:rPr lang="en-US" dirty="0" err="1" smtClean="0"/>
+              <a:t>api</a:t>
+            </a:r>
+            <a:r>
+              <a:rPr lang="en-US" dirty="0" smtClean="0"/>
+              <a:t>(s)</a:t>
+            </a:r>
+          </a:p>
+          <a:p>
+            <a:pPr marL="0" indent="0">
+              <a:buNone/>
+            </a:pPr>
+            <a:r>
+              <a:rPr lang="en-US" dirty="0"/>
+              <a:t>@</a:t>
+            </a:r>
+            <a:r>
+              <a:rPr lang="en-US" dirty="0" err="1"/>
+              <a:t>RestController</a:t>
+            </a:r>
+            <a:endParaRPr lang="en-US" dirty="0"/>
+          </a:p>
+          <a:p>
+            <a:pPr marL="0" indent="0">
+              <a:buNone/>
+            </a:pPr>
+            <a:r>
+              <a:rPr lang="en-US" dirty="0"/>
+              <a:t>public class </a:t>
+            </a:r>
+            <a:r>
+              <a:rPr lang="en-US" dirty="0" err="1"/>
+              <a:t>GreetingController</a:t>
+            </a:r>
+            <a:r>
+              <a:rPr lang="en-US" dirty="0"/>
+              <a:t> {</a:t>
+            </a:r>
+          </a:p>
+          <a:p>
+            <a:pPr marL="0" indent="0">
+              <a:buNone/>
+            </a:pPr>
+            <a:r>
+              <a:rPr lang="en-US" dirty="0"/>
+              <a:t>    </a:t>
+            </a:r>
+          </a:p>
+          <a:p>
+            <a:pPr marL="0" indent="0">
+              <a:buNone/>
+            </a:pPr>
+            <a:r>
+              <a:rPr lang="en-US" dirty="0"/>
+              <a:t>    @</a:t>
+            </a:r>
+            <a:r>
+              <a:rPr lang="en-US" dirty="0" err="1"/>
+              <a:t>RequestMapping</a:t>
+            </a:r>
+            <a:r>
+              <a:rPr lang="en-US" dirty="0"/>
+              <a:t>("/")</a:t>
+            </a:r>
+          </a:p>
+          <a:p>
+            <a:pPr marL="0" indent="0">
+              <a:buNone/>
+            </a:pPr>
+            <a:r>
+              <a:rPr lang="en-US" dirty="0"/>
+              <a:t>    @</a:t>
+            </a:r>
+            <a:r>
+              <a:rPr lang="en-US" dirty="0" err="1"/>
+              <a:t>ResponseBody</a:t>
+            </a:r>
+            <a:endParaRPr lang="en-US" dirty="0"/>
+          </a:p>
+          <a:p>
+            <a:pPr marL="0" indent="0">
+              <a:buNone/>
+            </a:pPr>
+            <a:r>
+              <a:rPr lang="en-US" dirty="0"/>
+              <a:t>    String home() {</a:t>
+            </a:r>
+          </a:p>
+          <a:p>
+            <a:pPr marL="0" indent="0">
+              <a:buNone/>
+            </a:pPr>
+            <a:r>
+              <a:rPr lang="en-US" dirty="0"/>
+              <a:t>        return "Hello World!";</a:t>
+            </a:r>
+          </a:p>
+          <a:p>
+            <a:pPr marL="0" indent="0">
+              <a:buNone/>
+            </a:pPr>
+            <a:r>
+              <a:rPr lang="en-US" dirty="0"/>
+              <a:t>    }</a:t>
+            </a:r>
+          </a:p>
+          <a:p>
+            <a:pPr marL="0" indent="0">
+              <a:buNone/>
+            </a:pPr>
+            <a:r>
+              <a:rPr lang="en-US" dirty="0"/>
+              <a:t>    </a:t>
+            </a:r>
+          </a:p>
+          <a:p>
+            <a:pPr marL="0" indent="0">
+              <a:buNone/>
+            </a:pPr>
+            <a:r>
+              <a:rPr lang="en-US" dirty="0"/>
+              <a:t>    @</a:t>
+            </a:r>
+            <a:r>
+              <a:rPr lang="en-US" dirty="0" err="1"/>
+              <a:t>RequestMapping</a:t>
+            </a:r>
+            <a:r>
+              <a:rPr lang="en-US" dirty="0"/>
+              <a:t>("/greeting")</a:t>
+            </a:r>
+          </a:p>
+          <a:p>
+            <a:pPr marL="0" indent="0">
+              <a:buNone/>
+            </a:pPr>
+            <a:r>
+              <a:rPr lang="en-US" dirty="0"/>
+              <a:t>    @</a:t>
+            </a:r>
+            <a:r>
+              <a:rPr lang="en-US" dirty="0" err="1"/>
+              <a:t>ResponseBody</a:t>
+            </a:r>
+            <a:endParaRPr lang="en-US" dirty="0"/>
+          </a:p>
+          <a:p>
+            <a:pPr marL="0" indent="0">
+              <a:buNone/>
+            </a:pPr>
+            <a:r>
+              <a:rPr lang="en-US" dirty="0"/>
+              <a:t>    String greeting() {</a:t>
+            </a:r>
+          </a:p>
+          <a:p>
+            <a:pPr marL="0" indent="0">
+              <a:buNone/>
+            </a:pPr>
+            <a:r>
+              <a:rPr lang="en-US" dirty="0"/>
+              <a:t>        return "Greetings from </a:t>
+            </a:r>
+            <a:r>
+              <a:rPr lang="en-US" dirty="0" err="1"/>
+              <a:t>finland</a:t>
+            </a:r>
+            <a:r>
+              <a:rPr lang="en-US" dirty="0"/>
+              <a:t>!";</a:t>
+            </a:r>
+          </a:p>
+          <a:p>
+            <a:pPr marL="0" indent="0">
+              <a:buNone/>
+            </a:pPr>
+            <a:r>
+              <a:rPr lang="en-US" dirty="0"/>
+              <a:t>    }</a:t>
+            </a:r>
+          </a:p>
+          <a:p>
+            <a:pPr marL="0" indent="0">
+              <a:buNone/>
+            </a:pPr>
+            <a:r>
+              <a:rPr lang="en-US" dirty="0"/>
+              <a:t>    </a:t>
+            </a:r>
+          </a:p>
+          <a:p>
+            <a:pPr marL="0" indent="0">
+              <a:buNone/>
+            </a:pPr>
+            <a:r>
+              <a:rPr lang="en-US" dirty="0"/>
+              <a:t>}</a:t>
+            </a:r>
+          </a:p>
+        </p:txBody>
+      </p:sp>
+      <p:sp>
+        <p:nvSpPr>
+          <p:cNvPr id="3" name="Päivämäärän paikkamerkki 2"/>
+          <p:cNvSpPr>
+            <a:spLocks noGrp="1"/>
+          </p:cNvSpPr>
+          <p:nvPr>
+            <p:ph type="dt" sz="half" idx="10"/>
+          </p:nvPr>
+        </p:nvSpPr>
+        <p:spPr/>
+        <p:txBody>
+          <a:bodyPr/>
+          <a:lstStyle/>
+          <a:p>
+            <a:fld id="{786339DA-C46F-4C6F-95A3-9379EAD4B9E9}" type="datetime1">
+              <a:rPr lang="fi-FI" smtClean="0"/>
+              <a:t>16.12.2015</a:t>
+            </a:fld>
+            <a:endParaRPr lang="fi-FI"/>
+          </a:p>
+        </p:txBody>
+      </p:sp>
+      <p:sp>
+        <p:nvSpPr>
+          <p:cNvPr id="4" name="Alatunnisteen paikkamerkki 3"/>
+          <p:cNvSpPr>
+            <a:spLocks noGrp="1"/>
+          </p:cNvSpPr>
+          <p:nvPr>
+            <p:ph type="ftr" sz="quarter" idx="11"/>
+          </p:nvPr>
+        </p:nvSpPr>
+        <p:spPr/>
+        <p:txBody>
+          <a:bodyPr/>
+          <a:lstStyle/>
+          <a:p>
+            <a:endParaRPr lang="fi-FI"/>
+          </a:p>
+        </p:txBody>
+      </p:sp>
+      <p:sp>
+        <p:nvSpPr>
+          <p:cNvPr id="5" name="Otsikko 4"/>
+          <p:cNvSpPr>
+            <a:spLocks noGrp="1"/>
+          </p:cNvSpPr>
+          <p:nvPr>
+            <p:ph type="title"/>
+          </p:nvPr>
+        </p:nvSpPr>
+        <p:spPr/>
+        <p:txBody>
+          <a:bodyPr/>
+          <a:lstStyle/>
+          <a:p>
+            <a:r>
+              <a:rPr lang="en-US" dirty="0"/>
+              <a:t>Basic Structure</a:t>
+            </a:r>
+          </a:p>
+        </p:txBody>
+      </p:sp>
+    </p:spTree>
+    <p:extLst>
+      <p:ext uri="{BB962C8B-B14F-4D97-AF65-F5344CB8AC3E}">
+        <p14:creationId xmlns:p14="http://schemas.microsoft.com/office/powerpoint/2010/main" val="1095402279"/>
+      </p:ext>
+    </p:extLst>
+  </p:cSld>
+  <p:clrMapOvr>
+    <a:masterClrMapping/>
+  </p:clrMapOvr>
+</p:sld>
+</file>
+
+<file path=ppt/slides/slide98.xml><?xml version="1.0" encoding="utf-8"?>
+<p:sld xmlns:a="http://schemas.openxmlformats.org/drawingml/2006/main" xmlns:r="http://schemas.openxmlformats.org/officeDocument/2006/relationships" xmlns:p="http://schemas.openxmlformats.org/presentationml/2006/main">
+  <p:cSld>
+    <p:spTree>
+      <p:nvGrpSpPr>
+        <p:cNvPr id="1" name=""/>
+        <p:cNvGrpSpPr/>
+        <p:nvPr/>
+      </p:nvGrpSpPr>
+      <p:grpSpPr>
+        <a:xfrm>
+          <a:off x="0" y="0"/>
+          <a:ext cx="0" cy="0"/>
+          <a:chOff x="0" y="0"/>
+          <a:chExt cx="0" cy="0"/>
+        </a:xfrm>
+      </p:grpSpPr>
+      <p:sp>
+        <p:nvSpPr>
+          <p:cNvPr id="2" name="Sisällön paikkamerkki 1"/>
+          <p:cNvSpPr>
+            <a:spLocks noGrp="1"/>
+          </p:cNvSpPr>
+          <p:nvPr>
+            <p:ph idx="1"/>
+          </p:nvPr>
+        </p:nvSpPr>
+        <p:spPr/>
+        <p:txBody>
+          <a:bodyPr/>
+          <a:lstStyle/>
+          <a:p>
+            <a:r>
+              <a:rPr lang="en-US" dirty="0" smtClean="0"/>
+              <a:t>@</a:t>
+            </a:r>
+            <a:r>
+              <a:rPr lang="en-US" dirty="0" err="1" smtClean="0"/>
+              <a:t>ResponseBody</a:t>
+            </a:r>
+            <a:r>
+              <a:rPr lang="en-US" dirty="0" smtClean="0"/>
+              <a:t> annotation </a:t>
+            </a:r>
+            <a:r>
+              <a:rPr lang="en-US" dirty="0" smtClean="0"/>
+              <a:t>marks the function to return something else than .html file. </a:t>
+            </a:r>
+          </a:p>
+          <a:p>
+            <a:r>
+              <a:rPr lang="en-US" dirty="0" smtClean="0"/>
+              <a:t>You use this when you want that the REST function returns i.e. </a:t>
+            </a:r>
+            <a:r>
+              <a:rPr lang="en-US" dirty="0" err="1" smtClean="0"/>
+              <a:t>json</a:t>
+            </a:r>
+            <a:r>
+              <a:rPr lang="en-US" dirty="0" smtClean="0"/>
+              <a:t>, xml or data in some other than .html form.</a:t>
+            </a:r>
+            <a:endParaRPr lang="en-US" dirty="0"/>
+          </a:p>
+        </p:txBody>
+      </p:sp>
+      <p:sp>
+        <p:nvSpPr>
+          <p:cNvPr id="3" name="Päivämäärän paikkamerkki 2"/>
+          <p:cNvSpPr>
+            <a:spLocks noGrp="1"/>
+          </p:cNvSpPr>
+          <p:nvPr>
+            <p:ph type="dt" sz="half" idx="10"/>
+          </p:nvPr>
+        </p:nvSpPr>
+        <p:spPr/>
+        <p:txBody>
+          <a:bodyPr/>
+          <a:lstStyle/>
+          <a:p>
+            <a:fld id="{786339DA-C46F-4C6F-95A3-9379EAD4B9E9}" type="datetime1">
+              <a:rPr lang="fi-FI" smtClean="0"/>
+              <a:t>16.12.2015</a:t>
+            </a:fld>
+            <a:endParaRPr lang="fi-FI"/>
+          </a:p>
+        </p:txBody>
+      </p:sp>
+      <p:sp>
+        <p:nvSpPr>
+          <p:cNvPr id="4" name="Alatunnisteen paikkamerkki 3"/>
+          <p:cNvSpPr>
+            <a:spLocks noGrp="1"/>
+          </p:cNvSpPr>
+          <p:nvPr>
+            <p:ph type="ftr" sz="quarter" idx="11"/>
+          </p:nvPr>
+        </p:nvSpPr>
+        <p:spPr/>
+        <p:txBody>
+          <a:bodyPr/>
+          <a:lstStyle/>
+          <a:p>
+            <a:endParaRPr lang="fi-FI"/>
+          </a:p>
+        </p:txBody>
+      </p:sp>
+      <p:sp>
+        <p:nvSpPr>
+          <p:cNvPr id="5" name="Otsikko 4"/>
+          <p:cNvSpPr>
+            <a:spLocks noGrp="1"/>
+          </p:cNvSpPr>
+          <p:nvPr>
+            <p:ph type="title"/>
+          </p:nvPr>
+        </p:nvSpPr>
+        <p:spPr/>
+        <p:txBody>
+          <a:bodyPr/>
+          <a:lstStyle/>
+          <a:p>
+            <a:r>
+              <a:rPr lang="en-US" dirty="0" smtClean="0"/>
+              <a:t>@</a:t>
+            </a:r>
+            <a:r>
+              <a:rPr lang="en-US" dirty="0" err="1" smtClean="0"/>
+              <a:t>ResponseBody</a:t>
+            </a:r>
+            <a:r>
+              <a:rPr lang="en-US" dirty="0" smtClean="0"/>
+              <a:t> &amp; REST</a:t>
+            </a:r>
+            <a:endParaRPr lang="en-US" dirty="0"/>
+          </a:p>
+        </p:txBody>
+      </p:sp>
+    </p:spTree>
+    <p:extLst>
+      <p:ext uri="{BB962C8B-B14F-4D97-AF65-F5344CB8AC3E}">
+        <p14:creationId xmlns:p14="http://schemas.microsoft.com/office/powerpoint/2010/main" val="1889602249"/>
+      </p:ext>
+    </p:extLst>
+  </p:cSld>
+  <p:clrMapOvr>
+    <a:masterClrMapping/>
+  </p:clrMapOvr>
+</p:sld>
+</file>
+
+<file path=ppt/slides/slide99.xml><?xml version="1.0" encoding="utf-8"?>
+<p:sld xmlns:a="http://schemas.openxmlformats.org/drawingml/2006/main" xmlns:r="http://schemas.openxmlformats.org/officeDocument/2006/relationships" xmlns:p="http://schemas.openxmlformats.org/presentationml/2006/main">
+  <p:cSld>
+    <p:spTree>
+      <p:nvGrpSpPr>
+        <p:cNvPr id="1" name=""/>
+        <p:cNvGrpSpPr/>
+        <p:nvPr/>
+      </p:nvGrpSpPr>
+      <p:grpSpPr>
+        <a:xfrm>
+          <a:off x="0" y="0"/>
+          <a:ext cx="0" cy="0"/>
+          <a:chOff x="0" y="0"/>
+          <a:chExt cx="0" cy="0"/>
+        </a:xfrm>
+      </p:grpSpPr>
+      <p:sp>
+        <p:nvSpPr>
+          <p:cNvPr id="2" name="Sisällön paikkamerkki 1"/>
+          <p:cNvSpPr>
+            <a:spLocks noGrp="1"/>
+          </p:cNvSpPr>
+          <p:nvPr>
+            <p:ph idx="1"/>
+          </p:nvPr>
+        </p:nvSpPr>
+        <p:spPr/>
+        <p:txBody>
+          <a:bodyPr/>
+          <a:lstStyle/>
+          <a:p>
+            <a:r>
+              <a:rPr lang="en-US" dirty="0" smtClean="0"/>
+              <a:t>For example of returning an Java object as an </a:t>
+            </a:r>
+            <a:r>
+              <a:rPr lang="en-US" dirty="0" err="1" smtClean="0"/>
+              <a:t>json</a:t>
+            </a:r>
+            <a:r>
+              <a:rPr lang="en-US" dirty="0" smtClean="0"/>
+              <a:t> representation will be done as follow. First we need a model class containing the data returned.</a:t>
+            </a:r>
+            <a:endParaRPr lang="en-US" dirty="0"/>
+          </a:p>
+        </p:txBody>
+      </p:sp>
+      <p:sp>
+        <p:nvSpPr>
+          <p:cNvPr id="3" name="Päivämäärän paikkamerkki 2"/>
+          <p:cNvSpPr>
+            <a:spLocks noGrp="1"/>
+          </p:cNvSpPr>
+          <p:nvPr>
+            <p:ph type="dt" sz="half" idx="10"/>
+          </p:nvPr>
+        </p:nvSpPr>
+        <p:spPr/>
+        <p:txBody>
+          <a:bodyPr/>
+          <a:lstStyle/>
+          <a:p>
+            <a:fld id="{786339DA-C46F-4C6F-95A3-9379EAD4B9E9}" type="datetime1">
+              <a:rPr lang="fi-FI" smtClean="0"/>
+              <a:t>16.12.2015</a:t>
+            </a:fld>
+            <a:endParaRPr lang="fi-FI"/>
+          </a:p>
+        </p:txBody>
+      </p:sp>
+      <p:sp>
+        <p:nvSpPr>
+          <p:cNvPr id="4" name="Alatunnisteen paikkamerkki 3"/>
+          <p:cNvSpPr>
+            <a:spLocks noGrp="1"/>
+          </p:cNvSpPr>
+          <p:nvPr>
+            <p:ph type="ftr" sz="quarter" idx="11"/>
+          </p:nvPr>
+        </p:nvSpPr>
+        <p:spPr/>
+        <p:txBody>
+          <a:bodyPr/>
+          <a:lstStyle/>
+          <a:p>
+            <a:endParaRPr lang="fi-FI"/>
+          </a:p>
+        </p:txBody>
+      </p:sp>
+      <p:sp>
+        <p:nvSpPr>
+          <p:cNvPr id="5" name="Otsikko 4"/>
+          <p:cNvSpPr>
+            <a:spLocks noGrp="1"/>
+          </p:cNvSpPr>
+          <p:nvPr>
+            <p:ph type="title"/>
+          </p:nvPr>
+        </p:nvSpPr>
+        <p:spPr/>
+        <p:txBody>
+          <a:bodyPr/>
+          <a:lstStyle/>
+          <a:p>
+            <a:r>
+              <a:rPr lang="en-US" dirty="0" smtClean="0"/>
+              <a:t>JSON Example</a:t>
+            </a:r>
+            <a:endParaRPr lang="en-US" dirty="0"/>
+          </a:p>
+        </p:txBody>
+      </p:sp>
+    </p:spTree>
+    <p:extLst>
+      <p:ext uri="{BB962C8B-B14F-4D97-AF65-F5344CB8AC3E}">
+        <p14:creationId xmlns:p14="http://schemas.microsoft.com/office/powerpoint/2010/main" val="3188762287"/>
       </p:ext>
     </p:extLst>
   </p:cSld>
@@ -33304,21 +39202,6 @@
 </file>
 
 <file path=customXml/item1.xml><?xml version="1.0" encoding="utf-8"?>
-<p:properties xmlns:p="http://schemas.microsoft.com/office/2006/metadata/properties" xmlns:xsi="http://www.w3.org/2001/XMLSchema-instance" xmlns:pc="http://schemas.microsoft.com/office/infopath/2007/PartnerControls">
-  <documentManagement/>
-</p:properties>
-</file>
-
-<file path=customXml/item2.xml><?xml version="1.0" encoding="utf-8"?>
-<?mso-contentType ?>
-<FormTemplates xmlns="http://schemas.microsoft.com/sharepoint/v3/contenttype/forms">
-  <Display>DocumentLibraryForm</Display>
-  <Edit>DocumentLibraryForm</Edit>
-  <New>DocumentLibraryForm</New>
-</FormTemplates>
-</file>
-
-<file path=customXml/item3.xml><?xml version="1.0" encoding="utf-8"?>
 <ct:contentTypeSchema xmlns:ct="http://schemas.microsoft.com/office/2006/metadata/contentType" xmlns:ma="http://schemas.microsoft.com/office/2006/metadata/properties/metaAttributes" ct:_="" ma:_="" ma:contentTypeName="Asiakirja" ma:contentTypeID="0x010100BA767832A3C62E408D2166E01CB37C73" ma:contentTypeVersion="3" ma:contentTypeDescription="Luo uusi asiakirja." ma:contentTypeScope="" ma:versionID="667ee643abe862ea2c1292fba643c9dd">
   <xsd:schema xmlns:xsd="http://www.w3.org/2001/XMLSchema" xmlns:xs="http://www.w3.org/2001/XMLSchema" xmlns:p="http://schemas.microsoft.com/office/2006/metadata/properties" xmlns:ns3="548e6928-8b0f-4e78-b145-70510c1cc32a" targetNamespace="http://schemas.microsoft.com/office/2006/metadata/properties" ma:root="true" ma:fieldsID="4e237b7d963b961d19650e3192d45e86" ns3:_="">
     <xsd:import namespace="548e6928-8b0f-4e78-b145-70510c1cc32a"/>
@@ -33472,7 +39355,40 @@
 </ct:contentTypeSchema>
 </file>
 
+<file path=customXml/item2.xml><?xml version="1.0" encoding="utf-8"?>
+<p:properties xmlns:p="http://schemas.microsoft.com/office/2006/metadata/properties" xmlns:xsi="http://www.w3.org/2001/XMLSchema-instance" xmlns:pc="http://schemas.microsoft.com/office/infopath/2007/PartnerControls">
+  <documentManagement/>
+</p:properties>
+</file>
+
+<file path=customXml/item3.xml><?xml version="1.0" encoding="utf-8"?>
+<?mso-contentType ?>
+<FormTemplates xmlns="http://schemas.microsoft.com/sharepoint/v3/contenttype/forms">
+  <Display>DocumentLibraryForm</Display>
+  <Edit>DocumentLibraryForm</Edit>
+  <New>DocumentLibraryForm</New>
+</FormTemplates>
+</file>
+
 <file path=customXml/itemProps1.xml><?xml version="1.0" encoding="utf-8"?>
+<ds:datastoreItem xmlns:ds="http://schemas.openxmlformats.org/officeDocument/2006/customXml" ds:itemID="{8964B86B-D22F-490A-A081-3BF03B7BEDE5}">
+  <ds:schemaRefs>
+    <ds:schemaRef ds:uri="http://schemas.microsoft.com/office/2006/metadata/contentType"/>
+    <ds:schemaRef ds:uri="http://schemas.microsoft.com/office/2006/metadata/properties/metaAttributes"/>
+    <ds:schemaRef ds:uri="http://www.w3.org/2001/XMLSchema"/>
+    <ds:schemaRef ds:uri="http://schemas.microsoft.com/office/2006/metadata/properties"/>
+    <ds:schemaRef ds:uri="548e6928-8b0f-4e78-b145-70510c1cc32a"/>
+    <ds:schemaRef ds:uri="http://schemas.microsoft.com/office/2006/documentManagement/types"/>
+    <ds:schemaRef ds:uri="http://schemas.microsoft.com/office/infopath/2007/PartnerControls"/>
+    <ds:schemaRef ds:uri="http://schemas.openxmlformats.org/package/2006/metadata/core-properties"/>
+    <ds:schemaRef ds:uri="http://purl.org/dc/elements/1.1/"/>
+    <ds:schemaRef ds:uri="http://purl.org/dc/terms/"/>
+    <ds:schemaRef ds:uri="http://schemas.microsoft.com/internal/obd"/>
+  </ds:schemaRefs>
+</ds:datastoreItem>
+</file>
+
+<file path=customXml/itemProps2.xml><?xml version="1.0" encoding="utf-8"?>
 <ds:datastoreItem xmlns:ds="http://schemas.openxmlformats.org/officeDocument/2006/customXml" ds:itemID="{088A17CF-9E87-49EB-A1FF-9A3DC873BD2D}">
   <ds:schemaRefs>
     <ds:schemaRef ds:uri="http://schemas.microsoft.com/office/2006/documentManagement/types"/>
@@ -33488,28 +39404,10 @@
 </ds:datastoreItem>
 </file>
 
-<file path=customXml/itemProps2.xml><?xml version="1.0" encoding="utf-8"?>
+<file path=customXml/itemProps3.xml><?xml version="1.0" encoding="utf-8"?>
 <ds:datastoreItem xmlns:ds="http://schemas.openxmlformats.org/officeDocument/2006/customXml" ds:itemID="{D4BAAC8D-B1BC-4F27-90DE-93B2BFA46741}">
   <ds:schemaRefs>
     <ds:schemaRef ds:uri="http://schemas.microsoft.com/sharepoint/v3/contenttype/forms"/>
   </ds:schemaRefs>
 </ds:datastoreItem>
-</file>
-
-<file path=customXml/itemProps3.xml><?xml version="1.0" encoding="utf-8"?>
-<ds:datastoreItem xmlns:ds="http://schemas.openxmlformats.org/officeDocument/2006/customXml" ds:itemID="{8964B86B-D22F-490A-A081-3BF03B7BEDE5}">
-  <ds:schemaRefs>
-    <ds:schemaRef ds:uri="http://schemas.microsoft.com/office/2006/metadata/contentType"/>
-    <ds:schemaRef ds:uri="http://schemas.microsoft.com/office/2006/metadata/properties/metaAttributes"/>
-    <ds:schemaRef ds:uri="http://www.w3.org/2001/XMLSchema"/>
-    <ds:schemaRef ds:uri="http://schemas.microsoft.com/office/2006/metadata/properties"/>
-    <ds:schemaRef ds:uri="548e6928-8b0f-4e78-b145-70510c1cc32a"/>
-    <ds:schemaRef ds:uri="http://schemas.microsoft.com/office/2006/documentManagement/types"/>
-    <ds:schemaRef ds:uri="http://schemas.microsoft.com/office/infopath/2007/PartnerControls"/>
-    <ds:schemaRef ds:uri="http://schemas.openxmlformats.org/package/2006/metadata/core-properties"/>
-    <ds:schemaRef ds:uri="http://purl.org/dc/elements/1.1/"/>
-    <ds:schemaRef ds:uri="http://purl.org/dc/terms/"/>
-    <ds:schemaRef ds:uri="http://schemas.microsoft.com/internal/obd"/>
-  </ds:schemaRefs>
-</ds:datastoreItem>
 </file>
--- a/SpringMVC/Spring_Web_MVC_Framework.pptx
+++ b/SpringMVC/Spring_Web_MVC_Framework.pptx
@@ -308,7 +308,7 @@
           <a:p>
             <a:fld id="{C4EB8123-A165-47ED-9C55-C3D9A4DBAD68}" type="datetimeFigureOut">
               <a:rPr lang="fi-FI" smtClean="0"/>
-              <a:t>16.12.2015</a:t>
+              <a:t>18.12.2015</a:t>
             </a:fld>
             <a:endParaRPr lang="fi-FI"/>
           </a:p>
@@ -2392,7 +2392,7 @@
           <a:p>
             <a:fld id="{327DBA9D-E4B6-4518-8786-B9C2F86DE51A}" type="datetime1">
               <a:rPr lang="fi-FI" smtClean="0"/>
-              <a:t>16.12.2015</a:t>
+              <a:t>18.12.2015</a:t>
             </a:fld>
             <a:endParaRPr lang="fi-FI"/>
           </a:p>
@@ -2614,7 +2614,7 @@
           <a:p>
             <a:fld id="{0DD1C434-342C-41CF-89F6-C5FAA9A71CEB}" type="datetime1">
               <a:rPr lang="fi-FI" smtClean="0"/>
-              <a:t>16.12.2015</a:t>
+              <a:t>18.12.2015</a:t>
             </a:fld>
             <a:endParaRPr lang="fi-FI"/>
           </a:p>
@@ -2809,7 +2809,7 @@
           <a:p>
             <a:fld id="{0ED5A8FB-7600-4919-883B-12481B4F6CCB}" type="datetime1">
               <a:rPr lang="fi-FI" smtClean="0"/>
-              <a:t>16.12.2015</a:t>
+              <a:t>18.12.2015</a:t>
             </a:fld>
             <a:endParaRPr lang="fi-FI"/>
           </a:p>
@@ -4684,7 +4684,7 @@
           <a:p>
             <a:fld id="{786339DA-C46F-4C6F-95A3-9379EAD4B9E9}" type="datetime1">
               <a:rPr lang="fi-FI" smtClean="0"/>
-              <a:t>16.12.2015</a:t>
+              <a:t>18.12.2015</a:t>
             </a:fld>
             <a:endParaRPr lang="fi-FI"/>
           </a:p>
@@ -6598,7 +6598,7 @@
           <a:p>
             <a:fld id="{DDE8EE06-37CE-4589-979F-8BAD7B9A600E}" type="datetime1">
               <a:rPr lang="fi-FI" smtClean="0"/>
-              <a:t>16.12.2015</a:t>
+              <a:t>18.12.2015</a:t>
             </a:fld>
             <a:endParaRPr lang="fi-FI"/>
           </a:p>
@@ -6755,7 +6755,7 @@
           <a:p>
             <a:fld id="{17D99144-C526-494B-B7FE-18E55CA793B3}" type="datetime1">
               <a:rPr lang="fi-FI" smtClean="0"/>
-              <a:t>16.12.2015</a:t>
+              <a:t>18.12.2015</a:t>
             </a:fld>
             <a:endParaRPr lang="fi-FI"/>
           </a:p>
@@ -7340,7 +7340,7 @@
           <a:p>
             <a:fld id="{E2F92E3A-C1B1-4FA0-AB14-E082E2685DC2}" type="datetime1">
               <a:rPr lang="fi-FI" smtClean="0"/>
-              <a:t>16.12.2015</a:t>
+              <a:t>18.12.2015</a:t>
             </a:fld>
             <a:endParaRPr lang="fi-FI"/>
           </a:p>
@@ -7497,7 +7497,7 @@
           <a:p>
             <a:fld id="{21167F19-C9AE-4D99-81D4-E387C66372F9}" type="datetime1">
               <a:rPr lang="fi-FI" smtClean="0"/>
-              <a:t>16.12.2015</a:t>
+              <a:t>18.12.2015</a:t>
             </a:fld>
             <a:endParaRPr lang="fi-FI"/>
           </a:p>
@@ -9252,7 +9252,7 @@
           <a:p>
             <a:fld id="{E3C8B590-F809-4880-A511-D394916220E8}" type="datetime1">
               <a:rPr lang="fi-FI" smtClean="0"/>
-              <a:t>16.12.2015</a:t>
+              <a:t>18.12.2015</a:t>
             </a:fld>
             <a:endParaRPr lang="fi-FI"/>
           </a:p>
@@ -9447,7 +9447,7 @@
           <a:p>
             <a:fld id="{3363C4C5-2E4E-4839-9FB9-FA0460CC2E24}" type="datetime1">
               <a:rPr lang="fi-FI" smtClean="0"/>
-              <a:t>16.12.2015</a:t>
+              <a:t>18.12.2015</a:t>
             </a:fld>
             <a:endParaRPr lang="fi-FI"/>
           </a:p>
@@ -13106,7 +13106,7 @@
           <a:p>
             <a:fld id="{C4CAF184-C661-41D6-A7AB-1B2872D71EF1}" type="datetime1">
               <a:rPr lang="fi-FI" smtClean="0"/>
-              <a:t>16.12.2015</a:t>
+              <a:t>18.12.2015</a:t>
             </a:fld>
             <a:endParaRPr lang="fi-FI"/>
           </a:p>
@@ -15005,7 +15005,7 @@
           <a:p>
             <a:fld id="{547E3534-5B45-47CB-9862-2AC10FB9400A}" type="datetime1">
               <a:rPr lang="fi-FI" smtClean="0"/>
-              <a:t>16.12.2015</a:t>
+              <a:t>18.12.2015</a:t>
             </a:fld>
             <a:endParaRPr lang="fi-FI"/>
           </a:p>
@@ -15696,7 +15696,7 @@
           <a:p>
             <a:fld id="{4691B1D1-5A08-4681-9A72-9B2DED367437}" type="datetime1">
               <a:rPr lang="fi-FI" smtClean="0"/>
-              <a:t>16.12.2015</a:t>
+              <a:t>18.12.2015</a:t>
             </a:fld>
             <a:endParaRPr lang="fi-FI"/>
           </a:p>
@@ -15910,7 +15910,7 @@
           <a:p>
             <a:fld id="{786339DA-C46F-4C6F-95A3-9379EAD4B9E9}" type="datetime1">
               <a:rPr lang="fi-FI" smtClean="0"/>
-              <a:t>16.12.2015</a:t>
+              <a:t>18.12.2015</a:t>
             </a:fld>
             <a:endParaRPr lang="fi-FI"/>
           </a:p>
@@ -16258,7 +16258,7 @@
           <a:p>
             <a:fld id="{786339DA-C46F-4C6F-95A3-9379EAD4B9E9}" type="datetime1">
               <a:rPr lang="fi-FI" smtClean="0"/>
-              <a:t>16.12.2015</a:t>
+              <a:t>18.12.2015</a:t>
             </a:fld>
             <a:endParaRPr lang="fi-FI"/>
           </a:p>
@@ -16496,7 +16496,7 @@
           <a:p>
             <a:fld id="{786339DA-C46F-4C6F-95A3-9379EAD4B9E9}" type="datetime1">
               <a:rPr lang="fi-FI" smtClean="0"/>
-              <a:t>16.12.2015</a:t>
+              <a:t>18.12.2015</a:t>
             </a:fld>
             <a:endParaRPr lang="fi-FI"/>
           </a:p>
@@ -16706,7 +16706,7 @@
           <a:p>
             <a:fld id="{786339DA-C46F-4C6F-95A3-9379EAD4B9E9}" type="datetime1">
               <a:rPr lang="fi-FI" smtClean="0"/>
-              <a:t>16.12.2015</a:t>
+              <a:t>18.12.2015</a:t>
             </a:fld>
             <a:endParaRPr lang="fi-FI"/>
           </a:p>
@@ -17146,7 +17146,7 @@
           <a:p>
             <a:fld id="{786339DA-C46F-4C6F-95A3-9379EAD4B9E9}" type="datetime1">
               <a:rPr lang="fi-FI" smtClean="0"/>
-              <a:t>16.12.2015</a:t>
+              <a:t>18.12.2015</a:t>
             </a:fld>
             <a:endParaRPr lang="fi-FI"/>
           </a:p>
@@ -17543,7 +17543,7 @@
           <a:p>
             <a:fld id="{786339DA-C46F-4C6F-95A3-9379EAD4B9E9}" type="datetime1">
               <a:rPr lang="fi-FI" smtClean="0"/>
-              <a:t>16.12.2015</a:t>
+              <a:t>18.12.2015</a:t>
             </a:fld>
             <a:endParaRPr lang="fi-FI"/>
           </a:p>
@@ -17749,7 +17749,7 @@
           <a:p>
             <a:fld id="{786339DA-C46F-4C6F-95A3-9379EAD4B9E9}" type="datetime1">
               <a:rPr lang="fi-FI" smtClean="0"/>
-              <a:t>16.12.2015</a:t>
+              <a:t>18.12.2015</a:t>
             </a:fld>
             <a:endParaRPr lang="fi-FI"/>
           </a:p>
@@ -18068,7 +18068,7 @@
           <a:p>
             <a:fld id="{786339DA-C46F-4C6F-95A3-9379EAD4B9E9}" type="datetime1">
               <a:rPr lang="fi-FI" smtClean="0"/>
-              <a:t>16.12.2015</a:t>
+              <a:t>18.12.2015</a:t>
             </a:fld>
             <a:endParaRPr lang="fi-FI"/>
           </a:p>
@@ -18401,7 +18401,7 @@
           <a:p>
             <a:fld id="{786339DA-C46F-4C6F-95A3-9379EAD4B9E9}" type="datetime1">
               <a:rPr lang="fi-FI" smtClean="0"/>
-              <a:t>16.12.2015</a:t>
+              <a:t>18.12.2015</a:t>
             </a:fld>
             <a:endParaRPr lang="fi-FI"/>
           </a:p>
@@ -18639,7 +18639,7 @@
           <a:p>
             <a:fld id="{786339DA-C46F-4C6F-95A3-9379EAD4B9E9}" type="datetime1">
               <a:rPr lang="fi-FI" smtClean="0"/>
-              <a:t>16.12.2015</a:t>
+              <a:t>18.12.2015</a:t>
             </a:fld>
             <a:endParaRPr lang="fi-FI"/>
           </a:p>
@@ -18869,7 +18869,7 @@
           <a:p>
             <a:fld id="{786339DA-C46F-4C6F-95A3-9379EAD4B9E9}" type="datetime1">
               <a:rPr lang="fi-FI" smtClean="0"/>
-              <a:t>16.12.2015</a:t>
+              <a:t>18.12.2015</a:t>
             </a:fld>
             <a:endParaRPr lang="fi-FI"/>
           </a:p>
@@ -19028,7 +19028,7 @@
           <a:p>
             <a:fld id="{786339DA-C46F-4C6F-95A3-9379EAD4B9E9}" type="datetime1">
               <a:rPr lang="fi-FI" smtClean="0"/>
-              <a:t>16.12.2015</a:t>
+              <a:t>18.12.2015</a:t>
             </a:fld>
             <a:endParaRPr lang="fi-FI"/>
           </a:p>
@@ -19228,7 +19228,7 @@
           <a:p>
             <a:fld id="{15714908-B9A4-40F7-871E-9BC4195B2576}" type="datetime1">
               <a:rPr lang="fi-FI" smtClean="0"/>
-              <a:t>16.12.2015</a:t>
+              <a:t>18.12.2015</a:t>
             </a:fld>
             <a:endParaRPr lang="fi-FI"/>
           </a:p>
@@ -19682,7 +19682,7 @@
           <a:p>
             <a:fld id="{786339DA-C46F-4C6F-95A3-9379EAD4B9E9}" type="datetime1">
               <a:rPr lang="fi-FI" smtClean="0"/>
-              <a:t>16.12.2015</a:t>
+              <a:t>18.12.2015</a:t>
             </a:fld>
             <a:endParaRPr lang="fi-FI"/>
           </a:p>
@@ -20181,7 +20181,7 @@
           <a:p>
             <a:fld id="{786339DA-C46F-4C6F-95A3-9379EAD4B9E9}" type="datetime1">
               <a:rPr lang="fi-FI" smtClean="0"/>
-              <a:t>16.12.2015</a:t>
+              <a:t>18.12.2015</a:t>
             </a:fld>
             <a:endParaRPr lang="fi-FI"/>
           </a:p>
@@ -20770,7 +20770,7 @@
           <a:p>
             <a:fld id="{786339DA-C46F-4C6F-95A3-9379EAD4B9E9}" type="datetime1">
               <a:rPr lang="fi-FI" smtClean="0"/>
-              <a:t>16.12.2015</a:t>
+              <a:t>18.12.2015</a:t>
             </a:fld>
             <a:endParaRPr lang="fi-FI"/>
           </a:p>
@@ -21179,7 +21179,7 @@
           <a:p>
             <a:fld id="{786339DA-C46F-4C6F-95A3-9379EAD4B9E9}" type="datetime1">
               <a:rPr lang="fi-FI" smtClean="0"/>
-              <a:t>16.12.2015</a:t>
+              <a:t>18.12.2015</a:t>
             </a:fld>
             <a:endParaRPr lang="fi-FI"/>
           </a:p>
@@ -21273,7 +21273,7 @@
           <a:p>
             <a:fld id="{786339DA-C46F-4C6F-95A3-9379EAD4B9E9}" type="datetime1">
               <a:rPr lang="fi-FI" smtClean="0"/>
-              <a:t>16.12.2015</a:t>
+              <a:t>18.12.2015</a:t>
             </a:fld>
             <a:endParaRPr lang="fi-FI"/>
           </a:p>
@@ -22070,7 +22070,7 @@
           <a:p>
             <a:fld id="{786339DA-C46F-4C6F-95A3-9379EAD4B9E9}" type="datetime1">
               <a:rPr lang="fi-FI" smtClean="0"/>
-              <a:t>16.12.2015</a:t>
+              <a:t>18.12.2015</a:t>
             </a:fld>
             <a:endParaRPr lang="fi-FI"/>
           </a:p>
@@ -22235,7 +22235,7 @@
           <a:p>
             <a:fld id="{786339DA-C46F-4C6F-95A3-9379EAD4B9E9}" type="datetime1">
               <a:rPr lang="fi-FI" smtClean="0"/>
-              <a:t>16.12.2015</a:t>
+              <a:t>18.12.2015</a:t>
             </a:fld>
             <a:endParaRPr lang="fi-FI"/>
           </a:p>
@@ -22442,7 +22442,7 @@
           <a:p>
             <a:fld id="{786339DA-C46F-4C6F-95A3-9379EAD4B9E9}" type="datetime1">
               <a:rPr lang="fi-FI" smtClean="0"/>
-              <a:t>16.12.2015</a:t>
+              <a:t>18.12.2015</a:t>
             </a:fld>
             <a:endParaRPr lang="fi-FI"/>
           </a:p>
@@ -22549,7 +22549,7 @@
           <a:p>
             <a:fld id="{786339DA-C46F-4C6F-95A3-9379EAD4B9E9}" type="datetime1">
               <a:rPr lang="fi-FI" smtClean="0"/>
-              <a:t>16.12.2015</a:t>
+              <a:t>18.12.2015</a:t>
             </a:fld>
             <a:endParaRPr lang="fi-FI"/>
           </a:p>
@@ -23273,7 +23273,7 @@
           <a:p>
             <a:fld id="{786339DA-C46F-4C6F-95A3-9379EAD4B9E9}" type="datetime1">
               <a:rPr lang="fi-FI" smtClean="0"/>
-              <a:t>16.12.2015</a:t>
+              <a:t>18.12.2015</a:t>
             </a:fld>
             <a:endParaRPr lang="fi-FI"/>
           </a:p>
@@ -23659,7 +23659,7 @@
           <a:p>
             <a:fld id="{786339DA-C46F-4C6F-95A3-9379EAD4B9E9}" type="datetime1">
               <a:rPr lang="fi-FI" smtClean="0"/>
-              <a:t>16.12.2015</a:t>
+              <a:t>18.12.2015</a:t>
             </a:fld>
             <a:endParaRPr lang="fi-FI"/>
           </a:p>
@@ -23853,7 +23853,7 @@
           <a:p>
             <a:fld id="{E2F92E3A-C1B1-4FA0-AB14-E082E2685DC2}" type="datetime1">
               <a:rPr lang="fi-FI" smtClean="0"/>
-              <a:t>16.12.2015</a:t>
+              <a:t>18.12.2015</a:t>
             </a:fld>
             <a:endParaRPr lang="fi-FI"/>
           </a:p>
@@ -24159,7 +24159,7 @@
           <a:p>
             <a:fld id="{786339DA-C46F-4C6F-95A3-9379EAD4B9E9}" type="datetime1">
               <a:rPr lang="fi-FI" smtClean="0"/>
-              <a:t>16.12.2015</a:t>
+              <a:t>18.12.2015</a:t>
             </a:fld>
             <a:endParaRPr lang="fi-FI"/>
           </a:p>
@@ -24729,7 +24729,7 @@
           <a:p>
             <a:fld id="{786339DA-C46F-4C6F-95A3-9379EAD4B9E9}" type="datetime1">
               <a:rPr lang="fi-FI" smtClean="0"/>
-              <a:t>16.12.2015</a:t>
+              <a:t>18.12.2015</a:t>
             </a:fld>
             <a:endParaRPr lang="fi-FI"/>
           </a:p>
@@ -24847,7 +24847,7 @@
           <a:p>
             <a:fld id="{786339DA-C46F-4C6F-95A3-9379EAD4B9E9}" type="datetime1">
               <a:rPr lang="fi-FI" smtClean="0"/>
-              <a:t>16.12.2015</a:t>
+              <a:t>18.12.2015</a:t>
             </a:fld>
             <a:endParaRPr lang="fi-FI"/>
           </a:p>
@@ -24995,7 +24995,7 @@
           <a:p>
             <a:fld id="{786339DA-C46F-4C6F-95A3-9379EAD4B9E9}" type="datetime1">
               <a:rPr lang="fi-FI" smtClean="0"/>
-              <a:t>16.12.2015</a:t>
+              <a:t>18.12.2015</a:t>
             </a:fld>
             <a:endParaRPr lang="fi-FI"/>
           </a:p>
@@ -25094,7 +25094,7 @@
           <a:p>
             <a:fld id="{786339DA-C46F-4C6F-95A3-9379EAD4B9E9}" type="datetime1">
               <a:rPr lang="fi-FI" smtClean="0"/>
-              <a:t>16.12.2015</a:t>
+              <a:t>18.12.2015</a:t>
             </a:fld>
             <a:endParaRPr lang="fi-FI"/>
           </a:p>
@@ -25240,7 +25240,7 @@
           <a:p>
             <a:fld id="{786339DA-C46F-4C6F-95A3-9379EAD4B9E9}" type="datetime1">
               <a:rPr lang="fi-FI" smtClean="0"/>
-              <a:t>16.12.2015</a:t>
+              <a:t>18.12.2015</a:t>
             </a:fld>
             <a:endParaRPr lang="fi-FI"/>
           </a:p>
@@ -25335,7 +25335,7 @@
           <a:p>
             <a:fld id="{786339DA-C46F-4C6F-95A3-9379EAD4B9E9}" type="datetime1">
               <a:rPr lang="fi-FI" smtClean="0"/>
-              <a:t>16.12.2015</a:t>
+              <a:t>18.12.2015</a:t>
             </a:fld>
             <a:endParaRPr lang="fi-FI"/>
           </a:p>
@@ -25398,7 +25398,7 @@
         </p:blipFill>
         <p:spPr>
           <a:xfrm>
-            <a:off x="1691680" y="3068960"/>
+            <a:off x="1691680" y="3135982"/>
             <a:ext cx="5534025" cy="2381250"/>
           </a:xfrm>
           <a:prstGeom prst="rect">
@@ -25476,7 +25476,7 @@
           <a:p>
             <a:fld id="{786339DA-C46F-4C6F-95A3-9379EAD4B9E9}" type="datetime1">
               <a:rPr lang="fi-FI" smtClean="0"/>
-              <a:t>16.12.2015</a:t>
+              <a:t>18.12.2015</a:t>
             </a:fld>
             <a:endParaRPr lang="fi-FI"/>
           </a:p>
@@ -25683,7 +25683,7 @@
           <a:p>
             <a:fld id="{786339DA-C46F-4C6F-95A3-9379EAD4B9E9}" type="datetime1">
               <a:rPr lang="fi-FI" smtClean="0"/>
-              <a:t>16.12.2015</a:t>
+              <a:t>18.12.2015</a:t>
             </a:fld>
             <a:endParaRPr lang="fi-FI"/>
           </a:p>
@@ -25869,7 +25869,7 @@
           <a:p>
             <a:fld id="{786339DA-C46F-4C6F-95A3-9379EAD4B9E9}" type="datetime1">
               <a:rPr lang="fi-FI" smtClean="0"/>
-              <a:t>16.12.2015</a:t>
+              <a:t>18.12.2015</a:t>
             </a:fld>
             <a:endParaRPr lang="fi-FI"/>
           </a:p>
@@ -26051,7 +26051,7 @@
           <a:p>
             <a:fld id="{786339DA-C46F-4C6F-95A3-9379EAD4B9E9}" type="datetime1">
               <a:rPr lang="fi-FI" smtClean="0"/>
-              <a:t>16.12.2015</a:t>
+              <a:t>18.12.2015</a:t>
             </a:fld>
             <a:endParaRPr lang="fi-FI"/>
           </a:p>
@@ -26211,7 +26211,7 @@
           <a:p>
             <a:fld id="{786339DA-C46F-4C6F-95A3-9379EAD4B9E9}" type="datetime1">
               <a:rPr lang="fi-FI" smtClean="0"/>
-              <a:t>16.12.2015</a:t>
+              <a:t>18.12.2015</a:t>
             </a:fld>
             <a:endParaRPr lang="fi-FI"/>
           </a:p>
@@ -26369,7 +26369,7 @@
           <a:p>
             <a:fld id="{786339DA-C46F-4C6F-95A3-9379EAD4B9E9}" type="datetime1">
               <a:rPr lang="fi-FI" smtClean="0"/>
-              <a:t>16.12.2015</a:t>
+              <a:t>18.12.2015</a:t>
             </a:fld>
             <a:endParaRPr lang="fi-FI"/>
           </a:p>
@@ -26623,7 +26623,7 @@
           <a:p>
             <a:fld id="{786339DA-C46F-4C6F-95A3-9379EAD4B9E9}" type="datetime1">
               <a:rPr lang="fi-FI" smtClean="0"/>
-              <a:t>16.12.2015</a:t>
+              <a:t>18.12.2015</a:t>
             </a:fld>
             <a:endParaRPr lang="fi-FI"/>
           </a:p>
@@ -26779,7 +26779,7 @@
           <a:p>
             <a:fld id="{786339DA-C46F-4C6F-95A3-9379EAD4B9E9}" type="datetime1">
               <a:rPr lang="fi-FI" smtClean="0"/>
-              <a:t>16.12.2015</a:t>
+              <a:t>18.12.2015</a:t>
             </a:fld>
             <a:endParaRPr lang="fi-FI"/>
           </a:p>
@@ -27427,7 +27427,7 @@
           <a:p>
             <a:fld id="{786339DA-C46F-4C6F-95A3-9379EAD4B9E9}" type="datetime1">
               <a:rPr lang="fi-FI" smtClean="0"/>
-              <a:t>16.12.2015</a:t>
+              <a:t>18.12.2015</a:t>
             </a:fld>
             <a:endParaRPr lang="fi-FI"/>
           </a:p>
@@ -27924,7 +27924,7 @@
           <a:p>
             <a:fld id="{786339DA-C46F-4C6F-95A3-9379EAD4B9E9}" type="datetime1">
               <a:rPr lang="fi-FI" smtClean="0"/>
-              <a:t>16.12.2015</a:t>
+              <a:t>18.12.2015</a:t>
             </a:fld>
             <a:endParaRPr lang="fi-FI"/>
           </a:p>
@@ -28389,7 +28389,7 @@
           <a:p>
             <a:fld id="{786339DA-C46F-4C6F-95A3-9379EAD4B9E9}" type="datetime1">
               <a:rPr lang="fi-FI" smtClean="0"/>
-              <a:t>16.12.2015</a:t>
+              <a:t>18.12.2015</a:t>
             </a:fld>
             <a:endParaRPr lang="fi-FI"/>
           </a:p>
@@ -28782,7 +28782,7 @@
           <a:p>
             <a:fld id="{786339DA-C46F-4C6F-95A3-9379EAD4B9E9}" type="datetime1">
               <a:rPr lang="fi-FI" smtClean="0"/>
-              <a:t>16.12.2015</a:t>
+              <a:t>18.12.2015</a:t>
             </a:fld>
             <a:endParaRPr lang="fi-FI"/>
           </a:p>
@@ -28907,7 +28907,7 @@
           <a:p>
             <a:fld id="{786339DA-C46F-4C6F-95A3-9379EAD4B9E9}" type="datetime1">
               <a:rPr lang="fi-FI" smtClean="0"/>
-              <a:t>16.12.2015</a:t>
+              <a:t>18.12.2015</a:t>
             </a:fld>
             <a:endParaRPr lang="fi-FI"/>
           </a:p>
@@ -29026,7 +29026,7 @@
           <a:p>
             <a:fld id="{786339DA-C46F-4C6F-95A3-9379EAD4B9E9}" type="datetime1">
               <a:rPr lang="fi-FI" smtClean="0"/>
-              <a:t>16.12.2015</a:t>
+              <a:t>18.12.2015</a:t>
             </a:fld>
             <a:endParaRPr lang="fi-FI"/>
           </a:p>
@@ -29442,7 +29442,7 @@
           <a:p>
             <a:fld id="{786339DA-C46F-4C6F-95A3-9379EAD4B9E9}" type="datetime1">
               <a:rPr lang="fi-FI" smtClean="0"/>
-              <a:t>16.12.2015</a:t>
+              <a:t>18.12.2015</a:t>
             </a:fld>
             <a:endParaRPr lang="fi-FI"/>
           </a:p>
@@ -29572,7 +29572,7 @@
           <a:p>
             <a:fld id="{786339DA-C46F-4C6F-95A3-9379EAD4B9E9}" type="datetime1">
               <a:rPr lang="fi-FI" smtClean="0"/>
-              <a:t>16.12.2015</a:t>
+              <a:t>18.12.2015</a:t>
             </a:fld>
             <a:endParaRPr lang="fi-FI"/>
           </a:p>
@@ -29698,7 +29698,7 @@
           <a:p>
             <a:fld id="{786339DA-C46F-4C6F-95A3-9379EAD4B9E9}" type="datetime1">
               <a:rPr lang="fi-FI" smtClean="0"/>
-              <a:t>16.12.2015</a:t>
+              <a:t>18.12.2015</a:t>
             </a:fld>
             <a:endParaRPr lang="fi-FI"/>
           </a:p>
@@ -29856,7 +29856,7 @@
           <a:p>
             <a:fld id="{786339DA-C46F-4C6F-95A3-9379EAD4B9E9}" type="datetime1">
               <a:rPr lang="fi-FI" smtClean="0"/>
-              <a:t>16.12.2015</a:t>
+              <a:t>18.12.2015</a:t>
             </a:fld>
             <a:endParaRPr lang="fi-FI"/>
           </a:p>
@@ -29951,7 +29951,7 @@
           <a:p>
             <a:fld id="{786339DA-C46F-4C6F-95A3-9379EAD4B9E9}" type="datetime1">
               <a:rPr lang="fi-FI" smtClean="0"/>
-              <a:t>16.12.2015</a:t>
+              <a:t>18.12.2015</a:t>
             </a:fld>
             <a:endParaRPr lang="fi-FI"/>
           </a:p>
@@ -30100,7 +30100,7 @@
           <a:p>
             <a:fld id="{786339DA-C46F-4C6F-95A3-9379EAD4B9E9}" type="datetime1">
               <a:rPr lang="fi-FI" smtClean="0"/>
-              <a:t>16.12.2015</a:t>
+              <a:t>18.12.2015</a:t>
             </a:fld>
             <a:endParaRPr lang="fi-FI"/>
           </a:p>
@@ -30195,7 +30195,7 @@
           <a:p>
             <a:fld id="{786339DA-C46F-4C6F-95A3-9379EAD4B9E9}" type="datetime1">
               <a:rPr lang="fi-FI" smtClean="0"/>
-              <a:t>16.12.2015</a:t>
+              <a:t>18.12.2015</a:t>
             </a:fld>
             <a:endParaRPr lang="fi-FI"/>
           </a:p>
@@ -30368,7 +30368,7 @@
           <a:p>
             <a:fld id="{786339DA-C46F-4C6F-95A3-9379EAD4B9E9}" type="datetime1">
               <a:rPr lang="fi-FI" smtClean="0"/>
-              <a:t>16.12.2015</a:t>
+              <a:t>18.12.2015</a:t>
             </a:fld>
             <a:endParaRPr lang="fi-FI"/>
           </a:p>
@@ -30463,7 +30463,7 @@
           <a:p>
             <a:fld id="{786339DA-C46F-4C6F-95A3-9379EAD4B9E9}" type="datetime1">
               <a:rPr lang="fi-FI" smtClean="0"/>
-              <a:t>16.12.2015</a:t>
+              <a:t>18.12.2015</a:t>
             </a:fld>
             <a:endParaRPr lang="fi-FI"/>
           </a:p>
@@ -30613,7 +30613,7 @@
           <a:p>
             <a:fld id="{786339DA-C46F-4C6F-95A3-9379EAD4B9E9}" type="datetime1">
               <a:rPr lang="fi-FI" smtClean="0"/>
-              <a:t>16.12.2015</a:t>
+              <a:t>18.12.2015</a:t>
             </a:fld>
             <a:endParaRPr lang="fi-FI"/>
           </a:p>
@@ -30805,7 +30805,7 @@
           <a:p>
             <a:fld id="{786339DA-C46F-4C6F-95A3-9379EAD4B9E9}" type="datetime1">
               <a:rPr lang="fi-FI" smtClean="0"/>
-              <a:t>16.12.2015</a:t>
+              <a:t>18.12.2015</a:t>
             </a:fld>
             <a:endParaRPr lang="fi-FI"/>
           </a:p>
@@ -30935,7 +30935,7 @@
           <a:p>
             <a:fld id="{786339DA-C46F-4C6F-95A3-9379EAD4B9E9}" type="datetime1">
               <a:rPr lang="fi-FI" smtClean="0"/>
-              <a:t>16.12.2015</a:t>
+              <a:t>18.12.2015</a:t>
             </a:fld>
             <a:endParaRPr lang="fi-FI"/>
           </a:p>
@@ -31109,7 +31109,7 @@
           <a:p>
             <a:fld id="{786339DA-C46F-4C6F-95A3-9379EAD4B9E9}" type="datetime1">
               <a:rPr lang="fi-FI" smtClean="0"/>
-              <a:t>16.12.2015</a:t>
+              <a:t>18.12.2015</a:t>
             </a:fld>
             <a:endParaRPr lang="fi-FI"/>
           </a:p>
@@ -31290,7 +31290,7 @@
           <a:p>
             <a:fld id="{786339DA-C46F-4C6F-95A3-9379EAD4B9E9}" type="datetime1">
               <a:rPr lang="fi-FI" smtClean="0"/>
-              <a:t>16.12.2015</a:t>
+              <a:t>18.12.2015</a:t>
             </a:fld>
             <a:endParaRPr lang="fi-FI"/>
           </a:p>
@@ -31385,7 +31385,7 @@
           <a:p>
             <a:fld id="{786339DA-C46F-4C6F-95A3-9379EAD4B9E9}" type="datetime1">
               <a:rPr lang="fi-FI" smtClean="0"/>
-              <a:t>16.12.2015</a:t>
+              <a:t>18.12.2015</a:t>
             </a:fld>
             <a:endParaRPr lang="fi-FI"/>
           </a:p>
@@ -31570,7 +31570,7 @@
           <a:p>
             <a:fld id="{786339DA-C46F-4C6F-95A3-9379EAD4B9E9}" type="datetime1">
               <a:rPr lang="fi-FI" smtClean="0"/>
-              <a:t>16.12.2015</a:t>
+              <a:t>18.12.2015</a:t>
             </a:fld>
             <a:endParaRPr lang="fi-FI"/>
           </a:p>
@@ -31757,7 +31757,7 @@
           <a:p>
             <a:fld id="{786339DA-C46F-4C6F-95A3-9379EAD4B9E9}" type="datetime1">
               <a:rPr lang="fi-FI" smtClean="0"/>
-              <a:t>16.12.2015</a:t>
+              <a:t>18.12.2015</a:t>
             </a:fld>
             <a:endParaRPr lang="fi-FI"/>
           </a:p>
@@ -31918,7 +31918,7 @@
           <a:p>
             <a:fld id="{786339DA-C46F-4C6F-95A3-9379EAD4B9E9}" type="datetime1">
               <a:rPr lang="fi-FI" smtClean="0"/>
-              <a:t>16.12.2015</a:t>
+              <a:t>18.12.2015</a:t>
             </a:fld>
             <a:endParaRPr lang="fi-FI"/>
           </a:p>
@@ -32218,7 +32218,7 @@
           <a:p>
             <a:fld id="{786339DA-C46F-4C6F-95A3-9379EAD4B9E9}" type="datetime1">
               <a:rPr lang="fi-FI" smtClean="0"/>
-              <a:t>16.12.2015</a:t>
+              <a:t>18.12.2015</a:t>
             </a:fld>
             <a:endParaRPr lang="fi-FI"/>
           </a:p>
@@ -32355,7 +32355,7 @@
           <a:p>
             <a:fld id="{786339DA-C46F-4C6F-95A3-9379EAD4B9E9}" type="datetime1">
               <a:rPr lang="fi-FI" smtClean="0"/>
-              <a:t>16.12.2015</a:t>
+              <a:t>18.12.2015</a:t>
             </a:fld>
             <a:endParaRPr lang="fi-FI"/>
           </a:p>
@@ -32507,7 +32507,7 @@
           <a:p>
             <a:fld id="{786339DA-C46F-4C6F-95A3-9379EAD4B9E9}" type="datetime1">
               <a:rPr lang="fi-FI" smtClean="0"/>
-              <a:t>16.12.2015</a:t>
+              <a:t>18.12.2015</a:t>
             </a:fld>
             <a:endParaRPr lang="fi-FI"/>
           </a:p>
@@ -32635,7 +32635,7 @@
           <a:p>
             <a:fld id="{786339DA-C46F-4C6F-95A3-9379EAD4B9E9}" type="datetime1">
               <a:rPr lang="fi-FI" smtClean="0"/>
-              <a:t>16.12.2015</a:t>
+              <a:t>18.12.2015</a:t>
             </a:fld>
             <a:endParaRPr lang="fi-FI"/>
           </a:p>
@@ -32799,7 +32799,7 @@
           <a:p>
             <a:fld id="{786339DA-C46F-4C6F-95A3-9379EAD4B9E9}" type="datetime1">
               <a:rPr lang="fi-FI" smtClean="0"/>
-              <a:t>16.12.2015</a:t>
+              <a:t>18.12.2015</a:t>
             </a:fld>
             <a:endParaRPr lang="fi-FI"/>
           </a:p>
@@ -32963,7 +32963,7 @@
           <a:p>
             <a:fld id="{786339DA-C46F-4C6F-95A3-9379EAD4B9E9}" type="datetime1">
               <a:rPr lang="fi-FI" smtClean="0"/>
-              <a:t>16.12.2015</a:t>
+              <a:t>18.12.2015</a:t>
             </a:fld>
             <a:endParaRPr lang="fi-FI"/>
           </a:p>
@@ -33116,7 +33116,7 @@
           <a:p>
             <a:fld id="{786339DA-C46F-4C6F-95A3-9379EAD4B9E9}" type="datetime1">
               <a:rPr lang="fi-FI" smtClean="0"/>
-              <a:t>16.12.2015</a:t>
+              <a:t>18.12.2015</a:t>
             </a:fld>
             <a:endParaRPr lang="fi-FI"/>
           </a:p>
@@ -33290,7 +33290,7 @@
           <a:p>
             <a:fld id="{786339DA-C46F-4C6F-95A3-9379EAD4B9E9}" type="datetime1">
               <a:rPr lang="fi-FI" smtClean="0"/>
-              <a:t>16.12.2015</a:t>
+              <a:t>18.12.2015</a:t>
             </a:fld>
             <a:endParaRPr lang="fi-FI"/>
           </a:p>
@@ -33498,7 +33498,7 @@
           <a:p>
             <a:fld id="{786339DA-C46F-4C6F-95A3-9379EAD4B9E9}" type="datetime1">
               <a:rPr lang="fi-FI" smtClean="0"/>
-              <a:t>16.12.2015</a:t>
+              <a:t>18.12.2015</a:t>
             </a:fld>
             <a:endParaRPr lang="fi-FI"/>
           </a:p>
@@ -33651,7 +33651,7 @@
           <a:p>
             <a:fld id="{786339DA-C46F-4C6F-95A3-9379EAD4B9E9}" type="datetime1">
               <a:rPr lang="fi-FI" smtClean="0"/>
-              <a:t>16.12.2015</a:t>
+              <a:t>18.12.2015</a:t>
             </a:fld>
             <a:endParaRPr lang="fi-FI"/>
           </a:p>
@@ -33745,7 +33745,7 @@
           <a:p>
             <a:fld id="{786339DA-C46F-4C6F-95A3-9379EAD4B9E9}" type="datetime1">
               <a:rPr lang="fi-FI" smtClean="0"/>
-              <a:t>16.12.2015</a:t>
+              <a:t>18.12.2015</a:t>
             </a:fld>
             <a:endParaRPr lang="fi-FI"/>
           </a:p>
@@ -33886,7 +33886,7 @@
           <a:p>
             <a:fld id="{786339DA-C46F-4C6F-95A3-9379EAD4B9E9}" type="datetime1">
               <a:rPr lang="fi-FI" smtClean="0"/>
-              <a:t>16.12.2015</a:t>
+              <a:t>18.12.2015</a:t>
             </a:fld>
             <a:endParaRPr lang="fi-FI"/>
           </a:p>
@@ -34050,7 +34050,7 @@
           <a:p>
             <a:fld id="{786339DA-C46F-4C6F-95A3-9379EAD4B9E9}" type="datetime1">
               <a:rPr lang="fi-FI" smtClean="0"/>
-              <a:t>16.12.2015</a:t>
+              <a:t>18.12.2015</a:t>
             </a:fld>
             <a:endParaRPr lang="fi-FI"/>
           </a:p>
@@ -34249,7 +34249,7 @@
           <a:p>
             <a:fld id="{786339DA-C46F-4C6F-95A3-9379EAD4B9E9}" type="datetime1">
               <a:rPr lang="fi-FI" smtClean="0"/>
-              <a:t>16.12.2015</a:t>
+              <a:t>18.12.2015</a:t>
             </a:fld>
             <a:endParaRPr lang="fi-FI"/>
           </a:p>
@@ -34479,7 +34479,7 @@
           <a:p>
             <a:fld id="{786339DA-C46F-4C6F-95A3-9379EAD4B9E9}" type="datetime1">
               <a:rPr lang="fi-FI" smtClean="0"/>
-              <a:t>16.12.2015</a:t>
+              <a:t>18.12.2015</a:t>
             </a:fld>
             <a:endParaRPr lang="fi-FI"/>
           </a:p>
@@ -34667,7 +34667,7 @@
           <a:p>
             <a:fld id="{786339DA-C46F-4C6F-95A3-9379EAD4B9E9}" type="datetime1">
               <a:rPr lang="fi-FI" smtClean="0"/>
-              <a:t>16.12.2015</a:t>
+              <a:t>18.12.2015</a:t>
             </a:fld>
             <a:endParaRPr lang="fi-FI"/>
           </a:p>
@@ -34836,7 +34836,7 @@
           <a:p>
             <a:fld id="{786339DA-C46F-4C6F-95A3-9379EAD4B9E9}" type="datetime1">
               <a:rPr lang="fi-FI" smtClean="0"/>
-              <a:t>16.12.2015</a:t>
+              <a:t>18.12.2015</a:t>
             </a:fld>
             <a:endParaRPr lang="fi-FI"/>
           </a:p>
@@ -35012,7 +35012,7 @@
           <a:p>
             <a:fld id="{786339DA-C46F-4C6F-95A3-9379EAD4B9E9}" type="datetime1">
               <a:rPr lang="fi-FI" smtClean="0"/>
-              <a:t>16.12.2015</a:t>
+              <a:t>18.12.2015</a:t>
             </a:fld>
             <a:endParaRPr lang="fi-FI"/>
           </a:p>
@@ -35155,7 +35155,7 @@
           <a:p>
             <a:fld id="{786339DA-C46F-4C6F-95A3-9379EAD4B9E9}" type="datetime1">
               <a:rPr lang="fi-FI" smtClean="0"/>
-              <a:t>16.12.2015</a:t>
+              <a:t>18.12.2015</a:t>
             </a:fld>
             <a:endParaRPr lang="fi-FI"/>
           </a:p>
@@ -35395,7 +35395,7 @@
           <a:p>
             <a:fld id="{786339DA-C46F-4C6F-95A3-9379EAD4B9E9}" type="datetime1">
               <a:rPr lang="fi-FI" smtClean="0"/>
-              <a:t>16.12.2015</a:t>
+              <a:t>18.12.2015</a:t>
             </a:fld>
             <a:endParaRPr lang="fi-FI"/>
           </a:p>
@@ -35589,7 +35589,7 @@
           <a:p>
             <a:fld id="{786339DA-C46F-4C6F-95A3-9379EAD4B9E9}" type="datetime1">
               <a:rPr lang="fi-FI" smtClean="0"/>
-              <a:t>16.12.2015</a:t>
+              <a:t>18.12.2015</a:t>
             </a:fld>
             <a:endParaRPr lang="fi-FI"/>
           </a:p>
@@ -35741,7 +35741,7 @@
           <a:p>
             <a:fld id="{786339DA-C46F-4C6F-95A3-9379EAD4B9E9}" type="datetime1">
               <a:rPr lang="fi-FI" smtClean="0"/>
-              <a:t>16.12.2015</a:t>
+              <a:t>18.12.2015</a:t>
             </a:fld>
             <a:endParaRPr lang="fi-FI"/>
           </a:p>
@@ -35882,7 +35882,7 @@
           <a:p>
             <a:fld id="{786339DA-C46F-4C6F-95A3-9379EAD4B9E9}" type="datetime1">
               <a:rPr lang="fi-FI" smtClean="0"/>
-              <a:t>16.12.2015</a:t>
+              <a:t>18.12.2015</a:t>
             </a:fld>
             <a:endParaRPr lang="fi-FI"/>
           </a:p>
@@ -36055,7 +36055,7 @@
           <a:p>
             <a:fld id="{786339DA-C46F-4C6F-95A3-9379EAD4B9E9}" type="datetime1">
               <a:rPr lang="fi-FI" smtClean="0"/>
-              <a:t>16.12.2015</a:t>
+              <a:t>18.12.2015</a:t>
             </a:fld>
             <a:endParaRPr lang="fi-FI"/>
           </a:p>
@@ -36154,7 +36154,7 @@
           <a:p>
             <a:fld id="{786339DA-C46F-4C6F-95A3-9379EAD4B9E9}" type="datetime1">
               <a:rPr lang="fi-FI" smtClean="0"/>
-              <a:t>16.12.2015</a:t>
+              <a:t>18.12.2015</a:t>
             </a:fld>
             <a:endParaRPr lang="fi-FI"/>
           </a:p>
@@ -36610,7 +36610,7 @@
           <a:p>
             <a:fld id="{786339DA-C46F-4C6F-95A3-9379EAD4B9E9}" type="datetime1">
               <a:rPr lang="fi-FI" smtClean="0"/>
-              <a:t>16.12.2015</a:t>
+              <a:t>18.12.2015</a:t>
             </a:fld>
             <a:endParaRPr lang="fi-FI"/>
           </a:p>
@@ -36709,7 +36709,7 @@
           <a:p>
             <a:fld id="{786339DA-C46F-4C6F-95A3-9379EAD4B9E9}" type="datetime1">
               <a:rPr lang="fi-FI" smtClean="0"/>
-              <a:t>16.12.2015</a:t>
+              <a:t>18.12.2015</a:t>
             </a:fld>
             <a:endParaRPr lang="fi-FI"/>
           </a:p>
@@ -36863,7 +36863,7 @@
           <a:p>
             <a:fld id="{786339DA-C46F-4C6F-95A3-9379EAD4B9E9}" type="datetime1">
               <a:rPr lang="fi-FI" smtClean="0"/>
-              <a:t>16.12.2015</a:t>
+              <a:t>18.12.2015</a:t>
             </a:fld>
             <a:endParaRPr lang="fi-FI"/>
           </a:p>
@@ -37055,7 +37055,7 @@
           <a:p>
             <a:fld id="{786339DA-C46F-4C6F-95A3-9379EAD4B9E9}" type="datetime1">
               <a:rPr lang="fi-FI" smtClean="0"/>
-              <a:t>16.12.2015</a:t>
+              <a:t>18.12.2015</a:t>
             </a:fld>
             <a:endParaRPr lang="fi-FI"/>
           </a:p>
@@ -37175,7 +37175,7 @@
           <a:p>
             <a:fld id="{786339DA-C46F-4C6F-95A3-9379EAD4B9E9}" type="datetime1">
               <a:rPr lang="fi-FI" smtClean="0"/>
-              <a:t>16.12.2015</a:t>
+              <a:t>18.12.2015</a:t>
             </a:fld>
             <a:endParaRPr lang="fi-FI"/>
           </a:p>
@@ -37714,7 +37714,7 @@
           <a:p>
             <a:fld id="{786339DA-C46F-4C6F-95A3-9379EAD4B9E9}" type="datetime1">
               <a:rPr lang="fi-FI" smtClean="0"/>
-              <a:t>16.12.2015</a:t>
+              <a:t>18.12.2015</a:t>
             </a:fld>
             <a:endParaRPr lang="fi-FI"/>
           </a:p>
@@ -37971,7 +37971,7 @@
           <a:p>
             <a:fld id="{786339DA-C46F-4C6F-95A3-9379EAD4B9E9}" type="datetime1">
               <a:rPr lang="fi-FI" smtClean="0"/>
-              <a:t>16.12.2015</a:t>
+              <a:t>18.12.2015</a:t>
             </a:fld>
             <a:endParaRPr lang="fi-FI"/>
           </a:p>
@@ -38289,7 +38289,7 @@
           <a:p>
             <a:fld id="{786339DA-C46F-4C6F-95A3-9379EAD4B9E9}" type="datetime1">
               <a:rPr lang="fi-FI" smtClean="0"/>
-              <a:t>16.12.2015</a:t>
+              <a:t>18.12.2015</a:t>
             </a:fld>
             <a:endParaRPr lang="fi-FI"/>
           </a:p>
@@ -38391,11 +38391,7 @@
             </a:r>
             <a:r>
               <a:rPr lang="en-US" dirty="0" smtClean="0"/>
-              <a:t> annotation </a:t>
-            </a:r>
-            <a:r>
-              <a:rPr lang="en-US" dirty="0" smtClean="0"/>
-              <a:t>marks the function to return something else than .html file. </a:t>
+              <a:t> annotation marks the function to return something else than .html file. </a:t>
             </a:r>
           </a:p>
           <a:p>
@@ -38432,7 +38428,7 @@
           <a:p>
             <a:fld id="{786339DA-C46F-4C6F-95A3-9379EAD4B9E9}" type="datetime1">
               <a:rPr lang="fi-FI" smtClean="0"/>
-              <a:t>16.12.2015</a:t>
+              <a:t>18.12.2015</a:t>
             </a:fld>
             <a:endParaRPr lang="fi-FI"/>
           </a:p>
@@ -38566,7 +38562,7 @@
           <a:p>
             <a:fld id="{786339DA-C46F-4C6F-95A3-9379EAD4B9E9}" type="datetime1">
               <a:rPr lang="fi-FI" smtClean="0"/>
-              <a:t>16.12.2015</a:t>
+              <a:t>18.12.2015</a:t>
             </a:fld>
             <a:endParaRPr lang="fi-FI"/>
           </a:p>
@@ -39202,6 +39198,15 @@
 </file>
 
 <file path=customXml/item1.xml><?xml version="1.0" encoding="utf-8"?>
+<?mso-contentType ?>
+<FormTemplates xmlns="http://schemas.microsoft.com/sharepoint/v3/contenttype/forms">
+  <Display>DocumentLibraryForm</Display>
+  <Edit>DocumentLibraryForm</Edit>
+  <New>DocumentLibraryForm</New>
+</FormTemplates>
+</file>
+
+<file path=customXml/item2.xml><?xml version="1.0" encoding="utf-8"?>
 <ct:contentTypeSchema xmlns:ct="http://schemas.microsoft.com/office/2006/metadata/contentType" xmlns:ma="http://schemas.microsoft.com/office/2006/metadata/properties/metaAttributes" ct:_="" ma:_="" ma:contentTypeName="Asiakirja" ma:contentTypeID="0x010100BA767832A3C62E408D2166E01CB37C73" ma:contentTypeVersion="3" ma:contentTypeDescription="Luo uusi asiakirja." ma:contentTypeScope="" ma:versionID="667ee643abe862ea2c1292fba643c9dd">
   <xsd:schema xmlns:xsd="http://www.w3.org/2001/XMLSchema" xmlns:xs="http://www.w3.org/2001/XMLSchema" xmlns:p="http://schemas.microsoft.com/office/2006/metadata/properties" xmlns:ns3="548e6928-8b0f-4e78-b145-70510c1cc32a" targetNamespace="http://schemas.microsoft.com/office/2006/metadata/properties" ma:root="true" ma:fieldsID="4e237b7d963b961d19650e3192d45e86" ns3:_="">
     <xsd:import namespace="548e6928-8b0f-4e78-b145-70510c1cc32a"/>
@@ -39355,22 +39360,21 @@
 </ct:contentTypeSchema>
 </file>
 
-<file path=customXml/item2.xml><?xml version="1.0" encoding="utf-8"?>
+<file path=customXml/item3.xml><?xml version="1.0" encoding="utf-8"?>
 <p:properties xmlns:p="http://schemas.microsoft.com/office/2006/metadata/properties" xmlns:xsi="http://www.w3.org/2001/XMLSchema-instance" xmlns:pc="http://schemas.microsoft.com/office/infopath/2007/PartnerControls">
   <documentManagement/>
 </p:properties>
 </file>
 
-<file path=customXml/item3.xml><?xml version="1.0" encoding="utf-8"?>
-<?mso-contentType ?>
-<FormTemplates xmlns="http://schemas.microsoft.com/sharepoint/v3/contenttype/forms">
-  <Display>DocumentLibraryForm</Display>
-  <Edit>DocumentLibraryForm</Edit>
-  <New>DocumentLibraryForm</New>
-</FormTemplates>
+<file path=customXml/itemProps1.xml><?xml version="1.0" encoding="utf-8"?>
+<ds:datastoreItem xmlns:ds="http://schemas.openxmlformats.org/officeDocument/2006/customXml" ds:itemID="{D4BAAC8D-B1BC-4F27-90DE-93B2BFA46741}">
+  <ds:schemaRefs>
+    <ds:schemaRef ds:uri="http://schemas.microsoft.com/sharepoint/v3/contenttype/forms"/>
+  </ds:schemaRefs>
+</ds:datastoreItem>
 </file>
 
-<file path=customXml/itemProps1.xml><?xml version="1.0" encoding="utf-8"?>
+<file path=customXml/itemProps2.xml><?xml version="1.0" encoding="utf-8"?>
 <ds:datastoreItem xmlns:ds="http://schemas.openxmlformats.org/officeDocument/2006/customXml" ds:itemID="{8964B86B-D22F-490A-A081-3BF03B7BEDE5}">
   <ds:schemaRefs>
     <ds:schemaRef ds:uri="http://schemas.microsoft.com/office/2006/metadata/contentType"/>
@@ -39388,7 +39392,7 @@
 </ds:datastoreItem>
 </file>
 
-<file path=customXml/itemProps2.xml><?xml version="1.0" encoding="utf-8"?>
+<file path=customXml/itemProps3.xml><?xml version="1.0" encoding="utf-8"?>
 <ds:datastoreItem xmlns:ds="http://schemas.openxmlformats.org/officeDocument/2006/customXml" ds:itemID="{088A17CF-9E87-49EB-A1FF-9A3DC873BD2D}">
   <ds:schemaRefs>
     <ds:schemaRef ds:uri="http://schemas.microsoft.com/office/2006/documentManagement/types"/>
@@ -39402,12 +39406,4 @@
     <ds:schemaRef ds:uri="http://purl.org/dc/elements/1.1/"/>
   </ds:schemaRefs>
 </ds:datastoreItem>
-</file>
-
-<file path=customXml/itemProps3.xml><?xml version="1.0" encoding="utf-8"?>
-<ds:datastoreItem xmlns:ds="http://schemas.openxmlformats.org/officeDocument/2006/customXml" ds:itemID="{D4BAAC8D-B1BC-4F27-90DE-93B2BFA46741}">
-  <ds:schemaRefs>
-    <ds:schemaRef ds:uri="http://schemas.microsoft.com/sharepoint/v3/contenttype/forms"/>
-  </ds:schemaRefs>
-</ds:datastoreItem>
 </file>